--- a/Introduction to Python /lec01.pptx
+++ b/Introduction to Python /lec01.pptx
@@ -5,24 +5,31 @@
     <p:sldMasterId id="2147483648" r:id="rId1"/>
   </p:sldMasterIdLst>
   <p:notesMasterIdLst>
-    <p:notesMasterId r:id="rId17"/>
+    <p:notesMasterId r:id="rId24"/>
   </p:notesMasterIdLst>
   <p:sldIdLst>
     <p:sldId id="256" r:id="rId2"/>
     <p:sldId id="259" r:id="rId3"/>
     <p:sldId id="257" r:id="rId4"/>
     <p:sldId id="258" r:id="rId5"/>
-    <p:sldId id="262" r:id="rId6"/>
-    <p:sldId id="260" r:id="rId7"/>
-    <p:sldId id="261" r:id="rId8"/>
-    <p:sldId id="263" r:id="rId9"/>
-    <p:sldId id="264" r:id="rId10"/>
-    <p:sldId id="265" r:id="rId11"/>
-    <p:sldId id="269" r:id="rId12"/>
-    <p:sldId id="266" r:id="rId13"/>
-    <p:sldId id="267" r:id="rId14"/>
-    <p:sldId id="268" r:id="rId15"/>
-    <p:sldId id="270" r:id="rId16"/>
+    <p:sldId id="273" r:id="rId6"/>
+    <p:sldId id="274" r:id="rId7"/>
+    <p:sldId id="275" r:id="rId8"/>
+    <p:sldId id="276" r:id="rId9"/>
+    <p:sldId id="271" r:id="rId10"/>
+    <p:sldId id="272" r:id="rId11"/>
+    <p:sldId id="277" r:id="rId12"/>
+    <p:sldId id="262" r:id="rId13"/>
+    <p:sldId id="260" r:id="rId14"/>
+    <p:sldId id="261" r:id="rId15"/>
+    <p:sldId id="263" r:id="rId16"/>
+    <p:sldId id="264" r:id="rId17"/>
+    <p:sldId id="265" r:id="rId18"/>
+    <p:sldId id="269" r:id="rId19"/>
+    <p:sldId id="266" r:id="rId20"/>
+    <p:sldId id="267" r:id="rId21"/>
+    <p:sldId id="268" r:id="rId22"/>
+    <p:sldId id="270" r:id="rId23"/>
   </p:sldIdLst>
   <p:sldSz cx="12192000" cy="6858000"/>
   <p:notesSz cx="6858000" cy="9144000"/>
@@ -121,7 +128,2620 @@
       </a:defRPr>
     </a:lvl9pPr>
   </p:defaultTextStyle>
+  <p:extLst>
+    <p:ext uri="{EFAFB233-063F-42B5-8137-9DF3F51BA10A}">
+      <p15:sldGuideLst xmlns:p15="http://schemas.microsoft.com/office/powerpoint/2012/main"/>
+    </p:ext>
+  </p:extLst>
 </p:presentation>
+</file>
+
+<file path=ppt/diagrams/colors1.xml><?xml version="1.0" encoding="utf-8"?>
+<dgm:colorsDef xmlns:dgm="http://schemas.openxmlformats.org/drawingml/2006/diagram" xmlns:a="http://schemas.openxmlformats.org/drawingml/2006/main" uniqueId="urn:microsoft.com/office/officeart/2005/8/colors/accent1_2">
+  <dgm:title val=""/>
+  <dgm:desc val=""/>
+  <dgm:catLst>
+    <dgm:cat type="accent1" pri="11200"/>
+  </dgm:catLst>
+  <dgm:styleLbl name="node0">
+    <dgm:fillClrLst meth="repeat">
+      <a:schemeClr val="accent1"/>
+    </dgm:fillClrLst>
+    <dgm:linClrLst meth="repeat">
+      <a:schemeClr val="lt1"/>
+    </dgm:linClrLst>
+    <dgm:effectClrLst/>
+    <dgm:txLinClrLst/>
+    <dgm:txFillClrLst/>
+    <dgm:txEffectClrLst/>
+  </dgm:styleLbl>
+  <dgm:styleLbl name="alignNode1">
+    <dgm:fillClrLst meth="repeat">
+      <a:schemeClr val="accent1"/>
+    </dgm:fillClrLst>
+    <dgm:linClrLst meth="repeat">
+      <a:schemeClr val="accent1"/>
+    </dgm:linClrLst>
+    <dgm:effectClrLst/>
+    <dgm:txLinClrLst/>
+    <dgm:txFillClrLst/>
+    <dgm:txEffectClrLst/>
+  </dgm:styleLbl>
+  <dgm:styleLbl name="node1">
+    <dgm:fillClrLst meth="repeat">
+      <a:schemeClr val="accent1"/>
+    </dgm:fillClrLst>
+    <dgm:linClrLst meth="repeat">
+      <a:schemeClr val="lt1"/>
+    </dgm:linClrLst>
+    <dgm:effectClrLst/>
+    <dgm:txLinClrLst/>
+    <dgm:txFillClrLst/>
+    <dgm:txEffectClrLst/>
+  </dgm:styleLbl>
+  <dgm:styleLbl name="lnNode1">
+    <dgm:fillClrLst meth="repeat">
+      <a:schemeClr val="accent1"/>
+    </dgm:fillClrLst>
+    <dgm:linClrLst meth="repeat">
+      <a:schemeClr val="lt1"/>
+    </dgm:linClrLst>
+    <dgm:effectClrLst/>
+    <dgm:txLinClrLst/>
+    <dgm:txFillClrLst/>
+    <dgm:txEffectClrLst/>
+  </dgm:styleLbl>
+  <dgm:styleLbl name="vennNode1">
+    <dgm:fillClrLst meth="repeat">
+      <a:schemeClr val="accent1">
+        <a:alpha val="50000"/>
+      </a:schemeClr>
+    </dgm:fillClrLst>
+    <dgm:linClrLst meth="repeat">
+      <a:schemeClr val="lt1"/>
+    </dgm:linClrLst>
+    <dgm:effectClrLst/>
+    <dgm:txLinClrLst/>
+    <dgm:txFillClrLst/>
+    <dgm:txEffectClrLst/>
+  </dgm:styleLbl>
+  <dgm:styleLbl name="node2">
+    <dgm:fillClrLst meth="repeat">
+      <a:schemeClr val="accent1"/>
+    </dgm:fillClrLst>
+    <dgm:linClrLst meth="repeat">
+      <a:schemeClr val="lt1"/>
+    </dgm:linClrLst>
+    <dgm:effectClrLst/>
+    <dgm:txLinClrLst/>
+    <dgm:txFillClrLst/>
+    <dgm:txEffectClrLst/>
+  </dgm:styleLbl>
+  <dgm:styleLbl name="node3">
+    <dgm:fillClrLst meth="repeat">
+      <a:schemeClr val="accent1"/>
+    </dgm:fillClrLst>
+    <dgm:linClrLst meth="repeat">
+      <a:schemeClr val="lt1"/>
+    </dgm:linClrLst>
+    <dgm:effectClrLst/>
+    <dgm:txLinClrLst/>
+    <dgm:txFillClrLst/>
+    <dgm:txEffectClrLst/>
+  </dgm:styleLbl>
+  <dgm:styleLbl name="node4">
+    <dgm:fillClrLst meth="repeat">
+      <a:schemeClr val="accent1"/>
+    </dgm:fillClrLst>
+    <dgm:linClrLst meth="repeat">
+      <a:schemeClr val="lt1"/>
+    </dgm:linClrLst>
+    <dgm:effectClrLst/>
+    <dgm:txLinClrLst/>
+    <dgm:txFillClrLst/>
+    <dgm:txEffectClrLst/>
+  </dgm:styleLbl>
+  <dgm:styleLbl name="fgImgPlace1">
+    <dgm:fillClrLst meth="repeat">
+      <a:schemeClr val="accent1">
+        <a:tint val="50000"/>
+      </a:schemeClr>
+    </dgm:fillClrLst>
+    <dgm:linClrLst meth="repeat">
+      <a:schemeClr val="lt1"/>
+    </dgm:linClrLst>
+    <dgm:effectClrLst/>
+    <dgm:txLinClrLst/>
+    <dgm:txFillClrLst meth="repeat">
+      <a:schemeClr val="lt1"/>
+    </dgm:txFillClrLst>
+    <dgm:txEffectClrLst/>
+  </dgm:styleLbl>
+  <dgm:styleLbl name="alignImgPlace1">
+    <dgm:fillClrLst meth="repeat">
+      <a:schemeClr val="accent1">
+        <a:tint val="50000"/>
+      </a:schemeClr>
+    </dgm:fillClrLst>
+    <dgm:linClrLst meth="repeat">
+      <a:schemeClr val="lt1"/>
+    </dgm:linClrLst>
+    <dgm:effectClrLst/>
+    <dgm:txLinClrLst/>
+    <dgm:txFillClrLst meth="repeat">
+      <a:schemeClr val="lt1"/>
+    </dgm:txFillClrLst>
+    <dgm:txEffectClrLst/>
+  </dgm:styleLbl>
+  <dgm:styleLbl name="bgImgPlace1">
+    <dgm:fillClrLst meth="repeat">
+      <a:schemeClr val="accent1">
+        <a:tint val="50000"/>
+      </a:schemeClr>
+    </dgm:fillClrLst>
+    <dgm:linClrLst meth="repeat">
+      <a:schemeClr val="lt1"/>
+    </dgm:linClrLst>
+    <dgm:effectClrLst/>
+    <dgm:txLinClrLst/>
+    <dgm:txFillClrLst meth="repeat">
+      <a:schemeClr val="lt1"/>
+    </dgm:txFillClrLst>
+    <dgm:txEffectClrLst/>
+  </dgm:styleLbl>
+  <dgm:styleLbl name="sibTrans2D1">
+    <dgm:fillClrLst meth="repeat">
+      <a:schemeClr val="accent1">
+        <a:tint val="60000"/>
+      </a:schemeClr>
+    </dgm:fillClrLst>
+    <dgm:linClrLst meth="repeat">
+      <a:schemeClr val="accent1">
+        <a:tint val="60000"/>
+      </a:schemeClr>
+    </dgm:linClrLst>
+    <dgm:effectClrLst/>
+    <dgm:txLinClrLst/>
+    <dgm:txFillClrLst/>
+    <dgm:txEffectClrLst/>
+  </dgm:styleLbl>
+  <dgm:styleLbl name="fgSibTrans2D1">
+    <dgm:fillClrLst meth="repeat">
+      <a:schemeClr val="accent1">
+        <a:tint val="60000"/>
+      </a:schemeClr>
+    </dgm:fillClrLst>
+    <dgm:linClrLst meth="repeat">
+      <a:schemeClr val="accent1">
+        <a:tint val="60000"/>
+      </a:schemeClr>
+    </dgm:linClrLst>
+    <dgm:effectClrLst/>
+    <dgm:txLinClrLst/>
+    <dgm:txFillClrLst/>
+    <dgm:txEffectClrLst/>
+  </dgm:styleLbl>
+  <dgm:styleLbl name="bgSibTrans2D1">
+    <dgm:fillClrLst meth="repeat">
+      <a:schemeClr val="accent1">
+        <a:tint val="60000"/>
+      </a:schemeClr>
+    </dgm:fillClrLst>
+    <dgm:linClrLst meth="repeat">
+      <a:schemeClr val="accent1">
+        <a:tint val="60000"/>
+      </a:schemeClr>
+    </dgm:linClrLst>
+    <dgm:effectClrLst/>
+    <dgm:txLinClrLst/>
+    <dgm:txFillClrLst/>
+    <dgm:txEffectClrLst/>
+  </dgm:styleLbl>
+  <dgm:styleLbl name="sibTrans1D1">
+    <dgm:fillClrLst meth="repeat">
+      <a:schemeClr val="accent1"/>
+    </dgm:fillClrLst>
+    <dgm:linClrLst meth="repeat">
+      <a:schemeClr val="accent1"/>
+    </dgm:linClrLst>
+    <dgm:effectClrLst/>
+    <dgm:txLinClrLst/>
+    <dgm:txFillClrLst meth="repeat">
+      <a:schemeClr val="tx1"/>
+    </dgm:txFillClrLst>
+    <dgm:txEffectClrLst/>
+  </dgm:styleLbl>
+  <dgm:styleLbl name="callout">
+    <dgm:fillClrLst meth="repeat">
+      <a:schemeClr val="accent1"/>
+    </dgm:fillClrLst>
+    <dgm:linClrLst meth="repeat">
+      <a:schemeClr val="accent1">
+        <a:tint val="50000"/>
+      </a:schemeClr>
+    </dgm:linClrLst>
+    <dgm:effectClrLst/>
+    <dgm:txLinClrLst/>
+    <dgm:txFillClrLst meth="repeat">
+      <a:schemeClr val="tx1"/>
+    </dgm:txFillClrLst>
+    <dgm:txEffectClrLst/>
+  </dgm:styleLbl>
+  <dgm:styleLbl name="asst0">
+    <dgm:fillClrLst meth="repeat">
+      <a:schemeClr val="accent1"/>
+    </dgm:fillClrLst>
+    <dgm:linClrLst meth="repeat">
+      <a:schemeClr val="lt1"/>
+    </dgm:linClrLst>
+    <dgm:effectClrLst/>
+    <dgm:txLinClrLst/>
+    <dgm:txFillClrLst/>
+    <dgm:txEffectClrLst/>
+  </dgm:styleLbl>
+  <dgm:styleLbl name="asst1">
+    <dgm:fillClrLst meth="repeat">
+      <a:schemeClr val="accent1"/>
+    </dgm:fillClrLst>
+    <dgm:linClrLst meth="repeat">
+      <a:schemeClr val="lt1"/>
+    </dgm:linClrLst>
+    <dgm:effectClrLst/>
+    <dgm:txLinClrLst/>
+    <dgm:txFillClrLst/>
+    <dgm:txEffectClrLst/>
+  </dgm:styleLbl>
+  <dgm:styleLbl name="asst2">
+    <dgm:fillClrLst meth="repeat">
+      <a:schemeClr val="accent1"/>
+    </dgm:fillClrLst>
+    <dgm:linClrLst meth="repeat">
+      <a:schemeClr val="lt1"/>
+    </dgm:linClrLst>
+    <dgm:effectClrLst/>
+    <dgm:txLinClrLst/>
+    <dgm:txFillClrLst/>
+    <dgm:txEffectClrLst/>
+  </dgm:styleLbl>
+  <dgm:styleLbl name="asst3">
+    <dgm:fillClrLst meth="repeat">
+      <a:schemeClr val="accent1"/>
+    </dgm:fillClrLst>
+    <dgm:linClrLst meth="repeat">
+      <a:schemeClr val="lt1"/>
+    </dgm:linClrLst>
+    <dgm:effectClrLst/>
+    <dgm:txLinClrLst/>
+    <dgm:txFillClrLst/>
+    <dgm:txEffectClrLst/>
+  </dgm:styleLbl>
+  <dgm:styleLbl name="asst4">
+    <dgm:fillClrLst meth="repeat">
+      <a:schemeClr val="accent1"/>
+    </dgm:fillClrLst>
+    <dgm:linClrLst meth="repeat">
+      <a:schemeClr val="lt1"/>
+    </dgm:linClrLst>
+    <dgm:effectClrLst/>
+    <dgm:txLinClrLst/>
+    <dgm:txFillClrLst/>
+    <dgm:txEffectClrLst/>
+  </dgm:styleLbl>
+  <dgm:styleLbl name="parChTrans2D1">
+    <dgm:fillClrLst meth="repeat">
+      <a:schemeClr val="accent1">
+        <a:tint val="60000"/>
+      </a:schemeClr>
+    </dgm:fillClrLst>
+    <dgm:linClrLst meth="repeat">
+      <a:schemeClr val="accent1">
+        <a:tint val="60000"/>
+      </a:schemeClr>
+    </dgm:linClrLst>
+    <dgm:effectClrLst/>
+    <dgm:txLinClrLst/>
+    <dgm:txFillClrLst meth="repeat">
+      <a:schemeClr val="lt1"/>
+    </dgm:txFillClrLst>
+    <dgm:txEffectClrLst/>
+  </dgm:styleLbl>
+  <dgm:styleLbl name="parChTrans2D2">
+    <dgm:fillClrLst meth="repeat">
+      <a:schemeClr val="accent1"/>
+    </dgm:fillClrLst>
+    <dgm:linClrLst meth="repeat">
+      <a:schemeClr val="accent1"/>
+    </dgm:linClrLst>
+    <dgm:effectClrLst/>
+    <dgm:txLinClrLst/>
+    <dgm:txFillClrLst meth="repeat">
+      <a:schemeClr val="lt1"/>
+    </dgm:txFillClrLst>
+    <dgm:txEffectClrLst/>
+  </dgm:styleLbl>
+  <dgm:styleLbl name="parChTrans2D3">
+    <dgm:fillClrLst meth="repeat">
+      <a:schemeClr val="accent1"/>
+    </dgm:fillClrLst>
+    <dgm:linClrLst meth="repeat">
+      <a:schemeClr val="accent1"/>
+    </dgm:linClrLst>
+    <dgm:effectClrLst/>
+    <dgm:txLinClrLst/>
+    <dgm:txFillClrLst meth="repeat">
+      <a:schemeClr val="lt1"/>
+    </dgm:txFillClrLst>
+    <dgm:txEffectClrLst/>
+  </dgm:styleLbl>
+  <dgm:styleLbl name="parChTrans2D4">
+    <dgm:fillClrLst meth="repeat">
+      <a:schemeClr val="accent1"/>
+    </dgm:fillClrLst>
+    <dgm:linClrLst meth="repeat">
+      <a:schemeClr val="accent1"/>
+    </dgm:linClrLst>
+    <dgm:effectClrLst/>
+    <dgm:txLinClrLst/>
+    <dgm:txFillClrLst meth="repeat">
+      <a:schemeClr val="lt1"/>
+    </dgm:txFillClrLst>
+    <dgm:txEffectClrLst/>
+  </dgm:styleLbl>
+  <dgm:styleLbl name="parChTrans1D1">
+    <dgm:fillClrLst meth="repeat">
+      <a:schemeClr val="accent1"/>
+    </dgm:fillClrLst>
+    <dgm:linClrLst meth="repeat">
+      <a:schemeClr val="accent1">
+        <a:shade val="60000"/>
+      </a:schemeClr>
+    </dgm:linClrLst>
+    <dgm:effectClrLst/>
+    <dgm:txLinClrLst/>
+    <dgm:txFillClrLst meth="repeat">
+      <a:schemeClr val="tx1"/>
+    </dgm:txFillClrLst>
+    <dgm:txEffectClrLst/>
+  </dgm:styleLbl>
+  <dgm:styleLbl name="parChTrans1D2">
+    <dgm:fillClrLst meth="repeat">
+      <a:schemeClr val="accent1"/>
+    </dgm:fillClrLst>
+    <dgm:linClrLst meth="repeat">
+      <a:schemeClr val="accent1">
+        <a:shade val="60000"/>
+      </a:schemeClr>
+    </dgm:linClrLst>
+    <dgm:effectClrLst/>
+    <dgm:txLinClrLst/>
+    <dgm:txFillClrLst meth="repeat">
+      <a:schemeClr val="tx1"/>
+    </dgm:txFillClrLst>
+    <dgm:txEffectClrLst/>
+  </dgm:styleLbl>
+  <dgm:styleLbl name="parChTrans1D3">
+    <dgm:fillClrLst meth="repeat">
+      <a:schemeClr val="accent1"/>
+    </dgm:fillClrLst>
+    <dgm:linClrLst meth="repeat">
+      <a:schemeClr val="accent1">
+        <a:shade val="80000"/>
+      </a:schemeClr>
+    </dgm:linClrLst>
+    <dgm:effectClrLst/>
+    <dgm:txLinClrLst/>
+    <dgm:txFillClrLst meth="repeat">
+      <a:schemeClr val="tx1"/>
+    </dgm:txFillClrLst>
+    <dgm:txEffectClrLst/>
+  </dgm:styleLbl>
+  <dgm:styleLbl name="parChTrans1D4">
+    <dgm:fillClrLst meth="repeat">
+      <a:schemeClr val="accent1"/>
+    </dgm:fillClrLst>
+    <dgm:linClrLst meth="repeat">
+      <a:schemeClr val="accent1">
+        <a:shade val="80000"/>
+      </a:schemeClr>
+    </dgm:linClrLst>
+    <dgm:effectClrLst/>
+    <dgm:txLinClrLst/>
+    <dgm:txFillClrLst meth="repeat">
+      <a:schemeClr val="tx1"/>
+    </dgm:txFillClrLst>
+    <dgm:txEffectClrLst/>
+  </dgm:styleLbl>
+  <dgm:styleLbl name="fgAcc1">
+    <dgm:fillClrLst meth="repeat">
+      <a:schemeClr val="lt1">
+        <a:alpha val="90000"/>
+      </a:schemeClr>
+    </dgm:fillClrLst>
+    <dgm:linClrLst meth="repeat">
+      <a:schemeClr val="accent1"/>
+    </dgm:linClrLst>
+    <dgm:effectClrLst/>
+    <dgm:txLinClrLst/>
+    <dgm:txFillClrLst meth="repeat">
+      <a:schemeClr val="dk1"/>
+    </dgm:txFillClrLst>
+    <dgm:txEffectClrLst/>
+  </dgm:styleLbl>
+  <dgm:styleLbl name="conFgAcc1">
+    <dgm:fillClrLst meth="repeat">
+      <a:schemeClr val="lt1">
+        <a:alpha val="90000"/>
+      </a:schemeClr>
+    </dgm:fillClrLst>
+    <dgm:linClrLst meth="repeat">
+      <a:schemeClr val="accent1"/>
+    </dgm:linClrLst>
+    <dgm:effectClrLst/>
+    <dgm:txLinClrLst/>
+    <dgm:txFillClrLst meth="repeat">
+      <a:schemeClr val="dk1"/>
+    </dgm:txFillClrLst>
+    <dgm:txEffectClrLst/>
+  </dgm:styleLbl>
+  <dgm:styleLbl name="alignAcc1">
+    <dgm:fillClrLst meth="repeat">
+      <a:schemeClr val="lt1">
+        <a:alpha val="90000"/>
+      </a:schemeClr>
+    </dgm:fillClrLst>
+    <dgm:linClrLst meth="repeat">
+      <a:schemeClr val="accent1"/>
+    </dgm:linClrLst>
+    <dgm:effectClrLst/>
+    <dgm:txLinClrLst/>
+    <dgm:txFillClrLst meth="repeat">
+      <a:schemeClr val="dk1"/>
+    </dgm:txFillClrLst>
+    <dgm:txEffectClrLst/>
+  </dgm:styleLbl>
+  <dgm:styleLbl name="trAlignAcc1">
+    <dgm:fillClrLst meth="repeat">
+      <a:schemeClr val="lt1">
+        <a:alpha val="40000"/>
+      </a:schemeClr>
+    </dgm:fillClrLst>
+    <dgm:linClrLst meth="repeat">
+      <a:schemeClr val="accent1"/>
+    </dgm:linClrLst>
+    <dgm:effectClrLst/>
+    <dgm:txLinClrLst/>
+    <dgm:txFillClrLst meth="repeat">
+      <a:schemeClr val="dk1"/>
+    </dgm:txFillClrLst>
+    <dgm:txEffectClrLst/>
+  </dgm:styleLbl>
+  <dgm:styleLbl name="bgAcc1">
+    <dgm:fillClrLst meth="repeat">
+      <a:schemeClr val="lt1">
+        <a:alpha val="90000"/>
+      </a:schemeClr>
+    </dgm:fillClrLst>
+    <dgm:linClrLst meth="repeat">
+      <a:schemeClr val="accent1"/>
+    </dgm:linClrLst>
+    <dgm:effectClrLst/>
+    <dgm:txLinClrLst/>
+    <dgm:txFillClrLst meth="repeat">
+      <a:schemeClr val="dk1"/>
+    </dgm:txFillClrLst>
+    <dgm:txEffectClrLst/>
+  </dgm:styleLbl>
+  <dgm:styleLbl name="solidFgAcc1">
+    <dgm:fillClrLst meth="repeat">
+      <a:schemeClr val="lt1"/>
+    </dgm:fillClrLst>
+    <dgm:linClrLst meth="repeat">
+      <a:schemeClr val="accent1"/>
+    </dgm:linClrLst>
+    <dgm:effectClrLst/>
+    <dgm:txLinClrLst/>
+    <dgm:txFillClrLst meth="repeat">
+      <a:schemeClr val="dk1"/>
+    </dgm:txFillClrLst>
+    <dgm:txEffectClrLst/>
+  </dgm:styleLbl>
+  <dgm:styleLbl name="solidAlignAcc1">
+    <dgm:fillClrLst meth="repeat">
+      <a:schemeClr val="lt1"/>
+    </dgm:fillClrLst>
+    <dgm:linClrLst meth="repeat">
+      <a:schemeClr val="accent1"/>
+    </dgm:linClrLst>
+    <dgm:effectClrLst/>
+    <dgm:txLinClrLst/>
+    <dgm:txFillClrLst meth="repeat">
+      <a:schemeClr val="dk1"/>
+    </dgm:txFillClrLst>
+    <dgm:txEffectClrLst/>
+  </dgm:styleLbl>
+  <dgm:styleLbl name="solidBgAcc1">
+    <dgm:fillClrLst meth="repeat">
+      <a:schemeClr val="lt1"/>
+    </dgm:fillClrLst>
+    <dgm:linClrLst meth="repeat">
+      <a:schemeClr val="accent1"/>
+    </dgm:linClrLst>
+    <dgm:effectClrLst/>
+    <dgm:txLinClrLst/>
+    <dgm:txFillClrLst meth="repeat">
+      <a:schemeClr val="dk1"/>
+    </dgm:txFillClrLst>
+    <dgm:txEffectClrLst/>
+  </dgm:styleLbl>
+  <dgm:styleLbl name="fgAccFollowNode1">
+    <dgm:fillClrLst meth="repeat">
+      <a:schemeClr val="accent1">
+        <a:alpha val="90000"/>
+        <a:tint val="40000"/>
+      </a:schemeClr>
+    </dgm:fillClrLst>
+    <dgm:linClrLst meth="repeat">
+      <a:schemeClr val="accent1">
+        <a:alpha val="90000"/>
+        <a:tint val="40000"/>
+      </a:schemeClr>
+    </dgm:linClrLst>
+    <dgm:effectClrLst/>
+    <dgm:txLinClrLst/>
+    <dgm:txFillClrLst meth="repeat">
+      <a:schemeClr val="dk1"/>
+    </dgm:txFillClrLst>
+    <dgm:txEffectClrLst/>
+  </dgm:styleLbl>
+  <dgm:styleLbl name="alignAccFollowNode1">
+    <dgm:fillClrLst meth="repeat">
+      <a:schemeClr val="accent1">
+        <a:alpha val="90000"/>
+        <a:tint val="40000"/>
+      </a:schemeClr>
+    </dgm:fillClrLst>
+    <dgm:linClrLst meth="repeat">
+      <a:schemeClr val="accent1">
+        <a:alpha val="90000"/>
+        <a:tint val="40000"/>
+      </a:schemeClr>
+    </dgm:linClrLst>
+    <dgm:effectClrLst/>
+    <dgm:txLinClrLst/>
+    <dgm:txFillClrLst meth="repeat">
+      <a:schemeClr val="dk1"/>
+    </dgm:txFillClrLst>
+    <dgm:txEffectClrLst/>
+  </dgm:styleLbl>
+  <dgm:styleLbl name="bgAccFollowNode1">
+    <dgm:fillClrLst meth="repeat">
+      <a:schemeClr val="accent1">
+        <a:alpha val="90000"/>
+        <a:tint val="40000"/>
+      </a:schemeClr>
+    </dgm:fillClrLst>
+    <dgm:linClrLst meth="repeat">
+      <a:schemeClr val="accent1">
+        <a:alpha val="90000"/>
+        <a:tint val="40000"/>
+      </a:schemeClr>
+    </dgm:linClrLst>
+    <dgm:effectClrLst/>
+    <dgm:txLinClrLst/>
+    <dgm:txFillClrLst meth="repeat">
+      <a:schemeClr val="dk1"/>
+    </dgm:txFillClrLst>
+    <dgm:txEffectClrLst/>
+  </dgm:styleLbl>
+  <dgm:styleLbl name="fgAcc0">
+    <dgm:fillClrLst meth="repeat">
+      <a:schemeClr val="lt1">
+        <a:alpha val="90000"/>
+      </a:schemeClr>
+    </dgm:fillClrLst>
+    <dgm:linClrLst meth="repeat">
+      <a:schemeClr val="accent1"/>
+    </dgm:linClrLst>
+    <dgm:effectClrLst/>
+    <dgm:txLinClrLst/>
+    <dgm:txFillClrLst meth="repeat">
+      <a:schemeClr val="dk1"/>
+    </dgm:txFillClrLst>
+    <dgm:txEffectClrLst/>
+  </dgm:styleLbl>
+  <dgm:styleLbl name="fgAcc2">
+    <dgm:fillClrLst meth="repeat">
+      <a:schemeClr val="lt1">
+        <a:alpha val="90000"/>
+      </a:schemeClr>
+    </dgm:fillClrLst>
+    <dgm:linClrLst meth="repeat">
+      <a:schemeClr val="accent1"/>
+    </dgm:linClrLst>
+    <dgm:effectClrLst/>
+    <dgm:txLinClrLst/>
+    <dgm:txFillClrLst meth="repeat">
+      <a:schemeClr val="dk1"/>
+    </dgm:txFillClrLst>
+    <dgm:txEffectClrLst/>
+  </dgm:styleLbl>
+  <dgm:styleLbl name="fgAcc3">
+    <dgm:fillClrLst meth="repeat">
+      <a:schemeClr val="lt1">
+        <a:alpha val="90000"/>
+      </a:schemeClr>
+    </dgm:fillClrLst>
+    <dgm:linClrLst meth="repeat">
+      <a:schemeClr val="accent1"/>
+    </dgm:linClrLst>
+    <dgm:effectClrLst/>
+    <dgm:txLinClrLst/>
+    <dgm:txFillClrLst meth="repeat">
+      <a:schemeClr val="dk1"/>
+    </dgm:txFillClrLst>
+    <dgm:txEffectClrLst/>
+  </dgm:styleLbl>
+  <dgm:styleLbl name="fgAcc4">
+    <dgm:fillClrLst meth="repeat">
+      <a:schemeClr val="lt1">
+        <a:alpha val="90000"/>
+      </a:schemeClr>
+    </dgm:fillClrLst>
+    <dgm:linClrLst meth="repeat">
+      <a:schemeClr val="accent1"/>
+    </dgm:linClrLst>
+    <dgm:effectClrLst/>
+    <dgm:txLinClrLst/>
+    <dgm:txFillClrLst meth="repeat">
+      <a:schemeClr val="dk1"/>
+    </dgm:txFillClrLst>
+    <dgm:txEffectClrLst/>
+  </dgm:styleLbl>
+  <dgm:styleLbl name="bgShp">
+    <dgm:fillClrLst meth="repeat">
+      <a:schemeClr val="accent1">
+        <a:tint val="40000"/>
+      </a:schemeClr>
+    </dgm:fillClrLst>
+    <dgm:linClrLst meth="repeat">
+      <a:schemeClr val="accent1"/>
+    </dgm:linClrLst>
+    <dgm:effectClrLst/>
+    <dgm:txLinClrLst/>
+    <dgm:txFillClrLst meth="repeat">
+      <a:schemeClr val="dk1"/>
+    </dgm:txFillClrLst>
+    <dgm:txEffectClrLst/>
+  </dgm:styleLbl>
+  <dgm:styleLbl name="dkBgShp">
+    <dgm:fillClrLst meth="repeat">
+      <a:schemeClr val="accent1">
+        <a:shade val="80000"/>
+      </a:schemeClr>
+    </dgm:fillClrLst>
+    <dgm:linClrLst meth="repeat">
+      <a:schemeClr val="accent1"/>
+    </dgm:linClrLst>
+    <dgm:effectClrLst/>
+    <dgm:txLinClrLst/>
+    <dgm:txFillClrLst meth="repeat">
+      <a:schemeClr val="lt1"/>
+    </dgm:txFillClrLst>
+    <dgm:txEffectClrLst/>
+  </dgm:styleLbl>
+  <dgm:styleLbl name="trBgShp">
+    <dgm:fillClrLst meth="repeat">
+      <a:schemeClr val="accent1">
+        <a:tint val="50000"/>
+        <a:alpha val="40000"/>
+      </a:schemeClr>
+    </dgm:fillClrLst>
+    <dgm:linClrLst meth="repeat">
+      <a:schemeClr val="accent1"/>
+    </dgm:linClrLst>
+    <dgm:effectClrLst/>
+    <dgm:txLinClrLst/>
+    <dgm:txFillClrLst meth="repeat">
+      <a:schemeClr val="lt1"/>
+    </dgm:txFillClrLst>
+    <dgm:txEffectClrLst/>
+  </dgm:styleLbl>
+  <dgm:styleLbl name="fgShp">
+    <dgm:fillClrLst meth="repeat">
+      <a:schemeClr val="accent1">
+        <a:tint val="60000"/>
+      </a:schemeClr>
+    </dgm:fillClrLst>
+    <dgm:linClrLst meth="repeat">
+      <a:schemeClr val="lt1"/>
+    </dgm:linClrLst>
+    <dgm:effectClrLst/>
+    <dgm:txLinClrLst/>
+    <dgm:txFillClrLst meth="repeat">
+      <a:schemeClr val="dk1"/>
+    </dgm:txFillClrLst>
+    <dgm:txEffectClrLst/>
+  </dgm:styleLbl>
+  <dgm:styleLbl name="revTx">
+    <dgm:fillClrLst meth="repeat">
+      <a:schemeClr val="lt1">
+        <a:alpha val="0"/>
+      </a:schemeClr>
+    </dgm:fillClrLst>
+    <dgm:linClrLst meth="repeat">
+      <a:schemeClr val="dk1">
+        <a:alpha val="0"/>
+      </a:schemeClr>
+    </dgm:linClrLst>
+    <dgm:effectClrLst/>
+    <dgm:txLinClrLst/>
+    <dgm:txFillClrLst meth="repeat">
+      <a:schemeClr val="tx1"/>
+    </dgm:txFillClrLst>
+    <dgm:txEffectClrLst/>
+  </dgm:styleLbl>
+</dgm:colorsDef>
+</file>
+
+<file path=ppt/diagrams/data1.xml><?xml version="1.0" encoding="utf-8"?>
+<dgm:dataModel xmlns:dgm="http://schemas.openxmlformats.org/drawingml/2006/diagram" xmlns:a="http://schemas.openxmlformats.org/drawingml/2006/main">
+  <dgm:ptLst>
+    <dgm:pt modelId="{2FF87E29-9671-6240-B1B7-274C07095D61}" type="doc">
+      <dgm:prSet loTypeId="urn:microsoft.com/office/officeart/2005/8/layout/cycle5" loCatId="" qsTypeId="urn:microsoft.com/office/officeart/2005/8/quickstyle/simple1" qsCatId="simple" csTypeId="urn:microsoft.com/office/officeart/2005/8/colors/accent1_2" csCatId="accent1" phldr="1"/>
+      <dgm:spPr/>
+      <dgm:t>
+        <a:bodyPr/>
+        <a:lstStyle/>
+        <a:p>
+          <a:endParaRPr lang="en-US"/>
+        </a:p>
+      </dgm:t>
+    </dgm:pt>
+    <dgm:pt modelId="{1C18B03B-8538-AE4F-8450-0E0FEA629B79}">
+      <dgm:prSet phldrT="[Text]"/>
+      <dgm:spPr/>
+      <dgm:t>
+        <a:bodyPr/>
+        <a:lstStyle/>
+        <a:p>
+          <a:r>
+            <a:rPr lang="tr-TR" noProof="0" dirty="0"/>
+            <a:t>Problem Çözme</a:t>
+          </a:r>
+        </a:p>
+      </dgm:t>
+    </dgm:pt>
+    <dgm:pt modelId="{44D0FBEC-9D18-D241-B37B-88B43179A97B}" type="parTrans" cxnId="{2F6AFFB4-6982-3045-819B-7228E6094295}">
+      <dgm:prSet/>
+      <dgm:spPr/>
+      <dgm:t>
+        <a:bodyPr/>
+        <a:lstStyle/>
+        <a:p>
+          <a:endParaRPr lang="en-US"/>
+        </a:p>
+      </dgm:t>
+    </dgm:pt>
+    <dgm:pt modelId="{AA16D31E-C772-7B45-94B0-9497FE27B6E8}" type="sibTrans" cxnId="{2F6AFFB4-6982-3045-819B-7228E6094295}">
+      <dgm:prSet/>
+      <dgm:spPr/>
+      <dgm:t>
+        <a:bodyPr/>
+        <a:lstStyle/>
+        <a:p>
+          <a:endParaRPr lang="en-US"/>
+        </a:p>
+      </dgm:t>
+    </dgm:pt>
+    <dgm:pt modelId="{897F296A-67D5-5A4A-853E-B4C40B2BF292}">
+      <dgm:prSet phldrT="[Text]"/>
+      <dgm:spPr/>
+      <dgm:t>
+        <a:bodyPr/>
+        <a:lstStyle/>
+        <a:p>
+          <a:r>
+            <a:rPr lang="tr-TR" noProof="0" dirty="0"/>
+            <a:t>Programlama yeteneği</a:t>
+          </a:r>
+        </a:p>
+      </dgm:t>
+    </dgm:pt>
+    <dgm:pt modelId="{1181029C-DAB2-1246-A004-2502E34490BD}" type="parTrans" cxnId="{5F0B8112-1AAE-6A4F-ADEC-7E9E83194B73}">
+      <dgm:prSet/>
+      <dgm:spPr/>
+      <dgm:t>
+        <a:bodyPr/>
+        <a:lstStyle/>
+        <a:p>
+          <a:endParaRPr lang="en-US"/>
+        </a:p>
+      </dgm:t>
+    </dgm:pt>
+    <dgm:pt modelId="{13F27182-6D52-A243-8590-56434C968A12}" type="sibTrans" cxnId="{5F0B8112-1AAE-6A4F-ADEC-7E9E83194B73}">
+      <dgm:prSet/>
+      <dgm:spPr/>
+      <dgm:t>
+        <a:bodyPr/>
+        <a:lstStyle/>
+        <a:p>
+          <a:endParaRPr lang="en-US"/>
+        </a:p>
+      </dgm:t>
+    </dgm:pt>
+    <dgm:pt modelId="{364F7C9F-6230-DC47-B8B6-4F713F1FCC53}">
+      <dgm:prSet phldrT="[Text]"/>
+      <dgm:spPr/>
+      <dgm:t>
+        <a:bodyPr/>
+        <a:lstStyle/>
+        <a:p>
+          <a:r>
+            <a:rPr lang="tr-TR" noProof="0" dirty="0"/>
+            <a:t>Kavram Bilgisi</a:t>
+          </a:r>
+        </a:p>
+      </dgm:t>
+    </dgm:pt>
+    <dgm:pt modelId="{CB6A0FBB-270F-FD47-9FE2-D1D7C436D0E9}" type="parTrans" cxnId="{D6F8775D-86F4-5543-BE53-C166301F4C89}">
+      <dgm:prSet/>
+      <dgm:spPr/>
+      <dgm:t>
+        <a:bodyPr/>
+        <a:lstStyle/>
+        <a:p>
+          <a:endParaRPr lang="en-US"/>
+        </a:p>
+      </dgm:t>
+    </dgm:pt>
+    <dgm:pt modelId="{DCF2CA31-8B7F-AE46-B216-3B33D96DAC29}" type="sibTrans" cxnId="{D6F8775D-86F4-5543-BE53-C166301F4C89}">
+      <dgm:prSet/>
+      <dgm:spPr/>
+      <dgm:t>
+        <a:bodyPr/>
+        <a:lstStyle/>
+        <a:p>
+          <a:endParaRPr lang="en-US"/>
+        </a:p>
+      </dgm:t>
+    </dgm:pt>
+    <dgm:pt modelId="{BB82AF92-812D-2B48-82F6-88576BFF839D}" type="pres">
+      <dgm:prSet presAssocID="{2FF87E29-9671-6240-B1B7-274C07095D61}" presName="cycle" presStyleCnt="0">
+        <dgm:presLayoutVars>
+          <dgm:dir/>
+          <dgm:resizeHandles val="exact"/>
+        </dgm:presLayoutVars>
+      </dgm:prSet>
+      <dgm:spPr/>
+    </dgm:pt>
+    <dgm:pt modelId="{AEDA4DF4-5454-4943-BE36-FD23D6D5343F}" type="pres">
+      <dgm:prSet presAssocID="{1C18B03B-8538-AE4F-8450-0E0FEA629B79}" presName="node" presStyleLbl="node1" presStyleIdx="0" presStyleCnt="3">
+        <dgm:presLayoutVars>
+          <dgm:bulletEnabled val="1"/>
+        </dgm:presLayoutVars>
+      </dgm:prSet>
+      <dgm:spPr/>
+    </dgm:pt>
+    <dgm:pt modelId="{9CAE6ABE-1F98-D44F-A605-67B77B8AA6EB}" type="pres">
+      <dgm:prSet presAssocID="{1C18B03B-8538-AE4F-8450-0E0FEA629B79}" presName="spNode" presStyleCnt="0"/>
+      <dgm:spPr/>
+    </dgm:pt>
+    <dgm:pt modelId="{2016928D-ED3F-5D4D-82B6-0F1951F2E76E}" type="pres">
+      <dgm:prSet presAssocID="{AA16D31E-C772-7B45-94B0-9497FE27B6E8}" presName="sibTrans" presStyleLbl="sibTrans1D1" presStyleIdx="0" presStyleCnt="3"/>
+      <dgm:spPr/>
+    </dgm:pt>
+    <dgm:pt modelId="{8B6A898C-B30E-B343-BA75-7D64E2B82846}" type="pres">
+      <dgm:prSet presAssocID="{897F296A-67D5-5A4A-853E-B4C40B2BF292}" presName="node" presStyleLbl="node1" presStyleIdx="1" presStyleCnt="3">
+        <dgm:presLayoutVars>
+          <dgm:bulletEnabled val="1"/>
+        </dgm:presLayoutVars>
+      </dgm:prSet>
+      <dgm:spPr/>
+    </dgm:pt>
+    <dgm:pt modelId="{513BA1A1-B962-8F47-A24F-1D82E180ABAE}" type="pres">
+      <dgm:prSet presAssocID="{897F296A-67D5-5A4A-853E-B4C40B2BF292}" presName="spNode" presStyleCnt="0"/>
+      <dgm:spPr/>
+    </dgm:pt>
+    <dgm:pt modelId="{0A6E9357-FA60-CD43-ABE2-6D68A568D18E}" type="pres">
+      <dgm:prSet presAssocID="{13F27182-6D52-A243-8590-56434C968A12}" presName="sibTrans" presStyleLbl="sibTrans1D1" presStyleIdx="1" presStyleCnt="3"/>
+      <dgm:spPr/>
+    </dgm:pt>
+    <dgm:pt modelId="{E8155B1D-D6C9-DA43-9991-5287CE13F283}" type="pres">
+      <dgm:prSet presAssocID="{364F7C9F-6230-DC47-B8B6-4F713F1FCC53}" presName="node" presStyleLbl="node1" presStyleIdx="2" presStyleCnt="3">
+        <dgm:presLayoutVars>
+          <dgm:bulletEnabled val="1"/>
+        </dgm:presLayoutVars>
+      </dgm:prSet>
+      <dgm:spPr/>
+    </dgm:pt>
+    <dgm:pt modelId="{C0E11A8D-C45C-A04A-B2C3-433D7A082448}" type="pres">
+      <dgm:prSet presAssocID="{364F7C9F-6230-DC47-B8B6-4F713F1FCC53}" presName="spNode" presStyleCnt="0"/>
+      <dgm:spPr/>
+    </dgm:pt>
+    <dgm:pt modelId="{87EED490-3A4F-5A48-9A9D-44CE34F87A34}" type="pres">
+      <dgm:prSet presAssocID="{DCF2CA31-8B7F-AE46-B216-3B33D96DAC29}" presName="sibTrans" presStyleLbl="sibTrans1D1" presStyleIdx="2" presStyleCnt="3"/>
+      <dgm:spPr/>
+    </dgm:pt>
+  </dgm:ptLst>
+  <dgm:cxnLst>
+    <dgm:cxn modelId="{5F0B8112-1AAE-6A4F-ADEC-7E9E83194B73}" srcId="{2FF87E29-9671-6240-B1B7-274C07095D61}" destId="{897F296A-67D5-5A4A-853E-B4C40B2BF292}" srcOrd="1" destOrd="0" parTransId="{1181029C-DAB2-1246-A004-2502E34490BD}" sibTransId="{13F27182-6D52-A243-8590-56434C968A12}"/>
+    <dgm:cxn modelId="{48CD4A38-F019-374D-A989-3BB2CA91D003}" type="presOf" srcId="{2FF87E29-9671-6240-B1B7-274C07095D61}" destId="{BB82AF92-812D-2B48-82F6-88576BFF839D}" srcOrd="0" destOrd="0" presId="urn:microsoft.com/office/officeart/2005/8/layout/cycle5"/>
+    <dgm:cxn modelId="{7E883D3D-FD3B-9242-A03B-B88F16CD01A6}" type="presOf" srcId="{13F27182-6D52-A243-8590-56434C968A12}" destId="{0A6E9357-FA60-CD43-ABE2-6D68A568D18E}" srcOrd="0" destOrd="0" presId="urn:microsoft.com/office/officeart/2005/8/layout/cycle5"/>
+    <dgm:cxn modelId="{B71F9940-E79B-F845-B6B1-5B4855E1D3FD}" type="presOf" srcId="{1C18B03B-8538-AE4F-8450-0E0FEA629B79}" destId="{AEDA4DF4-5454-4943-BE36-FD23D6D5343F}" srcOrd="0" destOrd="0" presId="urn:microsoft.com/office/officeart/2005/8/layout/cycle5"/>
+    <dgm:cxn modelId="{D6F8775D-86F4-5543-BE53-C166301F4C89}" srcId="{2FF87E29-9671-6240-B1B7-274C07095D61}" destId="{364F7C9F-6230-DC47-B8B6-4F713F1FCC53}" srcOrd="2" destOrd="0" parTransId="{CB6A0FBB-270F-FD47-9FE2-D1D7C436D0E9}" sibTransId="{DCF2CA31-8B7F-AE46-B216-3B33D96DAC29}"/>
+    <dgm:cxn modelId="{FF8B2F7E-2A07-3549-A6A6-DCE758FD5923}" type="presOf" srcId="{897F296A-67D5-5A4A-853E-B4C40B2BF292}" destId="{8B6A898C-B30E-B343-BA75-7D64E2B82846}" srcOrd="0" destOrd="0" presId="urn:microsoft.com/office/officeart/2005/8/layout/cycle5"/>
+    <dgm:cxn modelId="{2F6AFFB4-6982-3045-819B-7228E6094295}" srcId="{2FF87E29-9671-6240-B1B7-274C07095D61}" destId="{1C18B03B-8538-AE4F-8450-0E0FEA629B79}" srcOrd="0" destOrd="0" parTransId="{44D0FBEC-9D18-D241-B37B-88B43179A97B}" sibTransId="{AA16D31E-C772-7B45-94B0-9497FE27B6E8}"/>
+    <dgm:cxn modelId="{B37602BF-90C1-3244-AD3A-14FCF0DC5BBE}" type="presOf" srcId="{AA16D31E-C772-7B45-94B0-9497FE27B6E8}" destId="{2016928D-ED3F-5D4D-82B6-0F1951F2E76E}" srcOrd="0" destOrd="0" presId="urn:microsoft.com/office/officeart/2005/8/layout/cycle5"/>
+    <dgm:cxn modelId="{BB8069CB-168F-9D4E-889C-C074E7CC3259}" type="presOf" srcId="{364F7C9F-6230-DC47-B8B6-4F713F1FCC53}" destId="{E8155B1D-D6C9-DA43-9991-5287CE13F283}" srcOrd="0" destOrd="0" presId="urn:microsoft.com/office/officeart/2005/8/layout/cycle5"/>
+    <dgm:cxn modelId="{DF87DAFB-B286-6047-AD39-D3CDFF0085ED}" type="presOf" srcId="{DCF2CA31-8B7F-AE46-B216-3B33D96DAC29}" destId="{87EED490-3A4F-5A48-9A9D-44CE34F87A34}" srcOrd="0" destOrd="0" presId="urn:microsoft.com/office/officeart/2005/8/layout/cycle5"/>
+    <dgm:cxn modelId="{EE43909E-FB69-0D4C-A5AA-C5F979C31180}" type="presParOf" srcId="{BB82AF92-812D-2B48-82F6-88576BFF839D}" destId="{AEDA4DF4-5454-4943-BE36-FD23D6D5343F}" srcOrd="0" destOrd="0" presId="urn:microsoft.com/office/officeart/2005/8/layout/cycle5"/>
+    <dgm:cxn modelId="{394CBA15-5E01-7546-8C86-C78495A9204D}" type="presParOf" srcId="{BB82AF92-812D-2B48-82F6-88576BFF839D}" destId="{9CAE6ABE-1F98-D44F-A605-67B77B8AA6EB}" srcOrd="1" destOrd="0" presId="urn:microsoft.com/office/officeart/2005/8/layout/cycle5"/>
+    <dgm:cxn modelId="{67DE2854-619B-E447-A12E-B05E94118D66}" type="presParOf" srcId="{BB82AF92-812D-2B48-82F6-88576BFF839D}" destId="{2016928D-ED3F-5D4D-82B6-0F1951F2E76E}" srcOrd="2" destOrd="0" presId="urn:microsoft.com/office/officeart/2005/8/layout/cycle5"/>
+    <dgm:cxn modelId="{F591AD42-8816-5A44-ABBE-46572FE8FEF5}" type="presParOf" srcId="{BB82AF92-812D-2B48-82F6-88576BFF839D}" destId="{8B6A898C-B30E-B343-BA75-7D64E2B82846}" srcOrd="3" destOrd="0" presId="urn:microsoft.com/office/officeart/2005/8/layout/cycle5"/>
+    <dgm:cxn modelId="{CFEA8283-9F3F-FA4F-94A9-F56A2D2901CE}" type="presParOf" srcId="{BB82AF92-812D-2B48-82F6-88576BFF839D}" destId="{513BA1A1-B962-8F47-A24F-1D82E180ABAE}" srcOrd="4" destOrd="0" presId="urn:microsoft.com/office/officeart/2005/8/layout/cycle5"/>
+    <dgm:cxn modelId="{E53498C2-C97A-EB47-9964-82DAF07FAEBC}" type="presParOf" srcId="{BB82AF92-812D-2B48-82F6-88576BFF839D}" destId="{0A6E9357-FA60-CD43-ABE2-6D68A568D18E}" srcOrd="5" destOrd="0" presId="urn:microsoft.com/office/officeart/2005/8/layout/cycle5"/>
+    <dgm:cxn modelId="{028A03F2-CF86-7C4D-BA48-E4F180C1F41B}" type="presParOf" srcId="{BB82AF92-812D-2B48-82F6-88576BFF839D}" destId="{E8155B1D-D6C9-DA43-9991-5287CE13F283}" srcOrd="6" destOrd="0" presId="urn:microsoft.com/office/officeart/2005/8/layout/cycle5"/>
+    <dgm:cxn modelId="{E4F3346F-C7D1-9245-B1BA-B2F54BE7922A}" type="presParOf" srcId="{BB82AF92-812D-2B48-82F6-88576BFF839D}" destId="{C0E11A8D-C45C-A04A-B2C3-433D7A082448}" srcOrd="7" destOrd="0" presId="urn:microsoft.com/office/officeart/2005/8/layout/cycle5"/>
+    <dgm:cxn modelId="{233BF53E-A768-EF49-B39B-16D09E09CF3E}" type="presParOf" srcId="{BB82AF92-812D-2B48-82F6-88576BFF839D}" destId="{87EED490-3A4F-5A48-9A9D-44CE34F87A34}" srcOrd="8" destOrd="0" presId="urn:microsoft.com/office/officeart/2005/8/layout/cycle5"/>
+  </dgm:cxnLst>
+  <dgm:bg/>
+  <dgm:whole/>
+  <dgm:extLst>
+    <a:ext uri="http://schemas.microsoft.com/office/drawing/2008/diagram">
+      <dsp:dataModelExt xmlns:dsp="http://schemas.microsoft.com/office/drawing/2008/diagram" relId="rId6" minVer="http://schemas.openxmlformats.org/drawingml/2006/diagram"/>
+    </a:ext>
+  </dgm:extLst>
+</dgm:dataModel>
+</file>
+
+<file path=ppt/diagrams/drawing1.xml><?xml version="1.0" encoding="utf-8"?>
+<dsp:drawing xmlns:dgm="http://schemas.openxmlformats.org/drawingml/2006/diagram" xmlns:dsp="http://schemas.microsoft.com/office/drawing/2008/diagram" xmlns:a="http://schemas.openxmlformats.org/drawingml/2006/main">
+  <dsp:spTree>
+    <dsp:nvGrpSpPr>
+      <dsp:cNvPr id="0" name=""/>
+      <dsp:cNvGrpSpPr/>
+    </dsp:nvGrpSpPr>
+    <dsp:grpSpPr/>
+    <dsp:sp modelId="{AEDA4DF4-5454-4943-BE36-FD23D6D5343F}">
+      <dsp:nvSpPr>
+        <dsp:cNvPr id="0" name=""/>
+        <dsp:cNvSpPr/>
+      </dsp:nvSpPr>
+      <dsp:spPr>
+        <a:xfrm>
+          <a:off x="2821781" y="1830"/>
+          <a:ext cx="2484437" cy="1614884"/>
+        </a:xfrm>
+        <a:prstGeom prst="roundRect">
+          <a:avLst/>
+        </a:prstGeom>
+        <a:solidFill>
+          <a:schemeClr val="accent1">
+            <a:hueOff val="0"/>
+            <a:satOff val="0"/>
+            <a:lumOff val="0"/>
+            <a:alphaOff val="0"/>
+          </a:schemeClr>
+        </a:solidFill>
+        <a:ln w="12700" cap="flat" cmpd="sng" algn="ctr">
+          <a:solidFill>
+            <a:schemeClr val="lt1">
+              <a:hueOff val="0"/>
+              <a:satOff val="0"/>
+              <a:lumOff val="0"/>
+              <a:alphaOff val="0"/>
+            </a:schemeClr>
+          </a:solidFill>
+          <a:prstDash val="solid"/>
+          <a:miter lim="800000"/>
+        </a:ln>
+        <a:effectLst/>
+      </dsp:spPr>
+      <dsp:style>
+        <a:lnRef idx="2">
+          <a:scrgbClr r="0" g="0" b="0"/>
+        </a:lnRef>
+        <a:fillRef idx="1">
+          <a:scrgbClr r="0" g="0" b="0"/>
+        </a:fillRef>
+        <a:effectRef idx="0">
+          <a:scrgbClr r="0" g="0" b="0"/>
+        </a:effectRef>
+        <a:fontRef idx="minor">
+          <a:schemeClr val="lt1"/>
+        </a:fontRef>
+      </dsp:style>
+      <dsp:txBody>
+        <a:bodyPr spcFirstLastPara="0" vert="horz" wrap="square" lIns="114300" tIns="114300" rIns="114300" bIns="114300" numCol="1" spcCol="1270" anchor="ctr" anchorCtr="0">
+          <a:noAutofit/>
+        </a:bodyPr>
+        <a:lstStyle/>
+        <a:p>
+          <a:pPr marL="0" lvl="0" indent="0" algn="ctr" defTabSz="1333500">
+            <a:lnSpc>
+              <a:spcPct val="90000"/>
+            </a:lnSpc>
+            <a:spcBef>
+              <a:spcPct val="0"/>
+            </a:spcBef>
+            <a:spcAft>
+              <a:spcPct val="35000"/>
+            </a:spcAft>
+            <a:buNone/>
+          </a:pPr>
+          <a:r>
+            <a:rPr lang="tr-TR" sz="3000" kern="1200" noProof="0" dirty="0"/>
+            <a:t>Problem Çözme</a:t>
+          </a:r>
+        </a:p>
+      </dsp:txBody>
+      <dsp:txXfrm>
+        <a:off x="2900613" y="80662"/>
+        <a:ext cx="2326773" cy="1457220"/>
+      </dsp:txXfrm>
+    </dsp:sp>
+    <dsp:sp modelId="{2016928D-ED3F-5D4D-82B6-0F1951F2E76E}">
+      <dsp:nvSpPr>
+        <dsp:cNvPr id="0" name=""/>
+        <dsp:cNvSpPr/>
+      </dsp:nvSpPr>
+      <dsp:spPr>
+        <a:xfrm>
+          <a:off x="1909284" y="809272"/>
+          <a:ext cx="4309431" cy="4309431"/>
+        </a:xfrm>
+        <a:custGeom>
+          <a:avLst/>
+          <a:gdLst/>
+          <a:ahLst/>
+          <a:cxnLst/>
+          <a:rect l="0" t="0" r="0" b="0"/>
+          <a:pathLst>
+            <a:path>
+              <a:moveTo>
+                <a:pt x="3730774" y="685416"/>
+              </a:moveTo>
+              <a:arcTo wR="2154715" hR="2154715" stAng="19020466" swAng="2303174"/>
+            </a:path>
+          </a:pathLst>
+        </a:custGeom>
+        <a:noFill/>
+        <a:ln w="6350" cap="flat" cmpd="sng" algn="ctr">
+          <a:solidFill>
+            <a:schemeClr val="accent1">
+              <a:hueOff val="0"/>
+              <a:satOff val="0"/>
+              <a:lumOff val="0"/>
+              <a:alphaOff val="0"/>
+            </a:schemeClr>
+          </a:solidFill>
+          <a:prstDash val="solid"/>
+          <a:miter lim="800000"/>
+          <a:tailEnd type="arrow"/>
+        </a:ln>
+        <a:effectLst/>
+      </dsp:spPr>
+      <dsp:style>
+        <a:lnRef idx="1">
+          <a:scrgbClr r="0" g="0" b="0"/>
+        </a:lnRef>
+        <a:fillRef idx="0">
+          <a:scrgbClr r="0" g="0" b="0"/>
+        </a:fillRef>
+        <a:effectRef idx="0">
+          <a:scrgbClr r="0" g="0" b="0"/>
+        </a:effectRef>
+        <a:fontRef idx="minor"/>
+      </dsp:style>
+    </dsp:sp>
+    <dsp:sp modelId="{8B6A898C-B30E-B343-BA75-7D64E2B82846}">
+      <dsp:nvSpPr>
+        <dsp:cNvPr id="0" name=""/>
+        <dsp:cNvSpPr/>
+      </dsp:nvSpPr>
+      <dsp:spPr>
+        <a:xfrm>
+          <a:off x="4687819" y="3233904"/>
+          <a:ext cx="2484437" cy="1614884"/>
+        </a:xfrm>
+        <a:prstGeom prst="roundRect">
+          <a:avLst/>
+        </a:prstGeom>
+        <a:solidFill>
+          <a:schemeClr val="accent1">
+            <a:hueOff val="0"/>
+            <a:satOff val="0"/>
+            <a:lumOff val="0"/>
+            <a:alphaOff val="0"/>
+          </a:schemeClr>
+        </a:solidFill>
+        <a:ln w="12700" cap="flat" cmpd="sng" algn="ctr">
+          <a:solidFill>
+            <a:schemeClr val="lt1">
+              <a:hueOff val="0"/>
+              <a:satOff val="0"/>
+              <a:lumOff val="0"/>
+              <a:alphaOff val="0"/>
+            </a:schemeClr>
+          </a:solidFill>
+          <a:prstDash val="solid"/>
+          <a:miter lim="800000"/>
+        </a:ln>
+        <a:effectLst/>
+      </dsp:spPr>
+      <dsp:style>
+        <a:lnRef idx="2">
+          <a:scrgbClr r="0" g="0" b="0"/>
+        </a:lnRef>
+        <a:fillRef idx="1">
+          <a:scrgbClr r="0" g="0" b="0"/>
+        </a:fillRef>
+        <a:effectRef idx="0">
+          <a:scrgbClr r="0" g="0" b="0"/>
+        </a:effectRef>
+        <a:fontRef idx="minor">
+          <a:schemeClr val="lt1"/>
+        </a:fontRef>
+      </dsp:style>
+      <dsp:txBody>
+        <a:bodyPr spcFirstLastPara="0" vert="horz" wrap="square" lIns="114300" tIns="114300" rIns="114300" bIns="114300" numCol="1" spcCol="1270" anchor="ctr" anchorCtr="0">
+          <a:noAutofit/>
+        </a:bodyPr>
+        <a:lstStyle/>
+        <a:p>
+          <a:pPr marL="0" lvl="0" indent="0" algn="ctr" defTabSz="1333500">
+            <a:lnSpc>
+              <a:spcPct val="90000"/>
+            </a:lnSpc>
+            <a:spcBef>
+              <a:spcPct val="0"/>
+            </a:spcBef>
+            <a:spcAft>
+              <a:spcPct val="35000"/>
+            </a:spcAft>
+            <a:buNone/>
+          </a:pPr>
+          <a:r>
+            <a:rPr lang="tr-TR" sz="3000" kern="1200" noProof="0" dirty="0"/>
+            <a:t>Programlama yeteneği</a:t>
+          </a:r>
+        </a:p>
+      </dsp:txBody>
+      <dsp:txXfrm>
+        <a:off x="4766651" y="3312736"/>
+        <a:ext cx="2326773" cy="1457220"/>
+      </dsp:txXfrm>
+    </dsp:sp>
+    <dsp:sp modelId="{0A6E9357-FA60-CD43-ABE2-6D68A568D18E}">
+      <dsp:nvSpPr>
+        <dsp:cNvPr id="0" name=""/>
+        <dsp:cNvSpPr/>
+      </dsp:nvSpPr>
+      <dsp:spPr>
+        <a:xfrm>
+          <a:off x="1909284" y="809272"/>
+          <a:ext cx="4309431" cy="4309431"/>
+        </a:xfrm>
+        <a:custGeom>
+          <a:avLst/>
+          <a:gdLst/>
+          <a:ahLst/>
+          <a:cxnLst/>
+          <a:rect l="0" t="0" r="0" b="0"/>
+          <a:pathLst>
+            <a:path>
+              <a:moveTo>
+                <a:pt x="2816277" y="4205358"/>
+              </a:moveTo>
+              <a:arcTo wR="2154715" hR="2154715" stAng="4327181" swAng="2145637"/>
+            </a:path>
+          </a:pathLst>
+        </a:custGeom>
+        <a:noFill/>
+        <a:ln w="6350" cap="flat" cmpd="sng" algn="ctr">
+          <a:solidFill>
+            <a:schemeClr val="accent1">
+              <a:hueOff val="0"/>
+              <a:satOff val="0"/>
+              <a:lumOff val="0"/>
+              <a:alphaOff val="0"/>
+            </a:schemeClr>
+          </a:solidFill>
+          <a:prstDash val="solid"/>
+          <a:miter lim="800000"/>
+          <a:tailEnd type="arrow"/>
+        </a:ln>
+        <a:effectLst/>
+      </dsp:spPr>
+      <dsp:style>
+        <a:lnRef idx="1">
+          <a:scrgbClr r="0" g="0" b="0"/>
+        </a:lnRef>
+        <a:fillRef idx="0">
+          <a:scrgbClr r="0" g="0" b="0"/>
+        </a:fillRef>
+        <a:effectRef idx="0">
+          <a:scrgbClr r="0" g="0" b="0"/>
+        </a:effectRef>
+        <a:fontRef idx="minor"/>
+      </dsp:style>
+    </dsp:sp>
+    <dsp:sp modelId="{E8155B1D-D6C9-DA43-9991-5287CE13F283}">
+      <dsp:nvSpPr>
+        <dsp:cNvPr id="0" name=""/>
+        <dsp:cNvSpPr/>
+      </dsp:nvSpPr>
+      <dsp:spPr>
+        <a:xfrm>
+          <a:off x="955742" y="3233904"/>
+          <a:ext cx="2484437" cy="1614884"/>
+        </a:xfrm>
+        <a:prstGeom prst="roundRect">
+          <a:avLst/>
+        </a:prstGeom>
+        <a:solidFill>
+          <a:schemeClr val="accent1">
+            <a:hueOff val="0"/>
+            <a:satOff val="0"/>
+            <a:lumOff val="0"/>
+            <a:alphaOff val="0"/>
+          </a:schemeClr>
+        </a:solidFill>
+        <a:ln w="12700" cap="flat" cmpd="sng" algn="ctr">
+          <a:solidFill>
+            <a:schemeClr val="lt1">
+              <a:hueOff val="0"/>
+              <a:satOff val="0"/>
+              <a:lumOff val="0"/>
+              <a:alphaOff val="0"/>
+            </a:schemeClr>
+          </a:solidFill>
+          <a:prstDash val="solid"/>
+          <a:miter lim="800000"/>
+        </a:ln>
+        <a:effectLst/>
+      </dsp:spPr>
+      <dsp:style>
+        <a:lnRef idx="2">
+          <a:scrgbClr r="0" g="0" b="0"/>
+        </a:lnRef>
+        <a:fillRef idx="1">
+          <a:scrgbClr r="0" g="0" b="0"/>
+        </a:fillRef>
+        <a:effectRef idx="0">
+          <a:scrgbClr r="0" g="0" b="0"/>
+        </a:effectRef>
+        <a:fontRef idx="minor">
+          <a:schemeClr val="lt1"/>
+        </a:fontRef>
+      </dsp:style>
+      <dsp:txBody>
+        <a:bodyPr spcFirstLastPara="0" vert="horz" wrap="square" lIns="114300" tIns="114300" rIns="114300" bIns="114300" numCol="1" spcCol="1270" anchor="ctr" anchorCtr="0">
+          <a:noAutofit/>
+        </a:bodyPr>
+        <a:lstStyle/>
+        <a:p>
+          <a:pPr marL="0" lvl="0" indent="0" algn="ctr" defTabSz="1333500">
+            <a:lnSpc>
+              <a:spcPct val="90000"/>
+            </a:lnSpc>
+            <a:spcBef>
+              <a:spcPct val="0"/>
+            </a:spcBef>
+            <a:spcAft>
+              <a:spcPct val="35000"/>
+            </a:spcAft>
+            <a:buNone/>
+          </a:pPr>
+          <a:r>
+            <a:rPr lang="tr-TR" sz="3000" kern="1200" noProof="0" dirty="0"/>
+            <a:t>Kavram Bilgisi</a:t>
+          </a:r>
+        </a:p>
+      </dsp:txBody>
+      <dsp:txXfrm>
+        <a:off x="1034574" y="3312736"/>
+        <a:ext cx="2326773" cy="1457220"/>
+      </dsp:txXfrm>
+    </dsp:sp>
+    <dsp:sp modelId="{87EED490-3A4F-5A48-9A9D-44CE34F87A34}">
+      <dsp:nvSpPr>
+        <dsp:cNvPr id="0" name=""/>
+        <dsp:cNvSpPr/>
+      </dsp:nvSpPr>
+      <dsp:spPr>
+        <a:xfrm>
+          <a:off x="1909284" y="809272"/>
+          <a:ext cx="4309431" cy="4309431"/>
+        </a:xfrm>
+        <a:custGeom>
+          <a:avLst/>
+          <a:gdLst/>
+          <a:ahLst/>
+          <a:cxnLst/>
+          <a:rect l="0" t="0" r="0" b="0"/>
+          <a:pathLst>
+            <a:path>
+              <a:moveTo>
+                <a:pt x="6958" y="1981685"/>
+              </a:moveTo>
+              <a:arcTo wR="2154715" hR="2154715" stAng="11076360" swAng="2303174"/>
+            </a:path>
+          </a:pathLst>
+        </a:custGeom>
+        <a:noFill/>
+        <a:ln w="6350" cap="flat" cmpd="sng" algn="ctr">
+          <a:solidFill>
+            <a:schemeClr val="accent1">
+              <a:hueOff val="0"/>
+              <a:satOff val="0"/>
+              <a:lumOff val="0"/>
+              <a:alphaOff val="0"/>
+            </a:schemeClr>
+          </a:solidFill>
+          <a:prstDash val="solid"/>
+          <a:miter lim="800000"/>
+          <a:tailEnd type="arrow"/>
+        </a:ln>
+        <a:effectLst/>
+      </dsp:spPr>
+      <dsp:style>
+        <a:lnRef idx="1">
+          <a:scrgbClr r="0" g="0" b="0"/>
+        </a:lnRef>
+        <a:fillRef idx="0">
+          <a:scrgbClr r="0" g="0" b="0"/>
+        </a:fillRef>
+        <a:effectRef idx="0">
+          <a:scrgbClr r="0" g="0" b="0"/>
+        </a:effectRef>
+        <a:fontRef idx="minor"/>
+      </dsp:style>
+    </dsp:sp>
+  </dsp:spTree>
+</dsp:drawing>
+</file>
+
+<file path=ppt/diagrams/layout1.xml><?xml version="1.0" encoding="utf-8"?>
+<dgm:layoutDef xmlns:dgm="http://schemas.openxmlformats.org/drawingml/2006/diagram" xmlns:a="http://schemas.openxmlformats.org/drawingml/2006/main" uniqueId="urn:microsoft.com/office/officeart/2005/8/layout/cycle5">
+  <dgm:title val=""/>
+  <dgm:desc val=""/>
+  <dgm:catLst>
+    <dgm:cat type="cycle" pri="3000"/>
+  </dgm:catLst>
+  <dgm:sampData>
+    <dgm:dataModel>
+      <dgm:ptLst>
+        <dgm:pt modelId="0" type="doc"/>
+        <dgm:pt modelId="1">
+          <dgm:prSet phldr="1"/>
+        </dgm:pt>
+        <dgm:pt modelId="2">
+          <dgm:prSet phldr="1"/>
+        </dgm:pt>
+        <dgm:pt modelId="3">
+          <dgm:prSet phldr="1"/>
+        </dgm:pt>
+        <dgm:pt modelId="4">
+          <dgm:prSet phldr="1"/>
+        </dgm:pt>
+        <dgm:pt modelId="5">
+          <dgm:prSet phldr="1"/>
+        </dgm:pt>
+      </dgm:ptLst>
+      <dgm:cxnLst>
+        <dgm:cxn modelId="6" srcId="0" destId="1" srcOrd="0" destOrd="0"/>
+        <dgm:cxn modelId="7" srcId="0" destId="2" srcOrd="1" destOrd="0"/>
+        <dgm:cxn modelId="8" srcId="0" destId="3" srcOrd="2" destOrd="0"/>
+        <dgm:cxn modelId="9" srcId="0" destId="4" srcOrd="3" destOrd="0"/>
+        <dgm:cxn modelId="10" srcId="0" destId="5" srcOrd="4" destOrd="0"/>
+      </dgm:cxnLst>
+      <dgm:bg/>
+      <dgm:whole/>
+    </dgm:dataModel>
+  </dgm:sampData>
+  <dgm:styleData>
+    <dgm:dataModel>
+      <dgm:ptLst>
+        <dgm:pt modelId="0" type="doc"/>
+        <dgm:pt modelId="1"/>
+        <dgm:pt modelId="2"/>
+        <dgm:pt modelId="3"/>
+      </dgm:ptLst>
+      <dgm:cxnLst>
+        <dgm:cxn modelId="4" srcId="0" destId="1" srcOrd="0" destOrd="0"/>
+        <dgm:cxn modelId="5" srcId="0" destId="2" srcOrd="1" destOrd="0"/>
+        <dgm:cxn modelId="6" srcId="0" destId="3" srcOrd="2" destOrd="0"/>
+      </dgm:cxnLst>
+      <dgm:bg/>
+      <dgm:whole/>
+    </dgm:dataModel>
+  </dgm:styleData>
+  <dgm:clrData>
+    <dgm:dataModel>
+      <dgm:ptLst>
+        <dgm:pt modelId="0" type="doc"/>
+        <dgm:pt modelId="1"/>
+        <dgm:pt modelId="2"/>
+        <dgm:pt modelId="3"/>
+        <dgm:pt modelId="4"/>
+        <dgm:pt modelId="5"/>
+        <dgm:pt modelId="6"/>
+      </dgm:ptLst>
+      <dgm:cxnLst>
+        <dgm:cxn modelId="7" srcId="0" destId="1" srcOrd="0" destOrd="0"/>
+        <dgm:cxn modelId="8" srcId="0" destId="2" srcOrd="1" destOrd="0"/>
+        <dgm:cxn modelId="9" srcId="0" destId="3" srcOrd="2" destOrd="0"/>
+        <dgm:cxn modelId="10" srcId="0" destId="4" srcOrd="3" destOrd="0"/>
+        <dgm:cxn modelId="11" srcId="0" destId="5" srcOrd="4" destOrd="0"/>
+        <dgm:cxn modelId="12" srcId="0" destId="6" srcOrd="5" destOrd="0"/>
+      </dgm:cxnLst>
+      <dgm:bg/>
+      <dgm:whole/>
+    </dgm:dataModel>
+  </dgm:clrData>
+  <dgm:layoutNode name="cycle">
+    <dgm:varLst>
+      <dgm:dir/>
+      <dgm:resizeHandles val="exact"/>
+    </dgm:varLst>
+    <dgm:choose name="Name0">
+      <dgm:if name="Name1" func="var" arg="dir" op="equ" val="norm">
+        <dgm:choose name="Name2">
+          <dgm:if name="Name3" axis="ch" ptType="node" func="cnt" op="gt" val="2">
+            <dgm:alg type="cycle">
+              <dgm:param type="stAng" val="0"/>
+              <dgm:param type="spanAng" val="360"/>
+            </dgm:alg>
+          </dgm:if>
+          <dgm:else name="Name4">
+            <dgm:alg type="cycle">
+              <dgm:param type="stAng" val="-90"/>
+              <dgm:param type="spanAng" val="360"/>
+            </dgm:alg>
+          </dgm:else>
+        </dgm:choose>
+      </dgm:if>
+      <dgm:else name="Name5">
+        <dgm:choose name="Name6">
+          <dgm:if name="Name7" axis="ch" ptType="node" func="cnt" op="gt" val="2">
+            <dgm:alg type="cycle">
+              <dgm:param type="stAng" val="0"/>
+              <dgm:param type="spanAng" val="-360"/>
+            </dgm:alg>
+          </dgm:if>
+          <dgm:else name="Name8">
+            <dgm:alg type="cycle">
+              <dgm:param type="stAng" val="90"/>
+              <dgm:param type="spanAng" val="-360"/>
+            </dgm:alg>
+          </dgm:else>
+        </dgm:choose>
+      </dgm:else>
+    </dgm:choose>
+    <dgm:shape xmlns:r="http://schemas.openxmlformats.org/officeDocument/2006/relationships" r:blip="">
+      <dgm:adjLst/>
+    </dgm:shape>
+    <dgm:presOf/>
+    <dgm:choose name="Name9">
+      <dgm:if name="Name10" func="var" arg="dir" op="equ" val="norm">
+        <dgm:constrLst>
+          <dgm:constr type="w" for="ch" forName="node" refType="w"/>
+          <dgm:constr type="w" for="ch" ptType="sibTrans" refType="w" refFor="ch" refForName="node" op="equ" fact="0.3"/>
+          <dgm:constr type="diam" for="ch" ptType="sibTrans" refType="diam" op="equ"/>
+          <dgm:constr type="sibSp" refType="w" refFor="ch" refForName="node" op="equ" fact="0.15"/>
+          <dgm:constr type="w" for="ch" forName="spNode" refType="sibSp" fact="1.6"/>
+          <dgm:constr type="primFontSz" for="ch" forName="node" op="equ" val="65"/>
+        </dgm:constrLst>
+      </dgm:if>
+      <dgm:else name="Name11">
+        <dgm:constrLst>
+          <dgm:constr type="w" for="ch" forName="node" refType="w"/>
+          <dgm:constr type="w" for="ch" ptType="sibTrans" refType="w" refFor="ch" refForName="node" op="equ" fact="0.3"/>
+          <dgm:constr type="diam" for="ch" ptType="sibTrans" refType="diam" fact="-1"/>
+          <dgm:constr type="diam" for="ch" refType="diam" op="equ" fact="-1"/>
+          <dgm:constr type="sibSp" refType="w" refFor="ch" refForName="node" op="equ" fact="0.15"/>
+          <dgm:constr type="w" for="ch" forName="spNode" refType="sibSp" fact="1.6"/>
+          <dgm:constr type="primFontSz" for="ch" forName="node" op="equ" val="65"/>
+        </dgm:constrLst>
+      </dgm:else>
+    </dgm:choose>
+    <dgm:ruleLst/>
+    <dgm:forEach name="Name12" axis="ch" ptType="node">
+      <dgm:layoutNode name="node">
+        <dgm:varLst>
+          <dgm:bulletEnabled val="1"/>
+        </dgm:varLst>
+        <dgm:alg type="tx"/>
+        <dgm:shape xmlns:r="http://schemas.openxmlformats.org/officeDocument/2006/relationships" type="roundRect" r:blip="">
+          <dgm:adjLst/>
+        </dgm:shape>
+        <dgm:presOf axis="desOrSelf" ptType="node"/>
+        <dgm:constrLst>
+          <dgm:constr type="h" refType="w" fact="0.65"/>
+          <dgm:constr type="tMarg" refType="primFontSz" fact="0.3"/>
+          <dgm:constr type="bMarg" refType="primFontSz" fact="0.3"/>
+          <dgm:constr type="lMarg" refType="primFontSz" fact="0.3"/>
+          <dgm:constr type="rMarg" refType="primFontSz" fact="0.3"/>
+        </dgm:constrLst>
+        <dgm:ruleLst>
+          <dgm:rule type="primFontSz" val="5" fact="NaN" max="NaN"/>
+        </dgm:ruleLst>
+      </dgm:layoutNode>
+      <dgm:choose name="Name13">
+        <dgm:if name="Name14" axis="par ch" ptType="doc node" func="cnt" op="gt" val="1">
+          <dgm:layoutNode name="spNode">
+            <dgm:alg type="sp"/>
+            <dgm:shape xmlns:r="http://schemas.openxmlformats.org/officeDocument/2006/relationships" r:blip="">
+              <dgm:adjLst/>
+            </dgm:shape>
+            <dgm:presOf/>
+            <dgm:constrLst>
+              <dgm:constr type="h" refType="w"/>
+            </dgm:constrLst>
+            <dgm:ruleLst/>
+          </dgm:layoutNode>
+          <dgm:forEach name="Name15" axis="followSib" ptType="sibTrans" hideLastTrans="0" cnt="1">
+            <dgm:layoutNode name="sibTrans">
+              <dgm:alg type="conn">
+                <dgm:param type="dim" val="1D"/>
+                <dgm:param type="connRout" val="curve"/>
+                <dgm:param type="begPts" val="radial"/>
+                <dgm:param type="endPts" val="radial"/>
+              </dgm:alg>
+              <dgm:shape xmlns:r="http://schemas.openxmlformats.org/officeDocument/2006/relationships" type="conn" r:blip="">
+                <dgm:adjLst/>
+              </dgm:shape>
+              <dgm:presOf axis="self"/>
+              <dgm:constrLst>
+                <dgm:constr type="h" refType="w" fact="0.65"/>
+                <dgm:constr type="connDist"/>
+                <dgm:constr type="begPad" refType="connDist" fact="0.2"/>
+                <dgm:constr type="endPad" refType="connDist" fact="0.2"/>
+              </dgm:constrLst>
+              <dgm:ruleLst/>
+            </dgm:layoutNode>
+          </dgm:forEach>
+        </dgm:if>
+        <dgm:else name="Name16"/>
+      </dgm:choose>
+    </dgm:forEach>
+  </dgm:layoutNode>
+</dgm:layoutDef>
+</file>
+
+<file path=ppt/diagrams/quickStyle1.xml><?xml version="1.0" encoding="utf-8"?>
+<dgm:styleDef xmlns:dgm="http://schemas.openxmlformats.org/drawingml/2006/diagram" xmlns:a="http://schemas.openxmlformats.org/drawingml/2006/main" uniqueId="urn:microsoft.com/office/officeart/2005/8/quickstyle/simple1">
+  <dgm:title val=""/>
+  <dgm:desc val=""/>
+  <dgm:catLst>
+    <dgm:cat type="simple" pri="10100"/>
+  </dgm:catLst>
+  <dgm:scene3d>
+    <a:camera prst="orthographicFront"/>
+    <a:lightRig rig="threePt" dir="t"/>
+  </dgm:scene3d>
+  <dgm:styleLbl name="node0">
+    <dgm:scene3d>
+      <a:camera prst="orthographicFront"/>
+      <a:lightRig rig="threePt" dir="t"/>
+    </dgm:scene3d>
+    <dgm:sp3d/>
+    <dgm:txPr/>
+    <dgm:style>
+      <a:lnRef idx="2">
+        <a:scrgbClr r="0" g="0" b="0"/>
+      </a:lnRef>
+      <a:fillRef idx="1">
+        <a:scrgbClr r="0" g="0" b="0"/>
+      </a:fillRef>
+      <a:effectRef idx="0">
+        <a:scrgbClr r="0" g="0" b="0"/>
+      </a:effectRef>
+      <a:fontRef idx="minor">
+        <a:schemeClr val="lt1"/>
+      </a:fontRef>
+    </dgm:style>
+  </dgm:styleLbl>
+  <dgm:styleLbl name="lnNode1">
+    <dgm:scene3d>
+      <a:camera prst="orthographicFront"/>
+      <a:lightRig rig="threePt" dir="t"/>
+    </dgm:scene3d>
+    <dgm:sp3d/>
+    <dgm:txPr/>
+    <dgm:style>
+      <a:lnRef idx="2">
+        <a:scrgbClr r="0" g="0" b="0"/>
+      </a:lnRef>
+      <a:fillRef idx="1">
+        <a:scrgbClr r="0" g="0" b="0"/>
+      </a:fillRef>
+      <a:effectRef idx="0">
+        <a:scrgbClr r="0" g="0" b="0"/>
+      </a:effectRef>
+      <a:fontRef idx="minor">
+        <a:schemeClr val="lt1"/>
+      </a:fontRef>
+    </dgm:style>
+  </dgm:styleLbl>
+  <dgm:styleLbl name="vennNode1">
+    <dgm:scene3d>
+      <a:camera prst="orthographicFront"/>
+      <a:lightRig rig="threePt" dir="t"/>
+    </dgm:scene3d>
+    <dgm:sp3d/>
+    <dgm:txPr/>
+    <dgm:style>
+      <a:lnRef idx="2">
+        <a:scrgbClr r="0" g="0" b="0"/>
+      </a:lnRef>
+      <a:fillRef idx="1">
+        <a:scrgbClr r="0" g="0" b="0"/>
+      </a:fillRef>
+      <a:effectRef idx="0">
+        <a:scrgbClr r="0" g="0" b="0"/>
+      </a:effectRef>
+      <a:fontRef idx="minor">
+        <a:schemeClr val="tx1"/>
+      </a:fontRef>
+    </dgm:style>
+  </dgm:styleLbl>
+  <dgm:styleLbl name="alignNode1">
+    <dgm:scene3d>
+      <a:camera prst="orthographicFront"/>
+      <a:lightRig rig="threePt" dir="t"/>
+    </dgm:scene3d>
+    <dgm:sp3d/>
+    <dgm:txPr/>
+    <dgm:style>
+      <a:lnRef idx="2">
+        <a:scrgbClr r="0" g="0" b="0"/>
+      </a:lnRef>
+      <a:fillRef idx="1">
+        <a:scrgbClr r="0" g="0" b="0"/>
+      </a:fillRef>
+      <a:effectRef idx="0">
+        <a:scrgbClr r="0" g="0" b="0"/>
+      </a:effectRef>
+      <a:fontRef idx="minor">
+        <a:schemeClr val="lt1"/>
+      </a:fontRef>
+    </dgm:style>
+  </dgm:styleLbl>
+  <dgm:styleLbl name="node1">
+    <dgm:scene3d>
+      <a:camera prst="orthographicFront"/>
+      <a:lightRig rig="threePt" dir="t"/>
+    </dgm:scene3d>
+    <dgm:sp3d/>
+    <dgm:txPr/>
+    <dgm:style>
+      <a:lnRef idx="2">
+        <a:scrgbClr r="0" g="0" b="0"/>
+      </a:lnRef>
+      <a:fillRef idx="1">
+        <a:scrgbClr r="0" g="0" b="0"/>
+      </a:fillRef>
+      <a:effectRef idx="0">
+        <a:scrgbClr r="0" g="0" b="0"/>
+      </a:effectRef>
+      <a:fontRef idx="minor">
+        <a:schemeClr val="lt1"/>
+      </a:fontRef>
+    </dgm:style>
+  </dgm:styleLbl>
+  <dgm:styleLbl name="node2">
+    <dgm:scene3d>
+      <a:camera prst="orthographicFront"/>
+      <a:lightRig rig="threePt" dir="t"/>
+    </dgm:scene3d>
+    <dgm:sp3d/>
+    <dgm:txPr/>
+    <dgm:style>
+      <a:lnRef idx="2">
+        <a:scrgbClr r="0" g="0" b="0"/>
+      </a:lnRef>
+      <a:fillRef idx="1">
+        <a:scrgbClr r="0" g="0" b="0"/>
+      </a:fillRef>
+      <a:effectRef idx="0">
+        <a:scrgbClr r="0" g="0" b="0"/>
+      </a:effectRef>
+      <a:fontRef idx="minor">
+        <a:schemeClr val="lt1"/>
+      </a:fontRef>
+    </dgm:style>
+  </dgm:styleLbl>
+  <dgm:styleLbl name="node3">
+    <dgm:scene3d>
+      <a:camera prst="orthographicFront"/>
+      <a:lightRig rig="threePt" dir="t"/>
+    </dgm:scene3d>
+    <dgm:sp3d/>
+    <dgm:txPr/>
+    <dgm:style>
+      <a:lnRef idx="2">
+        <a:scrgbClr r="0" g="0" b="0"/>
+      </a:lnRef>
+      <a:fillRef idx="1">
+        <a:scrgbClr r="0" g="0" b="0"/>
+      </a:fillRef>
+      <a:effectRef idx="0">
+        <a:scrgbClr r="0" g="0" b="0"/>
+      </a:effectRef>
+      <a:fontRef idx="minor">
+        <a:schemeClr val="lt1"/>
+      </a:fontRef>
+    </dgm:style>
+  </dgm:styleLbl>
+  <dgm:styleLbl name="node4">
+    <dgm:scene3d>
+      <a:camera prst="orthographicFront"/>
+      <a:lightRig rig="threePt" dir="t"/>
+    </dgm:scene3d>
+    <dgm:sp3d/>
+    <dgm:txPr/>
+    <dgm:style>
+      <a:lnRef idx="2">
+        <a:scrgbClr r="0" g="0" b="0"/>
+      </a:lnRef>
+      <a:fillRef idx="1">
+        <a:scrgbClr r="0" g="0" b="0"/>
+      </a:fillRef>
+      <a:effectRef idx="0">
+        <a:scrgbClr r="0" g="0" b="0"/>
+      </a:effectRef>
+      <a:fontRef idx="minor">
+        <a:schemeClr val="lt1"/>
+      </a:fontRef>
+    </dgm:style>
+  </dgm:styleLbl>
+  <dgm:styleLbl name="fgImgPlace1">
+    <dgm:scene3d>
+      <a:camera prst="orthographicFront"/>
+      <a:lightRig rig="threePt" dir="t"/>
+    </dgm:scene3d>
+    <dgm:sp3d/>
+    <dgm:txPr/>
+    <dgm:style>
+      <a:lnRef idx="2">
+        <a:scrgbClr r="0" g="0" b="0"/>
+      </a:lnRef>
+      <a:fillRef idx="1">
+        <a:scrgbClr r="0" g="0" b="0"/>
+      </a:fillRef>
+      <a:effectRef idx="0">
+        <a:scrgbClr r="0" g="0" b="0"/>
+      </a:effectRef>
+      <a:fontRef idx="minor"/>
+    </dgm:style>
+  </dgm:styleLbl>
+  <dgm:styleLbl name="alignImgPlace1">
+    <dgm:scene3d>
+      <a:camera prst="orthographicFront"/>
+      <a:lightRig rig="threePt" dir="t"/>
+    </dgm:scene3d>
+    <dgm:sp3d/>
+    <dgm:txPr/>
+    <dgm:style>
+      <a:lnRef idx="2">
+        <a:scrgbClr r="0" g="0" b="0"/>
+      </a:lnRef>
+      <a:fillRef idx="1">
+        <a:scrgbClr r="0" g="0" b="0"/>
+      </a:fillRef>
+      <a:effectRef idx="0">
+        <a:scrgbClr r="0" g="0" b="0"/>
+      </a:effectRef>
+      <a:fontRef idx="minor"/>
+    </dgm:style>
+  </dgm:styleLbl>
+  <dgm:styleLbl name="bgImgPlace1">
+    <dgm:scene3d>
+      <a:camera prst="orthographicFront"/>
+      <a:lightRig rig="threePt" dir="t"/>
+    </dgm:scene3d>
+    <dgm:sp3d/>
+    <dgm:txPr/>
+    <dgm:style>
+      <a:lnRef idx="2">
+        <a:scrgbClr r="0" g="0" b="0"/>
+      </a:lnRef>
+      <a:fillRef idx="1">
+        <a:scrgbClr r="0" g="0" b="0"/>
+      </a:fillRef>
+      <a:effectRef idx="0">
+        <a:scrgbClr r="0" g="0" b="0"/>
+      </a:effectRef>
+      <a:fontRef idx="minor"/>
+    </dgm:style>
+  </dgm:styleLbl>
+  <dgm:styleLbl name="sibTrans2D1">
+    <dgm:scene3d>
+      <a:camera prst="orthographicFront"/>
+      <a:lightRig rig="threePt" dir="t"/>
+    </dgm:scene3d>
+    <dgm:sp3d/>
+    <dgm:txPr/>
+    <dgm:style>
+      <a:lnRef idx="0">
+        <a:scrgbClr r="0" g="0" b="0"/>
+      </a:lnRef>
+      <a:fillRef idx="1">
+        <a:scrgbClr r="0" g="0" b="0"/>
+      </a:fillRef>
+      <a:effectRef idx="0">
+        <a:scrgbClr r="0" g="0" b="0"/>
+      </a:effectRef>
+      <a:fontRef idx="minor">
+        <a:schemeClr val="lt1"/>
+      </a:fontRef>
+    </dgm:style>
+  </dgm:styleLbl>
+  <dgm:styleLbl name="fgSibTrans2D1">
+    <dgm:scene3d>
+      <a:camera prst="orthographicFront"/>
+      <a:lightRig rig="threePt" dir="t"/>
+    </dgm:scene3d>
+    <dgm:sp3d/>
+    <dgm:txPr/>
+    <dgm:style>
+      <a:lnRef idx="0">
+        <a:scrgbClr r="0" g="0" b="0"/>
+      </a:lnRef>
+      <a:fillRef idx="1">
+        <a:scrgbClr r="0" g="0" b="0"/>
+      </a:fillRef>
+      <a:effectRef idx="0">
+        <a:scrgbClr r="0" g="0" b="0"/>
+      </a:effectRef>
+      <a:fontRef idx="minor">
+        <a:schemeClr val="lt1"/>
+      </a:fontRef>
+    </dgm:style>
+  </dgm:styleLbl>
+  <dgm:styleLbl name="bgSibTrans2D1">
+    <dgm:scene3d>
+      <a:camera prst="orthographicFront"/>
+      <a:lightRig rig="threePt" dir="t"/>
+    </dgm:scene3d>
+    <dgm:sp3d/>
+    <dgm:txPr/>
+    <dgm:style>
+      <a:lnRef idx="0">
+        <a:scrgbClr r="0" g="0" b="0"/>
+      </a:lnRef>
+      <a:fillRef idx="1">
+        <a:scrgbClr r="0" g="0" b="0"/>
+      </a:fillRef>
+      <a:effectRef idx="0">
+        <a:scrgbClr r="0" g="0" b="0"/>
+      </a:effectRef>
+      <a:fontRef idx="minor">
+        <a:schemeClr val="lt1"/>
+      </a:fontRef>
+    </dgm:style>
+  </dgm:styleLbl>
+  <dgm:styleLbl name="sibTrans1D1">
+    <dgm:scene3d>
+      <a:camera prst="orthographicFront"/>
+      <a:lightRig rig="threePt" dir="t"/>
+    </dgm:scene3d>
+    <dgm:sp3d/>
+    <dgm:txPr/>
+    <dgm:style>
+      <a:lnRef idx="1">
+        <a:scrgbClr r="0" g="0" b="0"/>
+      </a:lnRef>
+      <a:fillRef idx="0">
+        <a:scrgbClr r="0" g="0" b="0"/>
+      </a:fillRef>
+      <a:effectRef idx="0">
+        <a:scrgbClr r="0" g="0" b="0"/>
+      </a:effectRef>
+      <a:fontRef idx="minor"/>
+    </dgm:style>
+  </dgm:styleLbl>
+  <dgm:styleLbl name="callout">
+    <dgm:scene3d>
+      <a:camera prst="orthographicFront"/>
+      <a:lightRig rig="threePt" dir="t"/>
+    </dgm:scene3d>
+    <dgm:sp3d/>
+    <dgm:txPr/>
+    <dgm:style>
+      <a:lnRef idx="2">
+        <a:scrgbClr r="0" g="0" b="0"/>
+      </a:lnRef>
+      <a:fillRef idx="1">
+        <a:scrgbClr r="0" g="0" b="0"/>
+      </a:fillRef>
+      <a:effectRef idx="0">
+        <a:scrgbClr r="0" g="0" b="0"/>
+      </a:effectRef>
+      <a:fontRef idx="minor"/>
+    </dgm:style>
+  </dgm:styleLbl>
+  <dgm:styleLbl name="asst0">
+    <dgm:scene3d>
+      <a:camera prst="orthographicFront"/>
+      <a:lightRig rig="threePt" dir="t"/>
+    </dgm:scene3d>
+    <dgm:sp3d/>
+    <dgm:txPr/>
+    <dgm:style>
+      <a:lnRef idx="2">
+        <a:scrgbClr r="0" g="0" b="0"/>
+      </a:lnRef>
+      <a:fillRef idx="1">
+        <a:scrgbClr r="0" g="0" b="0"/>
+      </a:fillRef>
+      <a:effectRef idx="0">
+        <a:scrgbClr r="0" g="0" b="0"/>
+      </a:effectRef>
+      <a:fontRef idx="minor">
+        <a:schemeClr val="lt1"/>
+      </a:fontRef>
+    </dgm:style>
+  </dgm:styleLbl>
+  <dgm:styleLbl name="asst1">
+    <dgm:scene3d>
+      <a:camera prst="orthographicFront"/>
+      <a:lightRig rig="threePt" dir="t"/>
+    </dgm:scene3d>
+    <dgm:sp3d/>
+    <dgm:txPr/>
+    <dgm:style>
+      <a:lnRef idx="2">
+        <a:scrgbClr r="0" g="0" b="0"/>
+      </a:lnRef>
+      <a:fillRef idx="1">
+        <a:scrgbClr r="0" g="0" b="0"/>
+      </a:fillRef>
+      <a:effectRef idx="0">
+        <a:scrgbClr r="0" g="0" b="0"/>
+      </a:effectRef>
+      <a:fontRef idx="minor">
+        <a:schemeClr val="lt1"/>
+      </a:fontRef>
+    </dgm:style>
+  </dgm:styleLbl>
+  <dgm:styleLbl name="asst2">
+    <dgm:scene3d>
+      <a:camera prst="orthographicFront"/>
+      <a:lightRig rig="threePt" dir="t"/>
+    </dgm:scene3d>
+    <dgm:sp3d/>
+    <dgm:txPr/>
+    <dgm:style>
+      <a:lnRef idx="2">
+        <a:scrgbClr r="0" g="0" b="0"/>
+      </a:lnRef>
+      <a:fillRef idx="1">
+        <a:scrgbClr r="0" g="0" b="0"/>
+      </a:fillRef>
+      <a:effectRef idx="0">
+        <a:scrgbClr r="0" g="0" b="0"/>
+      </a:effectRef>
+      <a:fontRef idx="minor">
+        <a:schemeClr val="lt1"/>
+      </a:fontRef>
+    </dgm:style>
+  </dgm:styleLbl>
+  <dgm:styleLbl name="asst3">
+    <dgm:scene3d>
+      <a:camera prst="orthographicFront"/>
+      <a:lightRig rig="threePt" dir="t"/>
+    </dgm:scene3d>
+    <dgm:sp3d/>
+    <dgm:txPr/>
+    <dgm:style>
+      <a:lnRef idx="2">
+        <a:scrgbClr r="0" g="0" b="0"/>
+      </a:lnRef>
+      <a:fillRef idx="1">
+        <a:scrgbClr r="0" g="0" b="0"/>
+      </a:fillRef>
+      <a:effectRef idx="0">
+        <a:scrgbClr r="0" g="0" b="0"/>
+      </a:effectRef>
+      <a:fontRef idx="minor">
+        <a:schemeClr val="lt1"/>
+      </a:fontRef>
+    </dgm:style>
+  </dgm:styleLbl>
+  <dgm:styleLbl name="asst4">
+    <dgm:scene3d>
+      <a:camera prst="orthographicFront"/>
+      <a:lightRig rig="threePt" dir="t"/>
+    </dgm:scene3d>
+    <dgm:sp3d/>
+    <dgm:txPr/>
+    <dgm:style>
+      <a:lnRef idx="2">
+        <a:scrgbClr r="0" g="0" b="0"/>
+      </a:lnRef>
+      <a:fillRef idx="1">
+        <a:scrgbClr r="0" g="0" b="0"/>
+      </a:fillRef>
+      <a:effectRef idx="0">
+        <a:scrgbClr r="0" g="0" b="0"/>
+      </a:effectRef>
+      <a:fontRef idx="minor">
+        <a:schemeClr val="lt1"/>
+      </a:fontRef>
+    </dgm:style>
+  </dgm:styleLbl>
+  <dgm:styleLbl name="parChTrans2D1">
+    <dgm:scene3d>
+      <a:camera prst="orthographicFront"/>
+      <a:lightRig rig="threePt" dir="t"/>
+    </dgm:scene3d>
+    <dgm:sp3d/>
+    <dgm:txPr/>
+    <dgm:style>
+      <a:lnRef idx="2">
+        <a:scrgbClr r="0" g="0" b="0"/>
+      </a:lnRef>
+      <a:fillRef idx="1">
+        <a:scrgbClr r="0" g="0" b="0"/>
+      </a:fillRef>
+      <a:effectRef idx="0">
+        <a:scrgbClr r="0" g="0" b="0"/>
+      </a:effectRef>
+      <a:fontRef idx="minor">
+        <a:schemeClr val="lt1"/>
+      </a:fontRef>
+    </dgm:style>
+  </dgm:styleLbl>
+  <dgm:styleLbl name="parChTrans2D2">
+    <dgm:scene3d>
+      <a:camera prst="orthographicFront"/>
+      <a:lightRig rig="threePt" dir="t"/>
+    </dgm:scene3d>
+    <dgm:sp3d/>
+    <dgm:txPr/>
+    <dgm:style>
+      <a:lnRef idx="2">
+        <a:scrgbClr r="0" g="0" b="0"/>
+      </a:lnRef>
+      <a:fillRef idx="1">
+        <a:scrgbClr r="0" g="0" b="0"/>
+      </a:fillRef>
+      <a:effectRef idx="0">
+        <a:scrgbClr r="0" g="0" b="0"/>
+      </a:effectRef>
+      <a:fontRef idx="minor">
+        <a:schemeClr val="lt1"/>
+      </a:fontRef>
+    </dgm:style>
+  </dgm:styleLbl>
+  <dgm:styleLbl name="parChTrans2D3">
+    <dgm:scene3d>
+      <a:camera prst="orthographicFront"/>
+      <a:lightRig rig="threePt" dir="t"/>
+    </dgm:scene3d>
+    <dgm:sp3d/>
+    <dgm:txPr/>
+    <dgm:style>
+      <a:lnRef idx="2">
+        <a:scrgbClr r="0" g="0" b="0"/>
+      </a:lnRef>
+      <a:fillRef idx="1">
+        <a:scrgbClr r="0" g="0" b="0"/>
+      </a:fillRef>
+      <a:effectRef idx="0">
+        <a:scrgbClr r="0" g="0" b="0"/>
+      </a:effectRef>
+      <a:fontRef idx="minor">
+        <a:schemeClr val="lt1"/>
+      </a:fontRef>
+    </dgm:style>
+  </dgm:styleLbl>
+  <dgm:styleLbl name="parChTrans2D4">
+    <dgm:scene3d>
+      <a:camera prst="orthographicFront"/>
+      <a:lightRig rig="threePt" dir="t"/>
+    </dgm:scene3d>
+    <dgm:sp3d/>
+    <dgm:txPr/>
+    <dgm:style>
+      <a:lnRef idx="2">
+        <a:scrgbClr r="0" g="0" b="0"/>
+      </a:lnRef>
+      <a:fillRef idx="1">
+        <a:scrgbClr r="0" g="0" b="0"/>
+      </a:fillRef>
+      <a:effectRef idx="0">
+        <a:scrgbClr r="0" g="0" b="0"/>
+      </a:effectRef>
+      <a:fontRef idx="minor">
+        <a:schemeClr val="lt1"/>
+      </a:fontRef>
+    </dgm:style>
+  </dgm:styleLbl>
+  <dgm:styleLbl name="parChTrans1D1">
+    <dgm:scene3d>
+      <a:camera prst="orthographicFront"/>
+      <a:lightRig rig="threePt" dir="t"/>
+    </dgm:scene3d>
+    <dgm:sp3d/>
+    <dgm:txPr/>
+    <dgm:style>
+      <a:lnRef idx="2">
+        <a:scrgbClr r="0" g="0" b="0"/>
+      </a:lnRef>
+      <a:fillRef idx="0">
+        <a:scrgbClr r="0" g="0" b="0"/>
+      </a:fillRef>
+      <a:effectRef idx="0">
+        <a:scrgbClr r="0" g="0" b="0"/>
+      </a:effectRef>
+      <a:fontRef idx="minor"/>
+    </dgm:style>
+  </dgm:styleLbl>
+  <dgm:styleLbl name="parChTrans1D2">
+    <dgm:scene3d>
+      <a:camera prst="orthographicFront"/>
+      <a:lightRig rig="threePt" dir="t"/>
+    </dgm:scene3d>
+    <dgm:sp3d/>
+    <dgm:txPr/>
+    <dgm:style>
+      <a:lnRef idx="2">
+        <a:scrgbClr r="0" g="0" b="0"/>
+      </a:lnRef>
+      <a:fillRef idx="0">
+        <a:scrgbClr r="0" g="0" b="0"/>
+      </a:fillRef>
+      <a:effectRef idx="0">
+        <a:scrgbClr r="0" g="0" b="0"/>
+      </a:effectRef>
+      <a:fontRef idx="minor"/>
+    </dgm:style>
+  </dgm:styleLbl>
+  <dgm:styleLbl name="parChTrans1D3">
+    <dgm:scene3d>
+      <a:camera prst="orthographicFront"/>
+      <a:lightRig rig="threePt" dir="t"/>
+    </dgm:scene3d>
+    <dgm:sp3d/>
+    <dgm:txPr/>
+    <dgm:style>
+      <a:lnRef idx="2">
+        <a:scrgbClr r="0" g="0" b="0"/>
+      </a:lnRef>
+      <a:fillRef idx="0">
+        <a:scrgbClr r="0" g="0" b="0"/>
+      </a:fillRef>
+      <a:effectRef idx="0">
+        <a:scrgbClr r="0" g="0" b="0"/>
+      </a:effectRef>
+      <a:fontRef idx="minor"/>
+    </dgm:style>
+  </dgm:styleLbl>
+  <dgm:styleLbl name="parChTrans1D4">
+    <dgm:scene3d>
+      <a:camera prst="orthographicFront"/>
+      <a:lightRig rig="threePt" dir="t"/>
+    </dgm:scene3d>
+    <dgm:sp3d/>
+    <dgm:txPr/>
+    <dgm:style>
+      <a:lnRef idx="2">
+        <a:scrgbClr r="0" g="0" b="0"/>
+      </a:lnRef>
+      <a:fillRef idx="0">
+        <a:scrgbClr r="0" g="0" b="0"/>
+      </a:fillRef>
+      <a:effectRef idx="0">
+        <a:scrgbClr r="0" g="0" b="0"/>
+      </a:effectRef>
+      <a:fontRef idx="minor"/>
+    </dgm:style>
+  </dgm:styleLbl>
+  <dgm:styleLbl name="fgAcc1">
+    <dgm:scene3d>
+      <a:camera prst="orthographicFront"/>
+      <a:lightRig rig="threePt" dir="t"/>
+    </dgm:scene3d>
+    <dgm:sp3d/>
+    <dgm:txPr/>
+    <dgm:style>
+      <a:lnRef idx="2">
+        <a:scrgbClr r="0" g="0" b="0"/>
+      </a:lnRef>
+      <a:fillRef idx="1">
+        <a:scrgbClr r="0" g="0" b="0"/>
+      </a:fillRef>
+      <a:effectRef idx="0">
+        <a:scrgbClr r="0" g="0" b="0"/>
+      </a:effectRef>
+      <a:fontRef idx="minor"/>
+    </dgm:style>
+  </dgm:styleLbl>
+  <dgm:styleLbl name="conFgAcc1">
+    <dgm:scene3d>
+      <a:camera prst="orthographicFront"/>
+      <a:lightRig rig="threePt" dir="t"/>
+    </dgm:scene3d>
+    <dgm:sp3d/>
+    <dgm:txPr/>
+    <dgm:style>
+      <a:lnRef idx="2">
+        <a:scrgbClr r="0" g="0" b="0"/>
+      </a:lnRef>
+      <a:fillRef idx="1">
+        <a:scrgbClr r="0" g="0" b="0"/>
+      </a:fillRef>
+      <a:effectRef idx="0">
+        <a:scrgbClr r="0" g="0" b="0"/>
+      </a:effectRef>
+      <a:fontRef idx="minor"/>
+    </dgm:style>
+  </dgm:styleLbl>
+  <dgm:styleLbl name="alignAcc1">
+    <dgm:scene3d>
+      <a:camera prst="orthographicFront"/>
+      <a:lightRig rig="threePt" dir="t"/>
+    </dgm:scene3d>
+    <dgm:sp3d/>
+    <dgm:txPr/>
+    <dgm:style>
+      <a:lnRef idx="2">
+        <a:scrgbClr r="0" g="0" b="0"/>
+      </a:lnRef>
+      <a:fillRef idx="1">
+        <a:scrgbClr r="0" g="0" b="0"/>
+      </a:fillRef>
+      <a:effectRef idx="0">
+        <a:scrgbClr r="0" g="0" b="0"/>
+      </a:effectRef>
+      <a:fontRef idx="minor"/>
+    </dgm:style>
+  </dgm:styleLbl>
+  <dgm:styleLbl name="trAlignAcc1">
+    <dgm:scene3d>
+      <a:camera prst="orthographicFront"/>
+      <a:lightRig rig="threePt" dir="t"/>
+    </dgm:scene3d>
+    <dgm:sp3d/>
+    <dgm:txPr/>
+    <dgm:style>
+      <a:lnRef idx="1">
+        <a:scrgbClr r="0" g="0" b="0"/>
+      </a:lnRef>
+      <a:fillRef idx="1">
+        <a:scrgbClr r="0" g="0" b="0"/>
+      </a:fillRef>
+      <a:effectRef idx="0">
+        <a:scrgbClr r="0" g="0" b="0"/>
+      </a:effectRef>
+      <a:fontRef idx="minor"/>
+    </dgm:style>
+  </dgm:styleLbl>
+  <dgm:styleLbl name="bgAcc1">
+    <dgm:scene3d>
+      <a:camera prst="orthographicFront"/>
+      <a:lightRig rig="threePt" dir="t"/>
+    </dgm:scene3d>
+    <dgm:sp3d/>
+    <dgm:txPr/>
+    <dgm:style>
+      <a:lnRef idx="2">
+        <a:scrgbClr r="0" g="0" b="0"/>
+      </a:lnRef>
+      <a:fillRef idx="1">
+        <a:scrgbClr r="0" g="0" b="0"/>
+      </a:fillRef>
+      <a:effectRef idx="0">
+        <a:scrgbClr r="0" g="0" b="0"/>
+      </a:effectRef>
+      <a:fontRef idx="minor"/>
+    </dgm:style>
+  </dgm:styleLbl>
+  <dgm:styleLbl name="solidFgAcc1">
+    <dgm:scene3d>
+      <a:camera prst="orthographicFront"/>
+      <a:lightRig rig="threePt" dir="t"/>
+    </dgm:scene3d>
+    <dgm:sp3d/>
+    <dgm:txPr/>
+    <dgm:style>
+      <a:lnRef idx="2">
+        <a:scrgbClr r="0" g="0" b="0"/>
+      </a:lnRef>
+      <a:fillRef idx="1">
+        <a:scrgbClr r="0" g="0" b="0"/>
+      </a:fillRef>
+      <a:effectRef idx="0">
+        <a:scrgbClr r="0" g="0" b="0"/>
+      </a:effectRef>
+      <a:fontRef idx="minor"/>
+    </dgm:style>
+  </dgm:styleLbl>
+  <dgm:styleLbl name="solidAlignAcc1">
+    <dgm:scene3d>
+      <a:camera prst="orthographicFront"/>
+      <a:lightRig rig="threePt" dir="t"/>
+    </dgm:scene3d>
+    <dgm:sp3d/>
+    <dgm:txPr/>
+    <dgm:style>
+      <a:lnRef idx="2">
+        <a:scrgbClr r="0" g="0" b="0"/>
+      </a:lnRef>
+      <a:fillRef idx="1">
+        <a:scrgbClr r="0" g="0" b="0"/>
+      </a:fillRef>
+      <a:effectRef idx="0">
+        <a:scrgbClr r="0" g="0" b="0"/>
+      </a:effectRef>
+      <a:fontRef idx="minor"/>
+    </dgm:style>
+  </dgm:styleLbl>
+  <dgm:styleLbl name="solidBgAcc1">
+    <dgm:scene3d>
+      <a:camera prst="orthographicFront"/>
+      <a:lightRig rig="threePt" dir="t"/>
+    </dgm:scene3d>
+    <dgm:sp3d/>
+    <dgm:txPr/>
+    <dgm:style>
+      <a:lnRef idx="2">
+        <a:scrgbClr r="0" g="0" b="0"/>
+      </a:lnRef>
+      <a:fillRef idx="1">
+        <a:scrgbClr r="0" g="0" b="0"/>
+      </a:fillRef>
+      <a:effectRef idx="0">
+        <a:scrgbClr r="0" g="0" b="0"/>
+      </a:effectRef>
+      <a:fontRef idx="minor"/>
+    </dgm:style>
+  </dgm:styleLbl>
+  <dgm:styleLbl name="fgAccFollowNode1">
+    <dgm:scene3d>
+      <a:camera prst="orthographicFront"/>
+      <a:lightRig rig="threePt" dir="t"/>
+    </dgm:scene3d>
+    <dgm:sp3d/>
+    <dgm:txPr/>
+    <dgm:style>
+      <a:lnRef idx="2">
+        <a:scrgbClr r="0" g="0" b="0"/>
+      </a:lnRef>
+      <a:fillRef idx="1">
+        <a:scrgbClr r="0" g="0" b="0"/>
+      </a:fillRef>
+      <a:effectRef idx="0">
+        <a:scrgbClr r="0" g="0" b="0"/>
+      </a:effectRef>
+      <a:fontRef idx="minor"/>
+    </dgm:style>
+  </dgm:styleLbl>
+  <dgm:styleLbl name="alignAccFollowNode1">
+    <dgm:scene3d>
+      <a:camera prst="orthographicFront"/>
+      <a:lightRig rig="threePt" dir="t"/>
+    </dgm:scene3d>
+    <dgm:sp3d/>
+    <dgm:txPr/>
+    <dgm:style>
+      <a:lnRef idx="2">
+        <a:scrgbClr r="0" g="0" b="0"/>
+      </a:lnRef>
+      <a:fillRef idx="1">
+        <a:scrgbClr r="0" g="0" b="0"/>
+      </a:fillRef>
+      <a:effectRef idx="0">
+        <a:scrgbClr r="0" g="0" b="0"/>
+      </a:effectRef>
+      <a:fontRef idx="minor"/>
+    </dgm:style>
+  </dgm:styleLbl>
+  <dgm:styleLbl name="bgAccFollowNode1">
+    <dgm:scene3d>
+      <a:camera prst="orthographicFront"/>
+      <a:lightRig rig="threePt" dir="t"/>
+    </dgm:scene3d>
+    <dgm:sp3d/>
+    <dgm:txPr/>
+    <dgm:style>
+      <a:lnRef idx="2">
+        <a:scrgbClr r="0" g="0" b="0"/>
+      </a:lnRef>
+      <a:fillRef idx="1">
+        <a:scrgbClr r="0" g="0" b="0"/>
+      </a:fillRef>
+      <a:effectRef idx="0">
+        <a:scrgbClr r="0" g="0" b="0"/>
+      </a:effectRef>
+      <a:fontRef idx="minor"/>
+    </dgm:style>
+  </dgm:styleLbl>
+  <dgm:styleLbl name="fgAcc0">
+    <dgm:scene3d>
+      <a:camera prst="orthographicFront"/>
+      <a:lightRig rig="threePt" dir="t"/>
+    </dgm:scene3d>
+    <dgm:sp3d/>
+    <dgm:txPr/>
+    <dgm:style>
+      <a:lnRef idx="2">
+        <a:scrgbClr r="0" g="0" b="0"/>
+      </a:lnRef>
+      <a:fillRef idx="1">
+        <a:scrgbClr r="0" g="0" b="0"/>
+      </a:fillRef>
+      <a:effectRef idx="0">
+        <a:scrgbClr r="0" g="0" b="0"/>
+      </a:effectRef>
+      <a:fontRef idx="minor"/>
+    </dgm:style>
+  </dgm:styleLbl>
+  <dgm:styleLbl name="fgAcc2">
+    <dgm:scene3d>
+      <a:camera prst="orthographicFront"/>
+      <a:lightRig rig="threePt" dir="t"/>
+    </dgm:scene3d>
+    <dgm:sp3d/>
+    <dgm:txPr/>
+    <dgm:style>
+      <a:lnRef idx="2">
+        <a:scrgbClr r="0" g="0" b="0"/>
+      </a:lnRef>
+      <a:fillRef idx="1">
+        <a:scrgbClr r="0" g="0" b="0"/>
+      </a:fillRef>
+      <a:effectRef idx="0">
+        <a:scrgbClr r="0" g="0" b="0"/>
+      </a:effectRef>
+      <a:fontRef idx="minor"/>
+    </dgm:style>
+  </dgm:styleLbl>
+  <dgm:styleLbl name="fgAcc3">
+    <dgm:scene3d>
+      <a:camera prst="orthographicFront"/>
+      <a:lightRig rig="threePt" dir="t"/>
+    </dgm:scene3d>
+    <dgm:sp3d/>
+    <dgm:txPr/>
+    <dgm:style>
+      <a:lnRef idx="2">
+        <a:scrgbClr r="0" g="0" b="0"/>
+      </a:lnRef>
+      <a:fillRef idx="1">
+        <a:scrgbClr r="0" g="0" b="0"/>
+      </a:fillRef>
+      <a:effectRef idx="0">
+        <a:scrgbClr r="0" g="0" b="0"/>
+      </a:effectRef>
+      <a:fontRef idx="minor"/>
+    </dgm:style>
+  </dgm:styleLbl>
+  <dgm:styleLbl name="fgAcc4">
+    <dgm:scene3d>
+      <a:camera prst="orthographicFront"/>
+      <a:lightRig rig="threePt" dir="t"/>
+    </dgm:scene3d>
+    <dgm:sp3d/>
+    <dgm:txPr/>
+    <dgm:style>
+      <a:lnRef idx="2">
+        <a:scrgbClr r="0" g="0" b="0"/>
+      </a:lnRef>
+      <a:fillRef idx="1">
+        <a:scrgbClr r="0" g="0" b="0"/>
+      </a:fillRef>
+      <a:effectRef idx="0">
+        <a:scrgbClr r="0" g="0" b="0"/>
+      </a:effectRef>
+      <a:fontRef idx="minor"/>
+    </dgm:style>
+  </dgm:styleLbl>
+  <dgm:styleLbl name="bgShp">
+    <dgm:scene3d>
+      <a:camera prst="orthographicFront"/>
+      <a:lightRig rig="threePt" dir="t"/>
+    </dgm:scene3d>
+    <dgm:sp3d/>
+    <dgm:txPr/>
+    <dgm:style>
+      <a:lnRef idx="0">
+        <a:scrgbClr r="0" g="0" b="0"/>
+      </a:lnRef>
+      <a:fillRef idx="1">
+        <a:scrgbClr r="0" g="0" b="0"/>
+      </a:fillRef>
+      <a:effectRef idx="0">
+        <a:scrgbClr r="0" g="0" b="0"/>
+      </a:effectRef>
+      <a:fontRef idx="minor"/>
+    </dgm:style>
+  </dgm:styleLbl>
+  <dgm:styleLbl name="dkBgShp">
+    <dgm:scene3d>
+      <a:camera prst="orthographicFront"/>
+      <a:lightRig rig="threePt" dir="t"/>
+    </dgm:scene3d>
+    <dgm:sp3d/>
+    <dgm:txPr/>
+    <dgm:style>
+      <a:lnRef idx="0">
+        <a:scrgbClr r="0" g="0" b="0"/>
+      </a:lnRef>
+      <a:fillRef idx="1">
+        <a:scrgbClr r="0" g="0" b="0"/>
+      </a:fillRef>
+      <a:effectRef idx="0">
+        <a:scrgbClr r="0" g="0" b="0"/>
+      </a:effectRef>
+      <a:fontRef idx="minor"/>
+    </dgm:style>
+  </dgm:styleLbl>
+  <dgm:styleLbl name="trBgShp">
+    <dgm:scene3d>
+      <a:camera prst="orthographicFront"/>
+      <a:lightRig rig="threePt" dir="t"/>
+    </dgm:scene3d>
+    <dgm:sp3d/>
+    <dgm:txPr/>
+    <dgm:style>
+      <a:lnRef idx="0">
+        <a:scrgbClr r="0" g="0" b="0"/>
+      </a:lnRef>
+      <a:fillRef idx="1">
+        <a:scrgbClr r="0" g="0" b="0"/>
+      </a:fillRef>
+      <a:effectRef idx="0">
+        <a:scrgbClr r="0" g="0" b="0"/>
+      </a:effectRef>
+      <a:fontRef idx="minor"/>
+    </dgm:style>
+  </dgm:styleLbl>
+  <dgm:styleLbl name="fgShp">
+    <dgm:scene3d>
+      <a:camera prst="orthographicFront"/>
+      <a:lightRig rig="threePt" dir="t"/>
+    </dgm:scene3d>
+    <dgm:sp3d/>
+    <dgm:txPr/>
+    <dgm:style>
+      <a:lnRef idx="2">
+        <a:scrgbClr r="0" g="0" b="0"/>
+      </a:lnRef>
+      <a:fillRef idx="1">
+        <a:scrgbClr r="0" g="0" b="0"/>
+      </a:fillRef>
+      <a:effectRef idx="0">
+        <a:scrgbClr r="0" g="0" b="0"/>
+      </a:effectRef>
+      <a:fontRef idx="minor"/>
+    </dgm:style>
+  </dgm:styleLbl>
+  <dgm:styleLbl name="revTx">
+    <dgm:scene3d>
+      <a:camera prst="orthographicFront"/>
+      <a:lightRig rig="threePt" dir="t"/>
+    </dgm:scene3d>
+    <dgm:sp3d/>
+    <dgm:txPr/>
+    <dgm:style>
+      <a:lnRef idx="0">
+        <a:scrgbClr r="0" g="0" b="0"/>
+      </a:lnRef>
+      <a:fillRef idx="0">
+        <a:scrgbClr r="0" g="0" b="0"/>
+      </a:fillRef>
+      <a:effectRef idx="0">
+        <a:scrgbClr r="0" g="0" b="0"/>
+      </a:effectRef>
+      <a:fontRef idx="minor"/>
+    </dgm:style>
+  </dgm:styleLbl>
+</dgm:styleDef>
 </file>
 
 <file path=ppt/notesMasters/notesMaster1.xml><?xml version="1.0" encoding="utf-8"?>
@@ -206,7 +2826,7 @@
           <a:p>
             <a:fld id="{2ABC0799-7251-C044-9682-4B0D99C9A35B}" type="datetimeFigureOut">
               <a:rPr lang="tr-TR" smtClean="0"/>
-              <a:t>5.11.2019</a:t>
+              <a:t>23.11.2019</a:t>
             </a:fld>
             <a:endParaRPr lang="tr-TR"/>
           </a:p>
@@ -3974,7 +6594,7 @@
           <p:cNvPr id="2" name="Title 1">
             <a:extLst>
               <a:ext uri="{FF2B5EF4-FFF2-40B4-BE49-F238E27FC236}">
-                <a16:creationId xmlns:a16="http://schemas.microsoft.com/office/drawing/2014/main" id="{D57B2DFC-522F-0642-9E9C-9B4DD63DD34D}"/>
+                <a16:creationId xmlns:a16="http://schemas.microsoft.com/office/drawing/2014/main" id="{C52F0A68-EB96-2643-B919-4635444A5CF3}"/>
               </a:ext>
             </a:extLst>
           </p:cNvPr>
@@ -3990,11 +6610,11 @@
           <a:bodyPr/>
           <a:lstStyle/>
           <a:p>
-            <a:pPr algn="ctr"/>
             <a:r>
               <a:rPr lang="tr-TR" dirty="0"/>
-              <a:t>Python</a:t>
-            </a:r>
+              <a:t>Emirsel Bilgi</a:t>
+            </a:r>
+            <a:endParaRPr dirty="0"/>
           </a:p>
         </p:txBody>
       </p:sp>
@@ -4003,7 +6623,7 @@
           <p:cNvPr id="3" name="Content Placeholder 2">
             <a:extLst>
               <a:ext uri="{FF2B5EF4-FFF2-40B4-BE49-F238E27FC236}">
-                <a16:creationId xmlns:a16="http://schemas.microsoft.com/office/drawing/2014/main" id="{5680630C-BCFD-2141-A0DC-68104FAFD453}"/>
+                <a16:creationId xmlns:a16="http://schemas.microsoft.com/office/drawing/2014/main" id="{76210A91-6633-354D-AAF2-65546ED1E37E}"/>
               </a:ext>
             </a:extLst>
           </p:cNvPr>
@@ -4016,70 +6636,24 @@
         </p:nvSpPr>
         <p:spPr/>
         <p:txBody>
-          <a:bodyPr>
-            <a:normAutofit/>
-          </a:bodyPr>
+          <a:bodyPr/>
           <a:lstStyle/>
           <a:p>
             <a:r>
               <a:rPr lang="tr-TR" dirty="0"/>
-              <a:t>Python, yorumlanmış, nesne yönelimli, üst düzey bir programlama dilidir.</a:t>
-            </a:r>
-          </a:p>
-          <a:p>
-            <a:pPr marL="0" indent="0">
-              <a:buNone/>
-            </a:pPr>
-            <a:endParaRPr lang="tr-TR" dirty="0"/>
+              <a:t>Basit adımların sıralı bir şekilde verilmesi.</a:t>
+            </a:r>
           </a:p>
           <a:p>
             <a:r>
               <a:rPr lang="tr-TR" dirty="0"/>
-              <a:t>1990'ların başında, </a:t>
-            </a:r>
-            <a:r>
-              <a:rPr lang="tr-TR" dirty="0" err="1"/>
-              <a:t>Guido</a:t>
-            </a:r>
+              <a:t>Kontrol akışı, gerçekleştirilen adımların sırasının belirtilmesi</a:t>
+            </a:r>
+          </a:p>
+          <a:p>
             <a:r>
               <a:rPr lang="tr-TR" dirty="0"/>
-              <a:t> </a:t>
-            </a:r>
-            <a:r>
-              <a:rPr lang="tr-TR" dirty="0" err="1"/>
-              <a:t>van</a:t>
-            </a:r>
-            <a:r>
-              <a:rPr lang="tr-TR" dirty="0"/>
-              <a:t> </a:t>
-            </a:r>
-            <a:r>
-              <a:rPr lang="tr-TR" dirty="0" err="1"/>
-              <a:t>Rossum</a:t>
-            </a:r>
-            <a:r>
-              <a:rPr lang="tr-TR" dirty="0"/>
-              <a:t>, programlama dili olacak </a:t>
-            </a:r>
-            <a:r>
-              <a:rPr lang="tr-TR" dirty="0" err="1"/>
-              <a:t>Python’ı</a:t>
-            </a:r>
-            <a:r>
-              <a:rPr lang="tr-TR" dirty="0"/>
-              <a:t> tasarladı.</a:t>
-            </a:r>
-          </a:p>
-          <a:p>
-            <a:pPr marL="0" indent="0">
-              <a:buNone/>
-            </a:pPr>
-            <a:endParaRPr lang="tr-TR" dirty="0"/>
-          </a:p>
-          <a:p>
-            <a:r>
-              <a:rPr lang="tr-TR" dirty="0"/>
-              <a:t>Python programları Python yorumlayıcısı tarafından yürütülür. </a:t>
+              <a:t>Programın duracağı zamanı belirlemek</a:t>
             </a:r>
           </a:p>
         </p:txBody>
@@ -4089,7 +6663,7 @@
           <p:cNvPr id="4" name="Date Placeholder 3">
             <a:extLst>
               <a:ext uri="{FF2B5EF4-FFF2-40B4-BE49-F238E27FC236}">
-                <a16:creationId xmlns:a16="http://schemas.microsoft.com/office/drawing/2014/main" id="{3E6C67C0-CD10-674E-9C82-B15FFA0F5E3D}"/>
+                <a16:creationId xmlns:a16="http://schemas.microsoft.com/office/drawing/2014/main" id="{3A25CC33-837A-5444-B191-A6DAD8374EC0}"/>
               </a:ext>
             </a:extLst>
           </p:cNvPr>
@@ -4118,7 +6692,7 @@
           <p:cNvPr id="5" name="Slide Number Placeholder 4">
             <a:extLst>
               <a:ext uri="{FF2B5EF4-FFF2-40B4-BE49-F238E27FC236}">
-                <a16:creationId xmlns:a16="http://schemas.microsoft.com/office/drawing/2014/main" id="{842DCBCE-FA5D-5140-95EB-802E7D5E8A8B}"/>
+                <a16:creationId xmlns:a16="http://schemas.microsoft.com/office/drawing/2014/main" id="{A14D77BC-1C9D-A54B-91A3-FB6967302CAD}"/>
               </a:ext>
             </a:extLst>
           </p:cNvPr>
@@ -4145,7 +6719,7 @@
     </p:spTree>
     <p:extLst>
       <p:ext uri="{BB962C8B-B14F-4D97-AF65-F5344CB8AC3E}">
-        <p14:creationId xmlns:p14="http://schemas.microsoft.com/office/powerpoint/2010/main" val="1446934019"/>
+        <p14:creationId xmlns:p14="http://schemas.microsoft.com/office/powerpoint/2010/main" val="848420845"/>
       </p:ext>
     </p:extLst>
   </p:cSld>
@@ -4177,7 +6751,7 @@
           <p:cNvPr id="2" name="Title 1">
             <a:extLst>
               <a:ext uri="{FF2B5EF4-FFF2-40B4-BE49-F238E27FC236}">
-                <a16:creationId xmlns:a16="http://schemas.microsoft.com/office/drawing/2014/main" id="{A8BBD9F0-0A77-2745-A4A0-B263D431E153}"/>
+                <a16:creationId xmlns:a16="http://schemas.microsoft.com/office/drawing/2014/main" id="{6C1A919E-7C02-2F40-82B5-77D423356187}"/>
               </a:ext>
             </a:extLst>
           </p:cNvPr>
@@ -4195,7 +6769,7 @@
           <a:p>
             <a:r>
               <a:rPr lang="tr-TR" dirty="0"/>
-              <a:t>Python</a:t>
+              <a:t>Kontrol Akışı</a:t>
             </a:r>
           </a:p>
         </p:txBody>
@@ -4205,7 +6779,7 @@
           <p:cNvPr id="3" name="Content Placeholder 2">
             <a:extLst>
               <a:ext uri="{FF2B5EF4-FFF2-40B4-BE49-F238E27FC236}">
-                <a16:creationId xmlns:a16="http://schemas.microsoft.com/office/drawing/2014/main" id="{D1057DE3-B500-9649-9A7D-287FBB306577}"/>
+                <a16:creationId xmlns:a16="http://schemas.microsoft.com/office/drawing/2014/main" id="{24DB90ED-8A9B-AC48-B418-9CEF7E64C3DA}"/>
               </a:ext>
             </a:extLst>
           </p:cNvPr>
@@ -4223,81 +6797,7 @@
           <a:p>
             <a:r>
               <a:rPr lang="tr-TR" dirty="0"/>
-              <a:t>İki </a:t>
-            </a:r>
-            <a:r>
-              <a:rPr lang="tr-TR" dirty="0" err="1"/>
-              <a:t>modu</a:t>
-            </a:r>
-            <a:r>
-              <a:rPr lang="tr-TR" dirty="0"/>
-              <a:t> var: </a:t>
-            </a:r>
-            <a:r>
-              <a:rPr lang="tr-TR" dirty="0" err="1"/>
-              <a:t>interactive</a:t>
-            </a:r>
-            <a:r>
-              <a:rPr lang="tr-TR" dirty="0"/>
-              <a:t> (etkileşim) </a:t>
-            </a:r>
-            <a:r>
-              <a:rPr lang="tr-TR" dirty="0" err="1"/>
-              <a:t>mod</a:t>
-            </a:r>
-            <a:r>
-              <a:rPr lang="tr-TR" dirty="0"/>
-              <a:t> ve </a:t>
-            </a:r>
-            <a:r>
-              <a:rPr lang="tr-TR" dirty="0" err="1"/>
-              <a:t>script</a:t>
-            </a:r>
-            <a:r>
-              <a:rPr lang="tr-TR" dirty="0"/>
-              <a:t> (komut dosyası) </a:t>
-            </a:r>
-            <a:r>
-              <a:rPr lang="tr-TR" dirty="0" err="1"/>
-              <a:t>modu</a:t>
-            </a:r>
-            <a:r>
-              <a:rPr lang="tr-TR" dirty="0"/>
-              <a:t>.</a:t>
-            </a:r>
-          </a:p>
-          <a:p>
-            <a:r>
-              <a:rPr lang="tr-TR" dirty="0"/>
-              <a:t>Etkileşimli </a:t>
-            </a:r>
-            <a:r>
-              <a:rPr lang="tr-TR" dirty="0" err="1"/>
-              <a:t>modda</a:t>
-            </a:r>
-            <a:r>
-              <a:rPr lang="tr-TR" dirty="0"/>
-              <a:t> Python programlarını yazdığınızda yorumlayıcı sonucu yazdırır. </a:t>
-            </a:r>
-          </a:p>
-          <a:p>
-            <a:r>
-              <a:rPr lang="tr-TR" dirty="0"/>
-              <a:t>Alternatif olarak, bir dosyada kod saklayabilir ve komut dosyası olarak adlandırılan dosyanın içeriğini yürütmek için yorumlayıcıyı kullanabilirsiniz.</a:t>
-            </a:r>
-          </a:p>
-          <a:p>
-            <a:r>
-              <a:rPr lang="tr-TR" dirty="0"/>
-              <a:t>Kurallara göre, Python komut dosyaları “.</a:t>
-            </a:r>
-            <a:r>
-              <a:rPr lang="tr-TR" dirty="0" err="1"/>
-              <a:t>py</a:t>
-            </a:r>
-            <a:r>
-              <a:rPr lang="tr-TR" dirty="0"/>
-              <a:t>” ile biterler.</a:t>
+              <a:t>Programlamada, kontrol akışı fonksiyon çağrılarını, talimatları ve ifadelerin gerçekleşme sırasını kontrol eder.</a:t>
             </a:r>
           </a:p>
         </p:txBody>
@@ -4307,7 +6807,7 @@
           <p:cNvPr id="4" name="Date Placeholder 3">
             <a:extLst>
               <a:ext uri="{FF2B5EF4-FFF2-40B4-BE49-F238E27FC236}">
-                <a16:creationId xmlns:a16="http://schemas.microsoft.com/office/drawing/2014/main" id="{5E32E187-5299-CF4F-8FB4-F056CD928B60}"/>
+                <a16:creationId xmlns:a16="http://schemas.microsoft.com/office/drawing/2014/main" id="{7E0A08CF-C071-8048-AD7E-2AED6B9F1063}"/>
               </a:ext>
             </a:extLst>
           </p:cNvPr>
@@ -4336,7 +6836,7 @@
           <p:cNvPr id="5" name="Slide Number Placeholder 4">
             <a:extLst>
               <a:ext uri="{FF2B5EF4-FFF2-40B4-BE49-F238E27FC236}">
-                <a16:creationId xmlns:a16="http://schemas.microsoft.com/office/drawing/2014/main" id="{E3789D76-D8A4-8743-8CB9-4BC17D0BF6FE}"/>
+                <a16:creationId xmlns:a16="http://schemas.microsoft.com/office/drawing/2014/main" id="{9A18630F-2BBF-6F43-B2E4-8C4A3CFA8687}"/>
               </a:ext>
             </a:extLst>
           </p:cNvPr>
@@ -4363,7 +6863,7 @@
     </p:spTree>
     <p:extLst>
       <p:ext uri="{BB962C8B-B14F-4D97-AF65-F5344CB8AC3E}">
-        <p14:creationId xmlns:p14="http://schemas.microsoft.com/office/powerpoint/2010/main" val="4175489785"/>
+        <p14:creationId xmlns:p14="http://schemas.microsoft.com/office/powerpoint/2010/main" val="3517415651"/>
       </p:ext>
     </p:extLst>
   </p:cSld>
@@ -4392,47 +6892,85 @@
       </p:grpSpPr>
       <p:sp>
         <p:nvSpPr>
-          <p:cNvPr id="2" name="Title 1">
-            <a:extLst>
-              <a:ext uri="{FF2B5EF4-FFF2-40B4-BE49-F238E27FC236}">
-                <a16:creationId xmlns:a16="http://schemas.microsoft.com/office/drawing/2014/main" id="{B2FC8C66-3936-6948-A680-63E5F26E1158}"/>
-              </a:ext>
-            </a:extLst>
-          </p:cNvPr>
-          <p:cNvSpPr>
-            <a:spLocks noGrp="1"/>
-          </p:cNvSpPr>
-          <p:nvPr>
-            <p:ph type="title"/>
-          </p:nvPr>
-        </p:nvSpPr>
-        <p:spPr/>
-        <p:txBody>
-          <a:bodyPr/>
-          <a:lstStyle/>
-          <a:p>
-            <a:r>
-              <a:rPr lang="tr-TR" dirty="0"/>
-              <a:t>Neden Python?</a:t>
-            </a:r>
+          <p:cNvPr id="4" name="Date Placeholder 3">
+            <a:extLst>
+              <a:ext uri="{FF2B5EF4-FFF2-40B4-BE49-F238E27FC236}">
+                <a16:creationId xmlns:a16="http://schemas.microsoft.com/office/drawing/2014/main" id="{6EBE20B1-ACE9-F94A-AA7C-5C092F086557}"/>
+              </a:ext>
+            </a:extLst>
+          </p:cNvPr>
+          <p:cNvSpPr>
+            <a:spLocks noGrp="1"/>
+          </p:cNvSpPr>
+          <p:nvPr>
+            <p:ph type="dt" sz="half" idx="10"/>
+          </p:nvPr>
+        </p:nvSpPr>
+        <p:spPr>
+          <a:xfrm>
+            <a:off x="838200" y="6356350"/>
+            <a:ext cx="2743200" cy="365125"/>
+          </a:xfrm>
+        </p:spPr>
+        <p:txBody>
+          <a:bodyPr/>
+          <a:lstStyle/>
+          <a:p>
+            <a:r>
+              <a:rPr lang="tr-TR"/>
+              <a:t>Medical Artificial Intelligence</a:t>
+            </a:r>
+            <a:endParaRPr lang="tr-TR" dirty="0"/>
+          </a:p>
+        </p:txBody>
+      </p:sp>
+      <p:sp>
+        <p:nvSpPr>
+          <p:cNvPr id="5" name="Slide Number Placeholder 4">
+            <a:extLst>
+              <a:ext uri="{FF2B5EF4-FFF2-40B4-BE49-F238E27FC236}">
+                <a16:creationId xmlns:a16="http://schemas.microsoft.com/office/drawing/2014/main" id="{54E76CB6-5C70-1C4F-9F7B-2A8086F36C95}"/>
+              </a:ext>
+            </a:extLst>
+          </p:cNvPr>
+          <p:cNvSpPr>
+            <a:spLocks noGrp="1"/>
+          </p:cNvSpPr>
+          <p:nvPr>
+            <p:ph type="sldNum" sz="quarter" idx="12"/>
+          </p:nvPr>
+        </p:nvSpPr>
+        <p:spPr>
+          <a:xfrm>
+            <a:off x="8610600" y="6356350"/>
+            <a:ext cx="2743200" cy="365125"/>
+          </a:xfrm>
+        </p:spPr>
+        <p:txBody>
+          <a:bodyPr/>
+          <a:lstStyle/>
+          <a:p>
+            <a:fld id="{4119457A-5965-C148-8898-E00E7A560E34}" type="slidenum">
+              <a:rPr lang="tr-TR" smtClean="0"/>
+              <a:t>12</a:t>
+            </a:fld>
+            <a:endParaRPr lang="tr-TR" dirty="0"/>
           </a:p>
         </p:txBody>
       </p:sp>
       <p:pic>
         <p:nvPicPr>
-          <p:cNvPr id="7" name="Content Placeholder 6">
-            <a:extLst>
-              <a:ext uri="{FF2B5EF4-FFF2-40B4-BE49-F238E27FC236}">
-                <a16:creationId xmlns:a16="http://schemas.microsoft.com/office/drawing/2014/main" id="{D16FFCD8-DBEF-3A4C-A0C8-3FC1F7ECC60C}"/>
+          <p:cNvPr id="16" name="Picture 15" descr="A close up of a screen&#10;&#10;Description automatically generated">
+            <a:extLst>
+              <a:ext uri="{FF2B5EF4-FFF2-40B4-BE49-F238E27FC236}">
+                <a16:creationId xmlns:a16="http://schemas.microsoft.com/office/drawing/2014/main" id="{38D1C787-F52E-FB40-AE93-8082F9206654}"/>
               </a:ext>
             </a:extLst>
           </p:cNvPr>
           <p:cNvPicPr>
-            <a:picLocks noGrp="1" noChangeAspect="1"/>
+            <a:picLocks noChangeAspect="1"/>
           </p:cNvPicPr>
-          <p:nvPr>
-            <p:ph idx="1"/>
-          </p:nvPr>
+          <p:nvPr/>
         </p:nvPicPr>
         <p:blipFill>
           <a:blip r:embed="rId2"/>
@@ -4442,73 +6980,18 @@
         </p:blipFill>
         <p:spPr>
           <a:xfrm>
-            <a:off x="838200" y="1425575"/>
-            <a:ext cx="9468681" cy="4351338"/>
+            <a:off x="2111597" y="136525"/>
+            <a:ext cx="7968805" cy="6032938"/>
           </a:xfrm>
+          <a:prstGeom prst="rect">
+            <a:avLst/>
+          </a:prstGeom>
         </p:spPr>
       </p:pic>
-      <p:sp>
-        <p:nvSpPr>
-          <p:cNvPr id="4" name="Date Placeholder 3">
-            <a:extLst>
-              <a:ext uri="{FF2B5EF4-FFF2-40B4-BE49-F238E27FC236}">
-                <a16:creationId xmlns:a16="http://schemas.microsoft.com/office/drawing/2014/main" id="{83CAE64F-D7FA-4848-B0D3-0DAE44C28DC1}"/>
-              </a:ext>
-            </a:extLst>
-          </p:cNvPr>
-          <p:cNvSpPr>
-            <a:spLocks noGrp="1"/>
-          </p:cNvSpPr>
-          <p:nvPr>
-            <p:ph type="dt" sz="half" idx="10"/>
-          </p:nvPr>
-        </p:nvSpPr>
-        <p:spPr/>
-        <p:txBody>
-          <a:bodyPr/>
-          <a:lstStyle/>
-          <a:p>
-            <a:r>
-              <a:rPr lang="tr-TR"/>
-              <a:t>Medical Artificial Intelligence</a:t>
-            </a:r>
-            <a:endParaRPr lang="tr-TR" dirty="0"/>
-          </a:p>
-        </p:txBody>
-      </p:sp>
-      <p:sp>
-        <p:nvSpPr>
-          <p:cNvPr id="5" name="Slide Number Placeholder 4">
-            <a:extLst>
-              <a:ext uri="{FF2B5EF4-FFF2-40B4-BE49-F238E27FC236}">
-                <a16:creationId xmlns:a16="http://schemas.microsoft.com/office/drawing/2014/main" id="{E2503306-CC18-1C46-A5EA-B0D964CB391C}"/>
-              </a:ext>
-            </a:extLst>
-          </p:cNvPr>
-          <p:cNvSpPr>
-            <a:spLocks noGrp="1"/>
-          </p:cNvSpPr>
-          <p:nvPr>
-            <p:ph type="sldNum" sz="quarter" idx="12"/>
-          </p:nvPr>
-        </p:nvSpPr>
-        <p:spPr/>
-        <p:txBody>
-          <a:bodyPr/>
-          <a:lstStyle/>
-          <a:p>
-            <a:fld id="{4119457A-5965-C148-8898-E00E7A560E34}" type="slidenum">
-              <a:rPr lang="tr-TR" smtClean="0"/>
-              <a:t>12</a:t>
-            </a:fld>
-            <a:endParaRPr lang="tr-TR" dirty="0"/>
-          </a:p>
-        </p:txBody>
-      </p:sp>
     </p:spTree>
     <p:extLst>
       <p:ext uri="{BB962C8B-B14F-4D97-AF65-F5344CB8AC3E}">
-        <p14:creationId xmlns:p14="http://schemas.microsoft.com/office/powerpoint/2010/main" val="4052736121"/>
+        <p14:creationId xmlns:p14="http://schemas.microsoft.com/office/powerpoint/2010/main" val="4011332363"/>
       </p:ext>
     </p:extLst>
   </p:cSld>
@@ -4540,6 +7023,1451 @@
           <p:cNvPr id="2" name="Title 1">
             <a:extLst>
               <a:ext uri="{FF2B5EF4-FFF2-40B4-BE49-F238E27FC236}">
+                <a16:creationId xmlns:a16="http://schemas.microsoft.com/office/drawing/2014/main" id="{042929B4-0CFC-1146-8BBD-A9BE4EACE90D}"/>
+              </a:ext>
+            </a:extLst>
+          </p:cNvPr>
+          <p:cNvSpPr>
+            <a:spLocks noGrp="1"/>
+          </p:cNvSpPr>
+          <p:nvPr>
+            <p:ph type="title"/>
+          </p:nvPr>
+        </p:nvSpPr>
+        <p:spPr/>
+        <p:txBody>
+          <a:bodyPr/>
+          <a:lstStyle/>
+          <a:p>
+            <a:r>
+              <a:rPr lang="tr-TR" dirty="0"/>
+              <a:t>Makine Dili</a:t>
+            </a:r>
+          </a:p>
+        </p:txBody>
+      </p:sp>
+      <p:sp>
+        <p:nvSpPr>
+          <p:cNvPr id="3" name="Content Placeholder 2">
+            <a:extLst>
+              <a:ext uri="{FF2B5EF4-FFF2-40B4-BE49-F238E27FC236}">
+                <a16:creationId xmlns:a16="http://schemas.microsoft.com/office/drawing/2014/main" id="{1955A0C9-6458-414C-BFEE-7ED08A91BE35}"/>
+              </a:ext>
+            </a:extLst>
+          </p:cNvPr>
+          <p:cNvSpPr>
+            <a:spLocks noGrp="1"/>
+          </p:cNvSpPr>
+          <p:nvPr>
+            <p:ph idx="1"/>
+          </p:nvPr>
+        </p:nvSpPr>
+        <p:spPr/>
+        <p:txBody>
+          <a:bodyPr/>
+          <a:lstStyle/>
+          <a:p>
+            <a:r>
+              <a:rPr lang="tr-TR" dirty="0"/>
+              <a:t>Makine dili mikroişlemci ya da mikro denetleyici gibi komut işleme yeteneğine sahip entegrelerin işleyebilecekleri, yapısına göre değişebilen ama genellikle her biri 8 adet 0-1'den (bit) ibaret komutlardan oluşan dile verilen addır.</a:t>
+            </a:r>
+          </a:p>
+          <a:p>
+            <a:r>
+              <a:rPr lang="tr-TR" dirty="0"/>
+              <a:t>Her bir komutun </a:t>
+            </a:r>
+            <a:r>
+              <a:rPr lang="tr-TR" i="1" dirty="0"/>
+              <a:t>mnemonic</a:t>
+            </a:r>
+            <a:r>
+              <a:rPr lang="tr-TR" dirty="0"/>
+              <a:t> olarak adlandırılan bir tanımı ve </a:t>
+            </a:r>
+            <a:r>
+              <a:rPr lang="tr-TR" i="1" dirty="0"/>
+              <a:t>op code</a:t>
+            </a:r>
+            <a:r>
+              <a:rPr lang="tr-TR" dirty="0"/>
+              <a:t> olarak adlandırılan bir sayı karşılığı vardır. Mnemonic'ler, o op kodun ne işe yaradığını hatırda tutmaya yarar.</a:t>
+            </a:r>
+          </a:p>
+          <a:p>
+            <a:r>
+              <a:rPr lang="tr-TR" dirty="0"/>
+              <a:t>Örneğin Z-80 mikroişlemcisinde bulunan bir komutun mnemonic’i  </a:t>
+            </a:r>
+            <a:r>
+              <a:rPr lang="tr-TR" i="1" dirty="0"/>
+              <a:t>Call NN’</a:t>
+            </a:r>
+            <a:r>
+              <a:rPr lang="tr-TR" dirty="0"/>
+              <a:t>dir ve program yazarken </a:t>
+            </a:r>
+            <a:r>
+              <a:rPr lang="tr-TR" i="1" dirty="0"/>
+              <a:t>Call NN</a:t>
+            </a:r>
+            <a:r>
+              <a:rPr lang="tr-TR" dirty="0"/>
+              <a:t> mnemonic'inin op code'u olan "205" sayısı programa konur.</a:t>
+            </a:r>
+          </a:p>
+        </p:txBody>
+      </p:sp>
+      <p:sp>
+        <p:nvSpPr>
+          <p:cNvPr id="4" name="Date Placeholder 3">
+            <a:extLst>
+              <a:ext uri="{FF2B5EF4-FFF2-40B4-BE49-F238E27FC236}">
+                <a16:creationId xmlns:a16="http://schemas.microsoft.com/office/drawing/2014/main" id="{E782A061-128A-364D-A2D8-8652B72BE6CC}"/>
+              </a:ext>
+            </a:extLst>
+          </p:cNvPr>
+          <p:cNvSpPr>
+            <a:spLocks noGrp="1"/>
+          </p:cNvSpPr>
+          <p:nvPr>
+            <p:ph type="dt" sz="half" idx="10"/>
+          </p:nvPr>
+        </p:nvSpPr>
+        <p:spPr/>
+        <p:txBody>
+          <a:bodyPr/>
+          <a:lstStyle/>
+          <a:p>
+            <a:r>
+              <a:rPr lang="tr-TR"/>
+              <a:t>Medical Artificial Intelligence</a:t>
+            </a:r>
+            <a:endParaRPr lang="tr-TR" dirty="0"/>
+          </a:p>
+        </p:txBody>
+      </p:sp>
+      <p:sp>
+        <p:nvSpPr>
+          <p:cNvPr id="5" name="Slide Number Placeholder 4">
+            <a:extLst>
+              <a:ext uri="{FF2B5EF4-FFF2-40B4-BE49-F238E27FC236}">
+                <a16:creationId xmlns:a16="http://schemas.microsoft.com/office/drawing/2014/main" id="{A2A4BECE-7106-BF48-B0FC-A72EF754BFD5}"/>
+              </a:ext>
+            </a:extLst>
+          </p:cNvPr>
+          <p:cNvSpPr>
+            <a:spLocks noGrp="1"/>
+          </p:cNvSpPr>
+          <p:nvPr>
+            <p:ph type="sldNum" sz="quarter" idx="12"/>
+          </p:nvPr>
+        </p:nvSpPr>
+        <p:spPr/>
+        <p:txBody>
+          <a:bodyPr/>
+          <a:lstStyle/>
+          <a:p>
+            <a:fld id="{4119457A-5965-C148-8898-E00E7A560E34}" type="slidenum">
+              <a:rPr lang="tr-TR" smtClean="0"/>
+              <a:t>13</a:t>
+            </a:fld>
+            <a:endParaRPr lang="tr-TR" dirty="0"/>
+          </a:p>
+        </p:txBody>
+      </p:sp>
+    </p:spTree>
+    <p:extLst>
+      <p:ext uri="{BB962C8B-B14F-4D97-AF65-F5344CB8AC3E}">
+        <p14:creationId xmlns:p14="http://schemas.microsoft.com/office/powerpoint/2010/main" val="194283634"/>
+      </p:ext>
+    </p:extLst>
+  </p:cSld>
+  <p:clrMapOvr>
+    <a:masterClrMapping/>
+  </p:clrMapOvr>
+</p:sld>
+</file>
+
+<file path=ppt/slides/slide14.xml><?xml version="1.0" encoding="utf-8"?>
+<p:sld xmlns:a="http://schemas.openxmlformats.org/drawingml/2006/main" xmlns:r="http://schemas.openxmlformats.org/officeDocument/2006/relationships" xmlns:p="http://schemas.openxmlformats.org/presentationml/2006/main">
+  <p:cSld>
+    <p:spTree>
+      <p:nvGrpSpPr>
+        <p:cNvPr id="1" name=""/>
+        <p:cNvGrpSpPr/>
+        <p:nvPr/>
+      </p:nvGrpSpPr>
+      <p:grpSpPr>
+        <a:xfrm>
+          <a:off x="0" y="0"/>
+          <a:ext cx="0" cy="0"/>
+          <a:chOff x="0" y="0"/>
+          <a:chExt cx="0" cy="0"/>
+        </a:xfrm>
+      </p:grpSpPr>
+      <p:sp>
+        <p:nvSpPr>
+          <p:cNvPr id="2" name="Title 1">
+            <a:extLst>
+              <a:ext uri="{FF2B5EF4-FFF2-40B4-BE49-F238E27FC236}">
+                <a16:creationId xmlns:a16="http://schemas.microsoft.com/office/drawing/2014/main" id="{48B88005-FFCC-0245-82DB-2D1A0A55AEC9}"/>
+              </a:ext>
+            </a:extLst>
+          </p:cNvPr>
+          <p:cNvSpPr>
+            <a:spLocks noGrp="1"/>
+          </p:cNvSpPr>
+          <p:nvPr>
+            <p:ph type="title"/>
+          </p:nvPr>
+        </p:nvSpPr>
+        <p:spPr/>
+        <p:txBody>
+          <a:bodyPr/>
+          <a:lstStyle/>
+          <a:p>
+            <a:r>
+              <a:rPr lang="tr-TR" dirty="0"/>
+              <a:t>Assembly </a:t>
+            </a:r>
+          </a:p>
+        </p:txBody>
+      </p:sp>
+      <p:sp>
+        <p:nvSpPr>
+          <p:cNvPr id="3" name="Content Placeholder 2">
+            <a:extLst>
+              <a:ext uri="{FF2B5EF4-FFF2-40B4-BE49-F238E27FC236}">
+                <a16:creationId xmlns:a16="http://schemas.microsoft.com/office/drawing/2014/main" id="{4373DC56-E18B-E94E-80AD-6F6310AEB2FB}"/>
+              </a:ext>
+            </a:extLst>
+          </p:cNvPr>
+          <p:cNvSpPr>
+            <a:spLocks noGrp="1"/>
+          </p:cNvSpPr>
+          <p:nvPr>
+            <p:ph idx="1"/>
+          </p:nvPr>
+        </p:nvSpPr>
+        <p:spPr/>
+        <p:txBody>
+          <a:bodyPr/>
+          <a:lstStyle/>
+          <a:p>
+            <a:r>
+              <a:rPr lang="tr-TR" dirty="0"/>
+              <a:t>Makine dilini öğrenmek ve kullanmak zordur. Bu nedenle insanların anlayabileceğimiz bir dilde konuşup ardından işlemcinin diline çeviren yazılımlar geliştirilmiştir. Bunlara </a:t>
+            </a:r>
+            <a:r>
+              <a:rPr lang="tr-TR" b="1" dirty="0"/>
+              <a:t>derleyici</a:t>
+            </a:r>
+            <a:r>
+              <a:rPr lang="tr-TR" dirty="0"/>
+              <a:t> denir. Derleyiciler de bir dile sahiptir fakat işlemcinin diline göre çok daha kolaydır. İşte bu derleyici dillerinden biri de </a:t>
+            </a:r>
+            <a:r>
+              <a:rPr lang="tr-TR" b="1" dirty="0"/>
+              <a:t>Assembly'</a:t>
+            </a:r>
+            <a:r>
+              <a:rPr lang="tr-TR" dirty="0"/>
+              <a:t>dir. Çevirici dil, bilgisayar programlarının yazılmasında kullanılan alt seviyeli bir dildir.</a:t>
+            </a:r>
+          </a:p>
+        </p:txBody>
+      </p:sp>
+      <p:sp>
+        <p:nvSpPr>
+          <p:cNvPr id="4" name="Date Placeholder 3">
+            <a:extLst>
+              <a:ext uri="{FF2B5EF4-FFF2-40B4-BE49-F238E27FC236}">
+                <a16:creationId xmlns:a16="http://schemas.microsoft.com/office/drawing/2014/main" id="{5A9AE38F-A9CC-6F4A-963E-D42F0294645F}"/>
+              </a:ext>
+            </a:extLst>
+          </p:cNvPr>
+          <p:cNvSpPr>
+            <a:spLocks noGrp="1"/>
+          </p:cNvSpPr>
+          <p:nvPr>
+            <p:ph type="dt" sz="half" idx="10"/>
+          </p:nvPr>
+        </p:nvSpPr>
+        <p:spPr/>
+        <p:txBody>
+          <a:bodyPr/>
+          <a:lstStyle/>
+          <a:p>
+            <a:r>
+              <a:rPr lang="tr-TR"/>
+              <a:t>Medical Artificial Intelligence</a:t>
+            </a:r>
+            <a:endParaRPr lang="tr-TR" dirty="0"/>
+          </a:p>
+        </p:txBody>
+      </p:sp>
+      <p:sp>
+        <p:nvSpPr>
+          <p:cNvPr id="5" name="Slide Number Placeholder 4">
+            <a:extLst>
+              <a:ext uri="{FF2B5EF4-FFF2-40B4-BE49-F238E27FC236}">
+                <a16:creationId xmlns:a16="http://schemas.microsoft.com/office/drawing/2014/main" id="{CCA0639A-2E7F-6242-88D2-CB250359F1A1}"/>
+              </a:ext>
+            </a:extLst>
+          </p:cNvPr>
+          <p:cNvSpPr>
+            <a:spLocks noGrp="1"/>
+          </p:cNvSpPr>
+          <p:nvPr>
+            <p:ph type="sldNum" sz="quarter" idx="12"/>
+          </p:nvPr>
+        </p:nvSpPr>
+        <p:spPr/>
+        <p:txBody>
+          <a:bodyPr/>
+          <a:lstStyle/>
+          <a:p>
+            <a:fld id="{4119457A-5965-C148-8898-E00E7A560E34}" type="slidenum">
+              <a:rPr lang="tr-TR" smtClean="0"/>
+              <a:t>14</a:t>
+            </a:fld>
+            <a:endParaRPr lang="tr-TR" dirty="0"/>
+          </a:p>
+        </p:txBody>
+      </p:sp>
+    </p:spTree>
+    <p:extLst>
+      <p:ext uri="{BB962C8B-B14F-4D97-AF65-F5344CB8AC3E}">
+        <p14:creationId xmlns:p14="http://schemas.microsoft.com/office/powerpoint/2010/main" val="1024684645"/>
+      </p:ext>
+    </p:extLst>
+  </p:cSld>
+  <p:clrMapOvr>
+    <a:masterClrMapping/>
+  </p:clrMapOvr>
+</p:sld>
+</file>
+
+<file path=ppt/slides/slide15.xml><?xml version="1.0" encoding="utf-8"?>
+<p:sld xmlns:a="http://schemas.openxmlformats.org/drawingml/2006/main" xmlns:r="http://schemas.openxmlformats.org/officeDocument/2006/relationships" xmlns:p="http://schemas.openxmlformats.org/presentationml/2006/main">
+  <p:cSld>
+    <p:spTree>
+      <p:nvGrpSpPr>
+        <p:cNvPr id="1" name=""/>
+        <p:cNvGrpSpPr/>
+        <p:nvPr/>
+      </p:nvGrpSpPr>
+      <p:grpSpPr>
+        <a:xfrm>
+          <a:off x="0" y="0"/>
+          <a:ext cx="0" cy="0"/>
+          <a:chOff x="0" y="0"/>
+          <a:chExt cx="0" cy="0"/>
+        </a:xfrm>
+      </p:grpSpPr>
+      <p:sp>
+        <p:nvSpPr>
+          <p:cNvPr id="2" name="Title 1">
+            <a:extLst>
+              <a:ext uri="{FF2B5EF4-FFF2-40B4-BE49-F238E27FC236}">
+                <a16:creationId xmlns:a16="http://schemas.microsoft.com/office/drawing/2014/main" id="{B9137A2E-F4ED-0642-891E-FD5E24589E1D}"/>
+              </a:ext>
+            </a:extLst>
+          </p:cNvPr>
+          <p:cNvSpPr>
+            <a:spLocks noGrp="1"/>
+          </p:cNvSpPr>
+          <p:nvPr>
+            <p:ph type="title"/>
+          </p:nvPr>
+        </p:nvSpPr>
+        <p:spPr/>
+        <p:txBody>
+          <a:bodyPr/>
+          <a:lstStyle/>
+          <a:p>
+            <a:r>
+              <a:rPr lang="tr-TR" dirty="0"/>
+              <a:t>Assembly ve Makine Dili</a:t>
+            </a:r>
+          </a:p>
+        </p:txBody>
+      </p:sp>
+      <p:sp>
+        <p:nvSpPr>
+          <p:cNvPr id="4" name="Date Placeholder 3">
+            <a:extLst>
+              <a:ext uri="{FF2B5EF4-FFF2-40B4-BE49-F238E27FC236}">
+                <a16:creationId xmlns:a16="http://schemas.microsoft.com/office/drawing/2014/main" id="{A1033918-92DC-AB4D-9938-6B5856AD4381}"/>
+              </a:ext>
+            </a:extLst>
+          </p:cNvPr>
+          <p:cNvSpPr>
+            <a:spLocks noGrp="1"/>
+          </p:cNvSpPr>
+          <p:nvPr>
+            <p:ph type="dt" sz="half" idx="10"/>
+          </p:nvPr>
+        </p:nvSpPr>
+        <p:spPr/>
+        <p:txBody>
+          <a:bodyPr/>
+          <a:lstStyle/>
+          <a:p>
+            <a:r>
+              <a:rPr lang="tr-TR"/>
+              <a:t>Medical Artificial Intelligence</a:t>
+            </a:r>
+            <a:endParaRPr lang="tr-TR" dirty="0"/>
+          </a:p>
+        </p:txBody>
+      </p:sp>
+      <p:sp>
+        <p:nvSpPr>
+          <p:cNvPr id="5" name="Slide Number Placeholder 4">
+            <a:extLst>
+              <a:ext uri="{FF2B5EF4-FFF2-40B4-BE49-F238E27FC236}">
+                <a16:creationId xmlns:a16="http://schemas.microsoft.com/office/drawing/2014/main" id="{E51C2469-92A2-3844-9BBA-00A21CB64815}"/>
+              </a:ext>
+            </a:extLst>
+          </p:cNvPr>
+          <p:cNvSpPr>
+            <a:spLocks noGrp="1"/>
+          </p:cNvSpPr>
+          <p:nvPr>
+            <p:ph type="sldNum" sz="quarter" idx="12"/>
+          </p:nvPr>
+        </p:nvSpPr>
+        <p:spPr/>
+        <p:txBody>
+          <a:bodyPr/>
+          <a:lstStyle/>
+          <a:p>
+            <a:fld id="{4119457A-5965-C148-8898-E00E7A560E34}" type="slidenum">
+              <a:rPr lang="tr-TR" smtClean="0"/>
+              <a:t>15</a:t>
+            </a:fld>
+            <a:endParaRPr lang="tr-TR" dirty="0"/>
+          </a:p>
+        </p:txBody>
+      </p:sp>
+      <p:pic>
+        <p:nvPicPr>
+          <p:cNvPr id="9" name="Picture 8">
+            <a:extLst>
+              <a:ext uri="{FF2B5EF4-FFF2-40B4-BE49-F238E27FC236}">
+                <a16:creationId xmlns:a16="http://schemas.microsoft.com/office/drawing/2014/main" id="{B672F362-EBB9-F343-A6FF-E989BE4D67E3}"/>
+              </a:ext>
+            </a:extLst>
+          </p:cNvPr>
+          <p:cNvPicPr>
+            <a:picLocks noChangeAspect="1"/>
+          </p:cNvPicPr>
+          <p:nvPr/>
+        </p:nvPicPr>
+        <p:blipFill>
+          <a:blip r:embed="rId2"/>
+          <a:stretch>
+            <a:fillRect/>
+          </a:stretch>
+        </p:blipFill>
+        <p:spPr>
+          <a:xfrm>
+            <a:off x="2693987" y="2185194"/>
+            <a:ext cx="6502400" cy="3505200"/>
+          </a:xfrm>
+          <a:prstGeom prst="rect">
+            <a:avLst/>
+          </a:prstGeom>
+        </p:spPr>
+      </p:pic>
+    </p:spTree>
+    <p:extLst>
+      <p:ext uri="{BB962C8B-B14F-4D97-AF65-F5344CB8AC3E}">
+        <p14:creationId xmlns:p14="http://schemas.microsoft.com/office/powerpoint/2010/main" val="3498730781"/>
+      </p:ext>
+    </p:extLst>
+  </p:cSld>
+  <p:clrMapOvr>
+    <a:masterClrMapping/>
+  </p:clrMapOvr>
+</p:sld>
+</file>
+
+<file path=ppt/slides/slide16.xml><?xml version="1.0" encoding="utf-8"?>
+<p:sld xmlns:a="http://schemas.openxmlformats.org/drawingml/2006/main" xmlns:r="http://schemas.openxmlformats.org/officeDocument/2006/relationships" xmlns:p="http://schemas.openxmlformats.org/presentationml/2006/main">
+  <p:cSld>
+    <p:spTree>
+      <p:nvGrpSpPr>
+        <p:cNvPr id="1" name=""/>
+        <p:cNvGrpSpPr/>
+        <p:nvPr/>
+      </p:nvGrpSpPr>
+      <p:grpSpPr>
+        <a:xfrm>
+          <a:off x="0" y="0"/>
+          <a:ext cx="0" cy="0"/>
+          <a:chOff x="0" y="0"/>
+          <a:chExt cx="0" cy="0"/>
+        </a:xfrm>
+      </p:grpSpPr>
+      <p:sp>
+        <p:nvSpPr>
+          <p:cNvPr id="2" name="Title 1">
+            <a:extLst>
+              <a:ext uri="{FF2B5EF4-FFF2-40B4-BE49-F238E27FC236}">
+                <a16:creationId xmlns:a16="http://schemas.microsoft.com/office/drawing/2014/main" id="{91323331-E0E8-2D4A-995E-9C2E696E93E7}"/>
+              </a:ext>
+            </a:extLst>
+          </p:cNvPr>
+          <p:cNvSpPr>
+            <a:spLocks noGrp="1"/>
+          </p:cNvSpPr>
+          <p:nvPr>
+            <p:ph type="title"/>
+          </p:nvPr>
+        </p:nvSpPr>
+        <p:spPr>
+          <a:xfrm>
+            <a:off x="838200" y="365125"/>
+            <a:ext cx="11542986" cy="1325563"/>
+          </a:xfrm>
+        </p:spPr>
+        <p:txBody>
+          <a:bodyPr>
+            <a:normAutofit/>
+          </a:bodyPr>
+          <a:lstStyle/>
+          <a:p>
+            <a:r>
+              <a:rPr lang="tr-TR" dirty="0"/>
+              <a:t>Derleyici(Compiler) ve Yorumlayıcı(Interpreter)</a:t>
+            </a:r>
+          </a:p>
+        </p:txBody>
+      </p:sp>
+      <p:sp>
+        <p:nvSpPr>
+          <p:cNvPr id="3" name="Content Placeholder 2">
+            <a:extLst>
+              <a:ext uri="{FF2B5EF4-FFF2-40B4-BE49-F238E27FC236}">
+                <a16:creationId xmlns:a16="http://schemas.microsoft.com/office/drawing/2014/main" id="{E6CCB8F0-F21A-4F48-AE13-2DC194106EEB}"/>
+              </a:ext>
+            </a:extLst>
+          </p:cNvPr>
+          <p:cNvSpPr>
+            <a:spLocks noGrp="1"/>
+          </p:cNvSpPr>
+          <p:nvPr>
+            <p:ph idx="1"/>
+          </p:nvPr>
+        </p:nvSpPr>
+        <p:spPr/>
+        <p:txBody>
+          <a:bodyPr/>
+          <a:lstStyle/>
+          <a:p>
+            <a:r>
+              <a:rPr lang="tr-TR" dirty="0"/>
+              <a:t>Bahsettiğim üzere derlenen diller çalıştırılmadan önce makine diline derleyiciler tarafından tercüme edilmesi gerekir.</a:t>
+            </a:r>
+          </a:p>
+          <a:p>
+            <a:pPr marL="0" indent="0">
+              <a:buNone/>
+            </a:pPr>
+            <a:endParaRPr lang="tr-TR" dirty="0"/>
+          </a:p>
+          <a:p>
+            <a:r>
+              <a:rPr lang="tr-TR" dirty="0"/>
+              <a:t>Yorumlayıcı, kaynak kodu komut komut okuyup üzerinde çalışılan makinenin komut setine çevirerek çalıştıran bir programdır. Yorumlanarak çalıştırılan yüksek seviyeli diller doğrudan yorumlanmazlar. Genellikle bir ara forma(</a:t>
+            </a:r>
+            <a:r>
+              <a:rPr lang="tr-TR" dirty="0" err="1"/>
+              <a:t>Opcode</a:t>
+            </a:r>
+            <a:r>
+              <a:rPr lang="tr-TR" dirty="0"/>
+              <a:t>, </a:t>
+            </a:r>
+            <a:r>
+              <a:rPr lang="tr-TR" dirty="0" err="1"/>
+              <a:t>Bytecode</a:t>
+            </a:r>
+            <a:r>
+              <a:rPr lang="tr-TR" dirty="0"/>
+              <a:t> vs.) derlenir ve bu kodlar yorumlanarak yerel makine diline çevrilir ve işletilir. Python gibi yorumlanan diller aslında yorumlama aşamasına geçilmeden önce en az 1 kere derlenirler.</a:t>
+            </a:r>
+          </a:p>
+        </p:txBody>
+      </p:sp>
+      <p:sp>
+        <p:nvSpPr>
+          <p:cNvPr id="4" name="Date Placeholder 3">
+            <a:extLst>
+              <a:ext uri="{FF2B5EF4-FFF2-40B4-BE49-F238E27FC236}">
+                <a16:creationId xmlns:a16="http://schemas.microsoft.com/office/drawing/2014/main" id="{E82D68ED-B44D-F44A-9D02-810B047D4D3B}"/>
+              </a:ext>
+            </a:extLst>
+          </p:cNvPr>
+          <p:cNvSpPr>
+            <a:spLocks noGrp="1"/>
+          </p:cNvSpPr>
+          <p:nvPr>
+            <p:ph type="dt" sz="half" idx="10"/>
+          </p:nvPr>
+        </p:nvSpPr>
+        <p:spPr/>
+        <p:txBody>
+          <a:bodyPr/>
+          <a:lstStyle/>
+          <a:p>
+            <a:r>
+              <a:rPr lang="tr-TR"/>
+              <a:t>Medical Artificial Intelligence</a:t>
+            </a:r>
+            <a:endParaRPr lang="tr-TR" dirty="0"/>
+          </a:p>
+        </p:txBody>
+      </p:sp>
+      <p:sp>
+        <p:nvSpPr>
+          <p:cNvPr id="5" name="Slide Number Placeholder 4">
+            <a:extLst>
+              <a:ext uri="{FF2B5EF4-FFF2-40B4-BE49-F238E27FC236}">
+                <a16:creationId xmlns:a16="http://schemas.microsoft.com/office/drawing/2014/main" id="{2A7DA56E-4868-3149-9A96-60659332E995}"/>
+              </a:ext>
+            </a:extLst>
+          </p:cNvPr>
+          <p:cNvSpPr>
+            <a:spLocks noGrp="1"/>
+          </p:cNvSpPr>
+          <p:nvPr>
+            <p:ph type="sldNum" sz="quarter" idx="12"/>
+          </p:nvPr>
+        </p:nvSpPr>
+        <p:spPr/>
+        <p:txBody>
+          <a:bodyPr/>
+          <a:lstStyle/>
+          <a:p>
+            <a:fld id="{4119457A-5965-C148-8898-E00E7A560E34}" type="slidenum">
+              <a:rPr lang="tr-TR" smtClean="0"/>
+              <a:t>16</a:t>
+            </a:fld>
+            <a:endParaRPr lang="tr-TR" dirty="0"/>
+          </a:p>
+        </p:txBody>
+      </p:sp>
+    </p:spTree>
+    <p:extLst>
+      <p:ext uri="{BB962C8B-B14F-4D97-AF65-F5344CB8AC3E}">
+        <p14:creationId xmlns:p14="http://schemas.microsoft.com/office/powerpoint/2010/main" val="4164482068"/>
+      </p:ext>
+    </p:extLst>
+  </p:cSld>
+  <p:clrMapOvr>
+    <a:masterClrMapping/>
+  </p:clrMapOvr>
+</p:sld>
+</file>
+
+<file path=ppt/slides/slide17.xml><?xml version="1.0" encoding="utf-8"?>
+<p:sld xmlns:a="http://schemas.openxmlformats.org/drawingml/2006/main" xmlns:r="http://schemas.openxmlformats.org/officeDocument/2006/relationships" xmlns:p="http://schemas.openxmlformats.org/presentationml/2006/main">
+  <p:cSld>
+    <p:spTree>
+      <p:nvGrpSpPr>
+        <p:cNvPr id="1" name=""/>
+        <p:cNvGrpSpPr/>
+        <p:nvPr/>
+      </p:nvGrpSpPr>
+      <p:grpSpPr>
+        <a:xfrm>
+          <a:off x="0" y="0"/>
+          <a:ext cx="0" cy="0"/>
+          <a:chOff x="0" y="0"/>
+          <a:chExt cx="0" cy="0"/>
+        </a:xfrm>
+      </p:grpSpPr>
+      <p:sp>
+        <p:nvSpPr>
+          <p:cNvPr id="2" name="Title 1">
+            <a:extLst>
+              <a:ext uri="{FF2B5EF4-FFF2-40B4-BE49-F238E27FC236}">
+                <a16:creationId xmlns:a16="http://schemas.microsoft.com/office/drawing/2014/main" id="{D57B2DFC-522F-0642-9E9C-9B4DD63DD34D}"/>
+              </a:ext>
+            </a:extLst>
+          </p:cNvPr>
+          <p:cNvSpPr>
+            <a:spLocks noGrp="1"/>
+          </p:cNvSpPr>
+          <p:nvPr>
+            <p:ph type="title"/>
+          </p:nvPr>
+        </p:nvSpPr>
+        <p:spPr/>
+        <p:txBody>
+          <a:bodyPr/>
+          <a:lstStyle/>
+          <a:p>
+            <a:pPr algn="ctr"/>
+            <a:r>
+              <a:rPr lang="tr-TR" dirty="0"/>
+              <a:t>Python</a:t>
+            </a:r>
+          </a:p>
+        </p:txBody>
+      </p:sp>
+      <p:sp>
+        <p:nvSpPr>
+          <p:cNvPr id="3" name="Content Placeholder 2">
+            <a:extLst>
+              <a:ext uri="{FF2B5EF4-FFF2-40B4-BE49-F238E27FC236}">
+                <a16:creationId xmlns:a16="http://schemas.microsoft.com/office/drawing/2014/main" id="{5680630C-BCFD-2141-A0DC-68104FAFD453}"/>
+              </a:ext>
+            </a:extLst>
+          </p:cNvPr>
+          <p:cNvSpPr>
+            <a:spLocks noGrp="1"/>
+          </p:cNvSpPr>
+          <p:nvPr>
+            <p:ph idx="1"/>
+          </p:nvPr>
+        </p:nvSpPr>
+        <p:spPr/>
+        <p:txBody>
+          <a:bodyPr>
+            <a:normAutofit/>
+          </a:bodyPr>
+          <a:lstStyle/>
+          <a:p>
+            <a:r>
+              <a:rPr lang="tr-TR" dirty="0"/>
+              <a:t>Python, yorumlanmış, nesne yönelimli, üst düzey bir programlama dilidir.</a:t>
+            </a:r>
+          </a:p>
+          <a:p>
+            <a:pPr marL="0" indent="0">
+              <a:buNone/>
+            </a:pPr>
+            <a:endParaRPr lang="tr-TR" dirty="0"/>
+          </a:p>
+          <a:p>
+            <a:r>
+              <a:rPr lang="tr-TR" dirty="0"/>
+              <a:t>1990'ların başında, </a:t>
+            </a:r>
+            <a:r>
+              <a:rPr lang="tr-TR" dirty="0" err="1"/>
+              <a:t>Guido</a:t>
+            </a:r>
+            <a:r>
+              <a:rPr lang="tr-TR" dirty="0"/>
+              <a:t> </a:t>
+            </a:r>
+            <a:r>
+              <a:rPr lang="tr-TR" dirty="0" err="1"/>
+              <a:t>van</a:t>
+            </a:r>
+            <a:r>
+              <a:rPr lang="tr-TR" dirty="0"/>
+              <a:t> </a:t>
+            </a:r>
+            <a:r>
+              <a:rPr lang="tr-TR" dirty="0" err="1"/>
+              <a:t>Rossum</a:t>
+            </a:r>
+            <a:r>
+              <a:rPr lang="tr-TR" dirty="0"/>
+              <a:t>, programlama dili olacak </a:t>
+            </a:r>
+            <a:r>
+              <a:rPr lang="tr-TR" dirty="0" err="1"/>
+              <a:t>Python’ı</a:t>
+            </a:r>
+            <a:r>
+              <a:rPr lang="tr-TR" dirty="0"/>
+              <a:t> tasarladı.</a:t>
+            </a:r>
+          </a:p>
+          <a:p>
+            <a:pPr marL="0" indent="0">
+              <a:buNone/>
+            </a:pPr>
+            <a:endParaRPr lang="tr-TR" dirty="0"/>
+          </a:p>
+          <a:p>
+            <a:r>
+              <a:rPr lang="tr-TR" dirty="0"/>
+              <a:t>Python programları Python yorumlayıcısı tarafından yürütülür. </a:t>
+            </a:r>
+          </a:p>
+        </p:txBody>
+      </p:sp>
+      <p:sp>
+        <p:nvSpPr>
+          <p:cNvPr id="4" name="Date Placeholder 3">
+            <a:extLst>
+              <a:ext uri="{FF2B5EF4-FFF2-40B4-BE49-F238E27FC236}">
+                <a16:creationId xmlns:a16="http://schemas.microsoft.com/office/drawing/2014/main" id="{3E6C67C0-CD10-674E-9C82-B15FFA0F5E3D}"/>
+              </a:ext>
+            </a:extLst>
+          </p:cNvPr>
+          <p:cNvSpPr>
+            <a:spLocks noGrp="1"/>
+          </p:cNvSpPr>
+          <p:nvPr>
+            <p:ph type="dt" sz="half" idx="10"/>
+          </p:nvPr>
+        </p:nvSpPr>
+        <p:spPr/>
+        <p:txBody>
+          <a:bodyPr/>
+          <a:lstStyle/>
+          <a:p>
+            <a:r>
+              <a:rPr lang="tr-TR"/>
+              <a:t>Medical Artificial Intelligence</a:t>
+            </a:r>
+            <a:endParaRPr lang="tr-TR" dirty="0"/>
+          </a:p>
+        </p:txBody>
+      </p:sp>
+      <p:sp>
+        <p:nvSpPr>
+          <p:cNvPr id="5" name="Slide Number Placeholder 4">
+            <a:extLst>
+              <a:ext uri="{FF2B5EF4-FFF2-40B4-BE49-F238E27FC236}">
+                <a16:creationId xmlns:a16="http://schemas.microsoft.com/office/drawing/2014/main" id="{842DCBCE-FA5D-5140-95EB-802E7D5E8A8B}"/>
+              </a:ext>
+            </a:extLst>
+          </p:cNvPr>
+          <p:cNvSpPr>
+            <a:spLocks noGrp="1"/>
+          </p:cNvSpPr>
+          <p:nvPr>
+            <p:ph type="sldNum" sz="quarter" idx="12"/>
+          </p:nvPr>
+        </p:nvSpPr>
+        <p:spPr/>
+        <p:txBody>
+          <a:bodyPr/>
+          <a:lstStyle/>
+          <a:p>
+            <a:fld id="{4119457A-5965-C148-8898-E00E7A560E34}" type="slidenum">
+              <a:rPr lang="tr-TR" smtClean="0"/>
+              <a:t>17</a:t>
+            </a:fld>
+            <a:endParaRPr lang="tr-TR" dirty="0"/>
+          </a:p>
+        </p:txBody>
+      </p:sp>
+    </p:spTree>
+    <p:extLst>
+      <p:ext uri="{BB962C8B-B14F-4D97-AF65-F5344CB8AC3E}">
+        <p14:creationId xmlns:p14="http://schemas.microsoft.com/office/powerpoint/2010/main" val="1446934019"/>
+      </p:ext>
+    </p:extLst>
+  </p:cSld>
+  <p:clrMapOvr>
+    <a:masterClrMapping/>
+  </p:clrMapOvr>
+</p:sld>
+</file>
+
+<file path=ppt/slides/slide18.xml><?xml version="1.0" encoding="utf-8"?>
+<p:sld xmlns:a="http://schemas.openxmlformats.org/drawingml/2006/main" xmlns:r="http://schemas.openxmlformats.org/officeDocument/2006/relationships" xmlns:p="http://schemas.openxmlformats.org/presentationml/2006/main">
+  <p:cSld>
+    <p:spTree>
+      <p:nvGrpSpPr>
+        <p:cNvPr id="1" name=""/>
+        <p:cNvGrpSpPr/>
+        <p:nvPr/>
+      </p:nvGrpSpPr>
+      <p:grpSpPr>
+        <a:xfrm>
+          <a:off x="0" y="0"/>
+          <a:ext cx="0" cy="0"/>
+          <a:chOff x="0" y="0"/>
+          <a:chExt cx="0" cy="0"/>
+        </a:xfrm>
+      </p:grpSpPr>
+      <p:sp>
+        <p:nvSpPr>
+          <p:cNvPr id="2" name="Title 1">
+            <a:extLst>
+              <a:ext uri="{FF2B5EF4-FFF2-40B4-BE49-F238E27FC236}">
+                <a16:creationId xmlns:a16="http://schemas.microsoft.com/office/drawing/2014/main" id="{A8BBD9F0-0A77-2745-A4A0-B263D431E153}"/>
+              </a:ext>
+            </a:extLst>
+          </p:cNvPr>
+          <p:cNvSpPr>
+            <a:spLocks noGrp="1"/>
+          </p:cNvSpPr>
+          <p:nvPr>
+            <p:ph type="title"/>
+          </p:nvPr>
+        </p:nvSpPr>
+        <p:spPr/>
+        <p:txBody>
+          <a:bodyPr/>
+          <a:lstStyle/>
+          <a:p>
+            <a:r>
+              <a:rPr lang="tr-TR" dirty="0"/>
+              <a:t>Python</a:t>
+            </a:r>
+          </a:p>
+        </p:txBody>
+      </p:sp>
+      <p:sp>
+        <p:nvSpPr>
+          <p:cNvPr id="3" name="Content Placeholder 2">
+            <a:extLst>
+              <a:ext uri="{FF2B5EF4-FFF2-40B4-BE49-F238E27FC236}">
+                <a16:creationId xmlns:a16="http://schemas.microsoft.com/office/drawing/2014/main" id="{D1057DE3-B500-9649-9A7D-287FBB306577}"/>
+              </a:ext>
+            </a:extLst>
+          </p:cNvPr>
+          <p:cNvSpPr>
+            <a:spLocks noGrp="1"/>
+          </p:cNvSpPr>
+          <p:nvPr>
+            <p:ph idx="1"/>
+          </p:nvPr>
+        </p:nvSpPr>
+        <p:spPr/>
+        <p:txBody>
+          <a:bodyPr/>
+          <a:lstStyle/>
+          <a:p>
+            <a:r>
+              <a:rPr lang="tr-TR" dirty="0"/>
+              <a:t>İki </a:t>
+            </a:r>
+            <a:r>
+              <a:rPr lang="tr-TR" dirty="0" err="1"/>
+              <a:t>modu</a:t>
+            </a:r>
+            <a:r>
+              <a:rPr lang="tr-TR" dirty="0"/>
+              <a:t> var: </a:t>
+            </a:r>
+            <a:r>
+              <a:rPr lang="tr-TR" dirty="0" err="1"/>
+              <a:t>interactive</a:t>
+            </a:r>
+            <a:r>
+              <a:rPr lang="tr-TR" dirty="0"/>
+              <a:t> (etkileşim) </a:t>
+            </a:r>
+            <a:r>
+              <a:rPr lang="tr-TR" dirty="0" err="1"/>
+              <a:t>mod</a:t>
+            </a:r>
+            <a:r>
+              <a:rPr lang="tr-TR" dirty="0"/>
+              <a:t> ve </a:t>
+            </a:r>
+            <a:r>
+              <a:rPr lang="tr-TR" dirty="0" err="1"/>
+              <a:t>script</a:t>
+            </a:r>
+            <a:r>
+              <a:rPr lang="tr-TR" dirty="0"/>
+              <a:t> (komut dosyası) </a:t>
+            </a:r>
+            <a:r>
+              <a:rPr lang="tr-TR" dirty="0" err="1"/>
+              <a:t>modu</a:t>
+            </a:r>
+            <a:r>
+              <a:rPr lang="tr-TR" dirty="0"/>
+              <a:t>.</a:t>
+            </a:r>
+          </a:p>
+          <a:p>
+            <a:r>
+              <a:rPr lang="tr-TR" dirty="0"/>
+              <a:t>Etkileşimli </a:t>
+            </a:r>
+            <a:r>
+              <a:rPr lang="tr-TR" dirty="0" err="1"/>
+              <a:t>modda</a:t>
+            </a:r>
+            <a:r>
+              <a:rPr lang="tr-TR" dirty="0"/>
+              <a:t> Python programlarını yazdığınızda yorumlayıcı sonucu yazdırır. </a:t>
+            </a:r>
+          </a:p>
+          <a:p>
+            <a:r>
+              <a:rPr lang="tr-TR" dirty="0"/>
+              <a:t>Alternatif olarak, bir dosyada kod saklayabilir ve komut dosyası olarak adlandırılan dosyanın içeriğini yürütmek için yorumlayıcıyı kullanabilirsiniz.</a:t>
+            </a:r>
+          </a:p>
+          <a:p>
+            <a:r>
+              <a:rPr lang="tr-TR" dirty="0"/>
+              <a:t>Kurallara göre, Python komut dosyaları “.</a:t>
+            </a:r>
+            <a:r>
+              <a:rPr lang="tr-TR" dirty="0" err="1"/>
+              <a:t>py</a:t>
+            </a:r>
+            <a:r>
+              <a:rPr lang="tr-TR" dirty="0"/>
+              <a:t>” ile biterler.</a:t>
+            </a:r>
+          </a:p>
+        </p:txBody>
+      </p:sp>
+      <p:sp>
+        <p:nvSpPr>
+          <p:cNvPr id="4" name="Date Placeholder 3">
+            <a:extLst>
+              <a:ext uri="{FF2B5EF4-FFF2-40B4-BE49-F238E27FC236}">
+                <a16:creationId xmlns:a16="http://schemas.microsoft.com/office/drawing/2014/main" id="{5E32E187-5299-CF4F-8FB4-F056CD928B60}"/>
+              </a:ext>
+            </a:extLst>
+          </p:cNvPr>
+          <p:cNvSpPr>
+            <a:spLocks noGrp="1"/>
+          </p:cNvSpPr>
+          <p:nvPr>
+            <p:ph type="dt" sz="half" idx="10"/>
+          </p:nvPr>
+        </p:nvSpPr>
+        <p:spPr/>
+        <p:txBody>
+          <a:bodyPr/>
+          <a:lstStyle/>
+          <a:p>
+            <a:r>
+              <a:rPr lang="tr-TR"/>
+              <a:t>Medical Artificial Intelligence</a:t>
+            </a:r>
+            <a:endParaRPr lang="tr-TR" dirty="0"/>
+          </a:p>
+        </p:txBody>
+      </p:sp>
+      <p:sp>
+        <p:nvSpPr>
+          <p:cNvPr id="5" name="Slide Number Placeholder 4">
+            <a:extLst>
+              <a:ext uri="{FF2B5EF4-FFF2-40B4-BE49-F238E27FC236}">
+                <a16:creationId xmlns:a16="http://schemas.microsoft.com/office/drawing/2014/main" id="{E3789D76-D8A4-8743-8CB9-4BC17D0BF6FE}"/>
+              </a:ext>
+            </a:extLst>
+          </p:cNvPr>
+          <p:cNvSpPr>
+            <a:spLocks noGrp="1"/>
+          </p:cNvSpPr>
+          <p:nvPr>
+            <p:ph type="sldNum" sz="quarter" idx="12"/>
+          </p:nvPr>
+        </p:nvSpPr>
+        <p:spPr/>
+        <p:txBody>
+          <a:bodyPr/>
+          <a:lstStyle/>
+          <a:p>
+            <a:fld id="{4119457A-5965-C148-8898-E00E7A560E34}" type="slidenum">
+              <a:rPr lang="tr-TR" smtClean="0"/>
+              <a:t>18</a:t>
+            </a:fld>
+            <a:endParaRPr lang="tr-TR" dirty="0"/>
+          </a:p>
+        </p:txBody>
+      </p:sp>
+    </p:spTree>
+    <p:extLst>
+      <p:ext uri="{BB962C8B-B14F-4D97-AF65-F5344CB8AC3E}">
+        <p14:creationId xmlns:p14="http://schemas.microsoft.com/office/powerpoint/2010/main" val="4175489785"/>
+      </p:ext>
+    </p:extLst>
+  </p:cSld>
+  <p:clrMapOvr>
+    <a:masterClrMapping/>
+  </p:clrMapOvr>
+</p:sld>
+</file>
+
+<file path=ppt/slides/slide19.xml><?xml version="1.0" encoding="utf-8"?>
+<p:sld xmlns:a="http://schemas.openxmlformats.org/drawingml/2006/main" xmlns:r="http://schemas.openxmlformats.org/officeDocument/2006/relationships" xmlns:p="http://schemas.openxmlformats.org/presentationml/2006/main">
+  <p:cSld>
+    <p:spTree>
+      <p:nvGrpSpPr>
+        <p:cNvPr id="1" name=""/>
+        <p:cNvGrpSpPr/>
+        <p:nvPr/>
+      </p:nvGrpSpPr>
+      <p:grpSpPr>
+        <a:xfrm>
+          <a:off x="0" y="0"/>
+          <a:ext cx="0" cy="0"/>
+          <a:chOff x="0" y="0"/>
+          <a:chExt cx="0" cy="0"/>
+        </a:xfrm>
+      </p:grpSpPr>
+      <p:sp>
+        <p:nvSpPr>
+          <p:cNvPr id="2" name="Title 1">
+            <a:extLst>
+              <a:ext uri="{FF2B5EF4-FFF2-40B4-BE49-F238E27FC236}">
+                <a16:creationId xmlns:a16="http://schemas.microsoft.com/office/drawing/2014/main" id="{B2FC8C66-3936-6948-A680-63E5F26E1158}"/>
+              </a:ext>
+            </a:extLst>
+          </p:cNvPr>
+          <p:cNvSpPr>
+            <a:spLocks noGrp="1"/>
+          </p:cNvSpPr>
+          <p:nvPr>
+            <p:ph type="title"/>
+          </p:nvPr>
+        </p:nvSpPr>
+        <p:spPr/>
+        <p:txBody>
+          <a:bodyPr/>
+          <a:lstStyle/>
+          <a:p>
+            <a:r>
+              <a:rPr lang="tr-TR" dirty="0"/>
+              <a:t>Neden Python?</a:t>
+            </a:r>
+          </a:p>
+        </p:txBody>
+      </p:sp>
+      <p:pic>
+        <p:nvPicPr>
+          <p:cNvPr id="7" name="Content Placeholder 6">
+            <a:extLst>
+              <a:ext uri="{FF2B5EF4-FFF2-40B4-BE49-F238E27FC236}">
+                <a16:creationId xmlns:a16="http://schemas.microsoft.com/office/drawing/2014/main" id="{D16FFCD8-DBEF-3A4C-A0C8-3FC1F7ECC60C}"/>
+              </a:ext>
+            </a:extLst>
+          </p:cNvPr>
+          <p:cNvPicPr>
+            <a:picLocks noGrp="1" noChangeAspect="1"/>
+          </p:cNvPicPr>
+          <p:nvPr>
+            <p:ph idx="1"/>
+          </p:nvPr>
+        </p:nvPicPr>
+        <p:blipFill>
+          <a:blip r:embed="rId2"/>
+          <a:stretch>
+            <a:fillRect/>
+          </a:stretch>
+        </p:blipFill>
+        <p:spPr>
+          <a:xfrm>
+            <a:off x="838200" y="1425575"/>
+            <a:ext cx="9468681" cy="4351338"/>
+          </a:xfrm>
+        </p:spPr>
+      </p:pic>
+      <p:sp>
+        <p:nvSpPr>
+          <p:cNvPr id="4" name="Date Placeholder 3">
+            <a:extLst>
+              <a:ext uri="{FF2B5EF4-FFF2-40B4-BE49-F238E27FC236}">
+                <a16:creationId xmlns:a16="http://schemas.microsoft.com/office/drawing/2014/main" id="{83CAE64F-D7FA-4848-B0D3-0DAE44C28DC1}"/>
+              </a:ext>
+            </a:extLst>
+          </p:cNvPr>
+          <p:cNvSpPr>
+            <a:spLocks noGrp="1"/>
+          </p:cNvSpPr>
+          <p:nvPr>
+            <p:ph type="dt" sz="half" idx="10"/>
+          </p:nvPr>
+        </p:nvSpPr>
+        <p:spPr/>
+        <p:txBody>
+          <a:bodyPr/>
+          <a:lstStyle/>
+          <a:p>
+            <a:r>
+              <a:rPr lang="tr-TR"/>
+              <a:t>Medical Artificial Intelligence</a:t>
+            </a:r>
+            <a:endParaRPr lang="tr-TR" dirty="0"/>
+          </a:p>
+        </p:txBody>
+      </p:sp>
+      <p:sp>
+        <p:nvSpPr>
+          <p:cNvPr id="5" name="Slide Number Placeholder 4">
+            <a:extLst>
+              <a:ext uri="{FF2B5EF4-FFF2-40B4-BE49-F238E27FC236}">
+                <a16:creationId xmlns:a16="http://schemas.microsoft.com/office/drawing/2014/main" id="{E2503306-CC18-1C46-A5EA-B0D964CB391C}"/>
+              </a:ext>
+            </a:extLst>
+          </p:cNvPr>
+          <p:cNvSpPr>
+            <a:spLocks noGrp="1"/>
+          </p:cNvSpPr>
+          <p:nvPr>
+            <p:ph type="sldNum" sz="quarter" idx="12"/>
+          </p:nvPr>
+        </p:nvSpPr>
+        <p:spPr/>
+        <p:txBody>
+          <a:bodyPr/>
+          <a:lstStyle/>
+          <a:p>
+            <a:fld id="{4119457A-5965-C148-8898-E00E7A560E34}" type="slidenum">
+              <a:rPr lang="tr-TR" smtClean="0"/>
+              <a:t>19</a:t>
+            </a:fld>
+            <a:endParaRPr lang="tr-TR" dirty="0"/>
+          </a:p>
+        </p:txBody>
+      </p:sp>
+    </p:spTree>
+    <p:extLst>
+      <p:ext uri="{BB962C8B-B14F-4D97-AF65-F5344CB8AC3E}">
+        <p14:creationId xmlns:p14="http://schemas.microsoft.com/office/powerpoint/2010/main" val="4052736121"/>
+      </p:ext>
+    </p:extLst>
+  </p:cSld>
+  <p:clrMapOvr>
+    <a:masterClrMapping/>
+  </p:clrMapOvr>
+</p:sld>
+</file>
+
+<file path=ppt/slides/slide2.xml><?xml version="1.0" encoding="utf-8"?>
+<p:sld xmlns:a="http://schemas.openxmlformats.org/drawingml/2006/main" xmlns:r="http://schemas.openxmlformats.org/officeDocument/2006/relationships" xmlns:p="http://schemas.openxmlformats.org/presentationml/2006/main">
+  <p:cSld>
+    <p:spTree>
+      <p:nvGrpSpPr>
+        <p:cNvPr id="1" name=""/>
+        <p:cNvGrpSpPr/>
+        <p:nvPr/>
+      </p:nvGrpSpPr>
+      <p:grpSpPr>
+        <a:xfrm>
+          <a:off x="0" y="0"/>
+          <a:ext cx="0" cy="0"/>
+          <a:chOff x="0" y="0"/>
+          <a:chExt cx="0" cy="0"/>
+        </a:xfrm>
+      </p:grpSpPr>
+      <p:sp>
+        <p:nvSpPr>
+          <p:cNvPr id="2" name="Title 1">
+            <a:extLst>
+              <a:ext uri="{FF2B5EF4-FFF2-40B4-BE49-F238E27FC236}">
+                <a16:creationId xmlns:a16="http://schemas.microsoft.com/office/drawing/2014/main" id="{18FF732E-4F77-7545-BC71-F1A90543D79D}"/>
+              </a:ext>
+            </a:extLst>
+          </p:cNvPr>
+          <p:cNvSpPr>
+            <a:spLocks noGrp="1"/>
+          </p:cNvSpPr>
+          <p:nvPr>
+            <p:ph type="title"/>
+          </p:nvPr>
+        </p:nvSpPr>
+        <p:spPr/>
+        <p:txBody>
+          <a:bodyPr/>
+          <a:lstStyle/>
+          <a:p>
+            <a:r>
+              <a:rPr lang="tr-TR" dirty="0"/>
+              <a:t>MAI Workshops’19 </a:t>
+            </a:r>
+          </a:p>
+        </p:txBody>
+      </p:sp>
+      <p:sp>
+        <p:nvSpPr>
+          <p:cNvPr id="3" name="Content Placeholder 2">
+            <a:extLst>
+              <a:ext uri="{FF2B5EF4-FFF2-40B4-BE49-F238E27FC236}">
+                <a16:creationId xmlns:a16="http://schemas.microsoft.com/office/drawing/2014/main" id="{357E72AB-766E-9A44-A9D5-3205E3D5AFCF}"/>
+              </a:ext>
+            </a:extLst>
+          </p:cNvPr>
+          <p:cNvSpPr>
+            <a:spLocks noGrp="1"/>
+          </p:cNvSpPr>
+          <p:nvPr>
+            <p:ph idx="1"/>
+          </p:nvPr>
+        </p:nvSpPr>
+        <p:spPr/>
+        <p:txBody>
+          <a:bodyPr/>
+          <a:lstStyle/>
+          <a:p>
+            <a:r>
+              <a:rPr lang="tr-TR" dirty="0"/>
+              <a:t>Workshop içeriklerine ulaşmak için;</a:t>
+            </a:r>
+          </a:p>
+          <a:p>
+            <a:pPr lvl="1"/>
+            <a:r>
+              <a:rPr lang="tr-TR" dirty="0"/>
+              <a:t>Piazza:</a:t>
+            </a:r>
+          </a:p>
+          <a:p>
+            <a:pPr lvl="2"/>
+            <a:r>
+              <a:rPr lang="tr-TR" dirty="0"/>
+              <a:t>İstinye Üniversitesi Fall 2019, MAI 101</a:t>
+            </a:r>
+          </a:p>
+          <a:p>
+            <a:pPr lvl="2"/>
+            <a:r>
+              <a:rPr lang="tr-TR" dirty="0">
+                <a:hlinkClick r:id="rId2"/>
+              </a:rPr>
+              <a:t>http://bit.ly/maiws</a:t>
+            </a:r>
+            <a:endParaRPr lang="tr-TR" dirty="0"/>
+          </a:p>
+          <a:p>
+            <a:pPr lvl="1"/>
+            <a:r>
+              <a:rPr lang="tr-TR" dirty="0"/>
+              <a:t>GitHub:</a:t>
+            </a:r>
+          </a:p>
+          <a:p>
+            <a:pPr lvl="2"/>
+            <a:r>
+              <a:rPr lang="tr-TR" dirty="0">
+                <a:hlinkClick r:id="rId3"/>
+              </a:rPr>
+              <a:t>https://github.com/MAIClub/maiWorkshops19</a:t>
+            </a:r>
+            <a:endParaRPr lang="tr-TR" dirty="0"/>
+          </a:p>
+          <a:p>
+            <a:pPr lvl="1"/>
+            <a:r>
+              <a:rPr lang="tr-TR" dirty="0" err="1"/>
+              <a:t>Website</a:t>
+            </a:r>
+            <a:r>
+              <a:rPr lang="tr-TR" dirty="0"/>
+              <a:t>:</a:t>
+            </a:r>
+          </a:p>
+          <a:p>
+            <a:pPr lvl="2"/>
+            <a:r>
+              <a:rPr lang="tr-TR" dirty="0">
+                <a:hlinkClick r:id="rId4"/>
+              </a:rPr>
+              <a:t>https://mai.istinye.club/</a:t>
+            </a:r>
+            <a:endParaRPr lang="tr-TR" dirty="0"/>
+          </a:p>
+        </p:txBody>
+      </p:sp>
+      <p:sp>
+        <p:nvSpPr>
+          <p:cNvPr id="4" name="Date Placeholder 3">
+            <a:extLst>
+              <a:ext uri="{FF2B5EF4-FFF2-40B4-BE49-F238E27FC236}">
+                <a16:creationId xmlns:a16="http://schemas.microsoft.com/office/drawing/2014/main" id="{01A1A0B8-6D18-9D43-8783-C740E5AF9478}"/>
+              </a:ext>
+            </a:extLst>
+          </p:cNvPr>
+          <p:cNvSpPr>
+            <a:spLocks noGrp="1"/>
+          </p:cNvSpPr>
+          <p:nvPr>
+            <p:ph type="dt" sz="half" idx="10"/>
+          </p:nvPr>
+        </p:nvSpPr>
+        <p:spPr/>
+        <p:txBody>
+          <a:bodyPr/>
+          <a:lstStyle/>
+          <a:p>
+            <a:r>
+              <a:rPr lang="tr-TR"/>
+              <a:t>Medical Artificial Intelligence</a:t>
+            </a:r>
+            <a:endParaRPr lang="tr-TR" dirty="0"/>
+          </a:p>
+        </p:txBody>
+      </p:sp>
+      <p:sp>
+        <p:nvSpPr>
+          <p:cNvPr id="5" name="Slide Number Placeholder 4">
+            <a:extLst>
+              <a:ext uri="{FF2B5EF4-FFF2-40B4-BE49-F238E27FC236}">
+                <a16:creationId xmlns:a16="http://schemas.microsoft.com/office/drawing/2014/main" id="{9CE3D939-62DF-B343-BD2D-DC80906D7D0B}"/>
+              </a:ext>
+            </a:extLst>
+          </p:cNvPr>
+          <p:cNvSpPr>
+            <a:spLocks noGrp="1"/>
+          </p:cNvSpPr>
+          <p:nvPr>
+            <p:ph type="sldNum" sz="quarter" idx="12"/>
+          </p:nvPr>
+        </p:nvSpPr>
+        <p:spPr/>
+        <p:txBody>
+          <a:bodyPr/>
+          <a:lstStyle/>
+          <a:p>
+            <a:fld id="{4119457A-5965-C148-8898-E00E7A560E34}" type="slidenum">
+              <a:rPr lang="tr-TR" smtClean="0"/>
+              <a:t>2</a:t>
+            </a:fld>
+            <a:endParaRPr lang="tr-TR" dirty="0"/>
+          </a:p>
+        </p:txBody>
+      </p:sp>
+    </p:spTree>
+    <p:extLst>
+      <p:ext uri="{BB962C8B-B14F-4D97-AF65-F5344CB8AC3E}">
+        <p14:creationId xmlns:p14="http://schemas.microsoft.com/office/powerpoint/2010/main" val="239329842"/>
+      </p:ext>
+    </p:extLst>
+  </p:cSld>
+  <p:clrMapOvr>
+    <a:masterClrMapping/>
+  </p:clrMapOvr>
+</p:sld>
+</file>
+
+<file path=ppt/slides/slide20.xml><?xml version="1.0" encoding="utf-8"?>
+<p:sld xmlns:a="http://schemas.openxmlformats.org/drawingml/2006/main" xmlns:r="http://schemas.openxmlformats.org/officeDocument/2006/relationships" xmlns:p="http://schemas.openxmlformats.org/presentationml/2006/main">
+  <p:cSld>
+    <p:spTree>
+      <p:nvGrpSpPr>
+        <p:cNvPr id="1" name=""/>
+        <p:cNvGrpSpPr/>
+        <p:nvPr/>
+      </p:nvGrpSpPr>
+      <p:grpSpPr>
+        <a:xfrm>
+          <a:off x="0" y="0"/>
+          <a:ext cx="0" cy="0"/>
+          <a:chOff x="0" y="0"/>
+          <a:chExt cx="0" cy="0"/>
+        </a:xfrm>
+      </p:grpSpPr>
+      <p:sp>
+        <p:nvSpPr>
+          <p:cNvPr id="2" name="Title 1">
+            <a:extLst>
+              <a:ext uri="{FF2B5EF4-FFF2-40B4-BE49-F238E27FC236}">
                 <a16:creationId xmlns:a16="http://schemas.microsoft.com/office/drawing/2014/main" id="{A8FFC037-4536-1A41-892B-3028494A78A1}"/>
               </a:ext>
             </a:extLst>
@@ -4644,7 +8572,7 @@
           <a:p>
             <a:fld id="{4119457A-5965-C148-8898-E00E7A560E34}" type="slidenum">
               <a:rPr lang="tr-TR" smtClean="0"/>
-              <a:t>13</a:t>
+              <a:t>20</a:t>
             </a:fld>
             <a:endParaRPr lang="tr-TR" dirty="0"/>
           </a:p>
@@ -4693,7 +8621,7 @@
 </p:sld>
 </file>
 
-<file path=ppt/slides/slide14.xml><?xml version="1.0" encoding="utf-8"?>
+<file path=ppt/slides/slide21.xml><?xml version="1.0" encoding="utf-8"?>
 <p:sld xmlns:a="http://schemas.openxmlformats.org/drawingml/2006/main" xmlns:r="http://schemas.openxmlformats.org/officeDocument/2006/relationships" xmlns:p="http://schemas.openxmlformats.org/presentationml/2006/main">
   <p:cSld>
     <p:spTree>
@@ -4865,7 +8793,7 @@
           <a:p>
             <a:fld id="{4119457A-5965-C148-8898-E00E7A560E34}" type="slidenum">
               <a:rPr lang="tr-TR" smtClean="0"/>
-              <a:t>14</a:t>
+              <a:t>21</a:t>
             </a:fld>
             <a:endParaRPr lang="tr-TR" dirty="0"/>
           </a:p>
@@ -4884,7 +8812,7 @@
 </p:sld>
 </file>
 
-<file path=ppt/slides/slide15.xml><?xml version="1.0" encoding="utf-8"?>
+<file path=ppt/slides/slide22.xml><?xml version="1.0" encoding="utf-8"?>
 <p:sld xmlns:a="http://schemas.openxmlformats.org/drawingml/2006/main" xmlns:r="http://schemas.openxmlformats.org/officeDocument/2006/relationships" xmlns:p="http://schemas.openxmlformats.org/presentationml/2006/main">
   <p:cSld>
     <p:spTree>
@@ -5024,7 +8952,7 @@
           <a:p>
             <a:fld id="{4119457A-5965-C148-8898-E00E7A560E34}" type="slidenum">
               <a:rPr lang="tr-TR" smtClean="0"/>
-              <a:t>15</a:t>
+              <a:t>22</a:t>
             </a:fld>
             <a:endParaRPr lang="tr-TR" dirty="0"/>
           </a:p>
@@ -5034,212 +8962,6 @@
     <p:extLst>
       <p:ext uri="{BB962C8B-B14F-4D97-AF65-F5344CB8AC3E}">
         <p14:creationId xmlns:p14="http://schemas.microsoft.com/office/powerpoint/2010/main" val="917550597"/>
-      </p:ext>
-    </p:extLst>
-  </p:cSld>
-  <p:clrMapOvr>
-    <a:masterClrMapping/>
-  </p:clrMapOvr>
-</p:sld>
-</file>
-
-<file path=ppt/slides/slide2.xml><?xml version="1.0" encoding="utf-8"?>
-<p:sld xmlns:a="http://schemas.openxmlformats.org/drawingml/2006/main" xmlns:r="http://schemas.openxmlformats.org/officeDocument/2006/relationships" xmlns:p="http://schemas.openxmlformats.org/presentationml/2006/main">
-  <p:cSld>
-    <p:spTree>
-      <p:nvGrpSpPr>
-        <p:cNvPr id="1" name=""/>
-        <p:cNvGrpSpPr/>
-        <p:nvPr/>
-      </p:nvGrpSpPr>
-      <p:grpSpPr>
-        <a:xfrm>
-          <a:off x="0" y="0"/>
-          <a:ext cx="0" cy="0"/>
-          <a:chOff x="0" y="0"/>
-          <a:chExt cx="0" cy="0"/>
-        </a:xfrm>
-      </p:grpSpPr>
-      <p:sp>
-        <p:nvSpPr>
-          <p:cNvPr id="2" name="Title 1">
-            <a:extLst>
-              <a:ext uri="{FF2B5EF4-FFF2-40B4-BE49-F238E27FC236}">
-                <a16:creationId xmlns:a16="http://schemas.microsoft.com/office/drawing/2014/main" id="{18FF732E-4F77-7545-BC71-F1A90543D79D}"/>
-              </a:ext>
-            </a:extLst>
-          </p:cNvPr>
-          <p:cNvSpPr>
-            <a:spLocks noGrp="1"/>
-          </p:cNvSpPr>
-          <p:nvPr>
-            <p:ph type="title"/>
-          </p:nvPr>
-        </p:nvSpPr>
-        <p:spPr/>
-        <p:txBody>
-          <a:bodyPr/>
-          <a:lstStyle/>
-          <a:p>
-            <a:r>
-              <a:rPr lang="tr-TR" dirty="0"/>
-              <a:t>MAI Workshops’19 </a:t>
-            </a:r>
-          </a:p>
-        </p:txBody>
-      </p:sp>
-      <p:sp>
-        <p:nvSpPr>
-          <p:cNvPr id="3" name="Content Placeholder 2">
-            <a:extLst>
-              <a:ext uri="{FF2B5EF4-FFF2-40B4-BE49-F238E27FC236}">
-                <a16:creationId xmlns:a16="http://schemas.microsoft.com/office/drawing/2014/main" id="{357E72AB-766E-9A44-A9D5-3205E3D5AFCF}"/>
-              </a:ext>
-            </a:extLst>
-          </p:cNvPr>
-          <p:cNvSpPr>
-            <a:spLocks noGrp="1"/>
-          </p:cNvSpPr>
-          <p:nvPr>
-            <p:ph idx="1"/>
-          </p:nvPr>
-        </p:nvSpPr>
-        <p:spPr/>
-        <p:txBody>
-          <a:bodyPr/>
-          <a:lstStyle/>
-          <a:p>
-            <a:r>
-              <a:rPr lang="tr-TR" dirty="0"/>
-              <a:t>Workshop içeriklerine ulaşmak için;</a:t>
-            </a:r>
-          </a:p>
-          <a:p>
-            <a:pPr lvl="1"/>
-            <a:r>
-              <a:rPr lang="tr-TR" dirty="0"/>
-              <a:t>Piazza:</a:t>
-            </a:r>
-          </a:p>
-          <a:p>
-            <a:pPr lvl="2"/>
-            <a:r>
-              <a:rPr lang="tr-TR" dirty="0"/>
-              <a:t>İstinye Üniversitesi Fall 2019, MAI 101</a:t>
-            </a:r>
-          </a:p>
-          <a:p>
-            <a:pPr lvl="2"/>
-            <a:r>
-              <a:rPr lang="tr-TR" dirty="0">
-                <a:hlinkClick r:id="rId2"/>
-              </a:rPr>
-              <a:t>http://bit.ly/maiws</a:t>
-            </a:r>
-            <a:endParaRPr lang="tr-TR" dirty="0"/>
-          </a:p>
-          <a:p>
-            <a:pPr lvl="1"/>
-            <a:r>
-              <a:rPr lang="tr-TR" dirty="0"/>
-              <a:t>GitHub:</a:t>
-            </a:r>
-          </a:p>
-          <a:p>
-            <a:pPr lvl="2"/>
-            <a:r>
-              <a:rPr lang="tr-TR" dirty="0">
-                <a:hlinkClick r:id="rId3"/>
-              </a:rPr>
-              <a:t>https://github.com/TYZAUM/maiWorkshops19</a:t>
-            </a:r>
-            <a:endParaRPr lang="tr-TR" dirty="0"/>
-          </a:p>
-          <a:p>
-            <a:pPr lvl="1"/>
-            <a:r>
-              <a:rPr lang="tr-TR" dirty="0" err="1"/>
-              <a:t>Website</a:t>
-            </a:r>
-            <a:r>
-              <a:rPr lang="tr-TR" dirty="0"/>
-              <a:t>:</a:t>
-            </a:r>
-          </a:p>
-          <a:p>
-            <a:pPr lvl="2"/>
-            <a:r>
-              <a:rPr lang="tr-TR" dirty="0">
-                <a:hlinkClick r:id="rId4"/>
-              </a:rPr>
-              <a:t>https://mai.istinye.club/</a:t>
-            </a:r>
-            <a:endParaRPr lang="tr-TR" dirty="0"/>
-          </a:p>
-        </p:txBody>
-      </p:sp>
-      <p:sp>
-        <p:nvSpPr>
-          <p:cNvPr id="4" name="Date Placeholder 3">
-            <a:extLst>
-              <a:ext uri="{FF2B5EF4-FFF2-40B4-BE49-F238E27FC236}">
-                <a16:creationId xmlns:a16="http://schemas.microsoft.com/office/drawing/2014/main" id="{01A1A0B8-6D18-9D43-8783-C740E5AF9478}"/>
-              </a:ext>
-            </a:extLst>
-          </p:cNvPr>
-          <p:cNvSpPr>
-            <a:spLocks noGrp="1"/>
-          </p:cNvSpPr>
-          <p:nvPr>
-            <p:ph type="dt" sz="half" idx="10"/>
-          </p:nvPr>
-        </p:nvSpPr>
-        <p:spPr/>
-        <p:txBody>
-          <a:bodyPr/>
-          <a:lstStyle/>
-          <a:p>
-            <a:r>
-              <a:rPr lang="tr-TR"/>
-              <a:t>Medical Artificial Intelligence</a:t>
-            </a:r>
-            <a:endParaRPr lang="tr-TR" dirty="0"/>
-          </a:p>
-        </p:txBody>
-      </p:sp>
-      <p:sp>
-        <p:nvSpPr>
-          <p:cNvPr id="5" name="Slide Number Placeholder 4">
-            <a:extLst>
-              <a:ext uri="{FF2B5EF4-FFF2-40B4-BE49-F238E27FC236}">
-                <a16:creationId xmlns:a16="http://schemas.microsoft.com/office/drawing/2014/main" id="{9CE3D939-62DF-B343-BD2D-DC80906D7D0B}"/>
-              </a:ext>
-            </a:extLst>
-          </p:cNvPr>
-          <p:cNvSpPr>
-            <a:spLocks noGrp="1"/>
-          </p:cNvSpPr>
-          <p:nvPr>
-            <p:ph type="sldNum" sz="quarter" idx="12"/>
-          </p:nvPr>
-        </p:nvSpPr>
-        <p:spPr/>
-        <p:txBody>
-          <a:bodyPr/>
-          <a:lstStyle/>
-          <a:p>
-            <a:fld id="{4119457A-5965-C148-8898-E00E7A560E34}" type="slidenum">
-              <a:rPr lang="tr-TR" smtClean="0"/>
-              <a:t>2</a:t>
-            </a:fld>
-            <a:endParaRPr lang="tr-TR" dirty="0"/>
-          </a:p>
-        </p:txBody>
-      </p:sp>
-    </p:spTree>
-    <p:extLst>
-      <p:ext uri="{BB962C8B-B14F-4D97-AF65-F5344CB8AC3E}">
-        <p14:creationId xmlns:p14="http://schemas.microsoft.com/office/powerpoint/2010/main" val="239329842"/>
       </p:ext>
     </p:extLst>
   </p:cSld>
@@ -5721,10 +9443,38 @@
       </p:grpSpPr>
       <p:sp>
         <p:nvSpPr>
+          <p:cNvPr id="2" name="Title 1">
+            <a:extLst>
+              <a:ext uri="{FF2B5EF4-FFF2-40B4-BE49-F238E27FC236}">
+                <a16:creationId xmlns:a16="http://schemas.microsoft.com/office/drawing/2014/main" id="{B38E8DCD-1D96-234B-A534-14F569C650F1}"/>
+              </a:ext>
+            </a:extLst>
+          </p:cNvPr>
+          <p:cNvSpPr>
+            <a:spLocks noGrp="1"/>
+          </p:cNvSpPr>
+          <p:nvPr>
+            <p:ph type="title"/>
+          </p:nvPr>
+        </p:nvSpPr>
+        <p:spPr/>
+        <p:txBody>
+          <a:bodyPr/>
+          <a:lstStyle/>
+          <a:p>
+            <a:r>
+              <a:rPr lang="tr-TR" dirty="0"/>
+              <a:t>Programlamaya Başlamak</a:t>
+            </a:r>
+          </a:p>
+        </p:txBody>
+      </p:sp>
+      <p:sp>
+        <p:nvSpPr>
           <p:cNvPr id="3" name="Content Placeholder 2">
             <a:extLst>
               <a:ext uri="{FF2B5EF4-FFF2-40B4-BE49-F238E27FC236}">
-                <a16:creationId xmlns:a16="http://schemas.microsoft.com/office/drawing/2014/main" id="{00F00442-3FEF-7941-9599-88C34AC5C9B2}"/>
+                <a16:creationId xmlns:a16="http://schemas.microsoft.com/office/drawing/2014/main" id="{F5E9DAF9-970C-8B4E-B0BC-F0AE6B4A807F}"/>
               </a:ext>
             </a:extLst>
           </p:cNvPr>
@@ -5735,228 +9485,60 @@
             <p:ph idx="1"/>
           </p:nvPr>
         </p:nvSpPr>
-        <p:spPr>
-          <a:xfrm>
-            <a:off x="354723" y="480300"/>
-            <a:ext cx="11511455" cy="5552637"/>
-          </a:xfrm>
-        </p:spPr>
-        <p:txBody>
-          <a:bodyPr>
-            <a:normAutofit/>
-          </a:bodyPr>
-          <a:lstStyle/>
-          <a:p>
-            <a:pPr marL="0" indent="0">
-              <a:buNone/>
-            </a:pPr>
-            <a:r>
-              <a:rPr lang="tr-TR" dirty="0">
-                <a:solidFill>
-                  <a:srgbClr val="C00000"/>
-                </a:solidFill>
-              </a:rPr>
-              <a:t>#</a:t>
-            </a:r>
-            <a:r>
-              <a:rPr lang="tr-TR" dirty="0" err="1">
-                <a:solidFill>
-                  <a:srgbClr val="C00000"/>
-                </a:solidFill>
-              </a:rPr>
-              <a:t>include</a:t>
-            </a:r>
-            <a:r>
-              <a:rPr lang="tr-TR" dirty="0">
-                <a:solidFill>
-                  <a:srgbClr val="C00000"/>
-                </a:solidFill>
-              </a:rPr>
-              <a:t> </a:t>
-            </a:r>
+        <p:spPr/>
+        <p:txBody>
+          <a:bodyPr/>
+          <a:lstStyle/>
+          <a:p>
             <a:r>
               <a:rPr lang="tr-TR" dirty="0"/>
-              <a:t>&lt;</a:t>
-            </a:r>
-            <a:r>
-              <a:rPr lang="tr-TR" dirty="0" err="1">
-                <a:solidFill>
-                  <a:srgbClr val="002060"/>
-                </a:solidFill>
-              </a:rPr>
-              <a:t>stdio.h</a:t>
-            </a:r>
+              <a:t>Bir beceri olarak programlamayı pasif olarak öğrenemezsiniz.</a:t>
+            </a:r>
+          </a:p>
+          <a:p>
             <a:r>
               <a:rPr lang="tr-TR" dirty="0"/>
-              <a:t>&gt;</a:t>
-            </a:r>
-          </a:p>
-          <a:p>
-            <a:pPr marL="0" indent="0">
-              <a:buNone/>
-            </a:pPr>
-            <a:endParaRPr lang="tr-TR" dirty="0"/>
-          </a:p>
-          <a:p>
-            <a:pPr marL="0" indent="0">
-              <a:buNone/>
-            </a:pPr>
-            <a:r>
-              <a:rPr lang="tr-TR" dirty="0" err="1">
-                <a:solidFill>
-                  <a:srgbClr val="C00000"/>
-                </a:solidFill>
-              </a:rPr>
-              <a:t>int</a:t>
-            </a:r>
+              <a:t>Denemekten korkmayın.</a:t>
+            </a:r>
+          </a:p>
+          <a:p>
             <a:r>
               <a:rPr lang="tr-TR" dirty="0"/>
-              <a:t> main(</a:t>
-            </a:r>
-            <a:r>
-              <a:rPr lang="tr-TR" dirty="0" err="1">
-                <a:solidFill>
-                  <a:srgbClr val="002060"/>
-                </a:solidFill>
-              </a:rPr>
-              <a:t>void</a:t>
-            </a:r>
+              <a:t>Küçük çapta öğrendiklerinizi uygulayacağınız bir program yazın.</a:t>
+            </a:r>
+          </a:p>
+          <a:p>
+            <a:pPr lvl="1"/>
             <a:r>
               <a:rPr lang="tr-TR" dirty="0"/>
-              <a:t>) {</a:t>
-            </a:r>
-          </a:p>
-          <a:p>
-            <a:pPr marL="0" indent="0">
-              <a:buNone/>
-            </a:pPr>
+              <a:t>Hesap Makinesi</a:t>
+            </a:r>
+          </a:p>
+          <a:p>
+            <a:pPr lvl="1"/>
             <a:r>
               <a:rPr lang="tr-TR" dirty="0"/>
-              <a:t>	</a:t>
-            </a:r>
-            <a:r>
-              <a:rPr lang="tr-TR" dirty="0" err="1">
-                <a:solidFill>
-                  <a:srgbClr val="C00000"/>
-                </a:solidFill>
-              </a:rPr>
-              <a:t>int</a:t>
-            </a:r>
+              <a:t>Parola Üretici</a:t>
+            </a:r>
+          </a:p>
+          <a:p>
+            <a:pPr lvl="1"/>
             <a:r>
               <a:rPr lang="tr-TR" dirty="0"/>
-              <a:t> </a:t>
-            </a:r>
-            <a:r>
-              <a:rPr lang="tr-TR" dirty="0" err="1"/>
-              <a:t>a,b,result</a:t>
-            </a:r>
+              <a:t>Taş, Kağıt, Makas</a:t>
+            </a:r>
+          </a:p>
+          <a:p>
+            <a:pPr lvl="1"/>
             <a:r>
               <a:rPr lang="tr-TR" dirty="0"/>
-              <a:t>;</a:t>
-            </a:r>
-          </a:p>
-          <a:p>
-            <a:pPr marL="0" indent="0">
-              <a:buNone/>
-            </a:pPr>
-            <a:endParaRPr lang="tr-TR" dirty="0"/>
-          </a:p>
-          <a:p>
-            <a:pPr marL="0" indent="0">
-              <a:buNone/>
-            </a:pPr>
-            <a:r>
-              <a:rPr lang="tr-TR" dirty="0"/>
-              <a:t>	</a:t>
-            </a:r>
-            <a:r>
-              <a:rPr lang="tr-TR" dirty="0" err="1"/>
-              <a:t>result</a:t>
-            </a:r>
-            <a:r>
-              <a:rPr lang="tr-TR" dirty="0"/>
-              <a:t> = </a:t>
-            </a:r>
-            <a:r>
-              <a:rPr lang="tr-TR" dirty="0" err="1"/>
-              <a:t>a+b</a:t>
-            </a:r>
-            <a:r>
-              <a:rPr lang="tr-TR" dirty="0"/>
-              <a:t>;</a:t>
-            </a:r>
-          </a:p>
-          <a:p>
-            <a:pPr marL="0" indent="0">
-              <a:buNone/>
-            </a:pPr>
-            <a:endParaRPr lang="tr-TR" dirty="0"/>
-          </a:p>
-          <a:p>
-            <a:pPr marL="0" indent="0">
-              <a:buNone/>
-            </a:pPr>
-            <a:r>
-              <a:rPr lang="tr-TR" dirty="0"/>
-              <a:t>	</a:t>
-            </a:r>
-            <a:r>
-              <a:rPr lang="tr-TR" dirty="0" err="1"/>
-              <a:t>printf</a:t>
-            </a:r>
-            <a:r>
-              <a:rPr lang="tr-TR" dirty="0"/>
-              <a:t>("</a:t>
-            </a:r>
-            <a:r>
-              <a:rPr lang="tr-TR" dirty="0">
-                <a:solidFill>
-                  <a:srgbClr val="0070C0"/>
-                </a:solidFill>
-              </a:rPr>
-              <a:t>a + b = %d</a:t>
-            </a:r>
-            <a:r>
-              <a:rPr lang="tr-TR" dirty="0"/>
-              <a:t>",</a:t>
-            </a:r>
-            <a:r>
-              <a:rPr lang="tr-TR" dirty="0" err="1"/>
-              <a:t>a+b</a:t>
-            </a:r>
-            <a:r>
-              <a:rPr lang="tr-TR" dirty="0"/>
-              <a:t>);   </a:t>
-            </a:r>
-          </a:p>
-          <a:p>
-            <a:pPr marL="0" indent="0">
-              <a:buNone/>
-            </a:pPr>
-            <a:r>
-              <a:rPr lang="tr-TR" dirty="0"/>
-              <a:t>    </a:t>
-            </a:r>
-            <a:r>
-              <a:rPr lang="tr-TR" dirty="0" err="1">
-                <a:solidFill>
-                  <a:srgbClr val="C00000"/>
-                </a:solidFill>
-              </a:rPr>
-              <a:t>return</a:t>
-            </a:r>
-            <a:r>
-              <a:rPr lang="tr-TR" dirty="0"/>
-              <a:t> 0;</a:t>
-            </a:r>
-          </a:p>
-          <a:p>
-            <a:pPr marL="0" indent="0">
-              <a:buNone/>
-            </a:pPr>
-            <a:r>
-              <a:rPr lang="tr-TR" dirty="0"/>
-              <a:t>}</a:t>
+              <a:t>Adam Asmaca</a:t>
+            </a:r>
+          </a:p>
+          <a:p>
+            <a:r>
+              <a:rPr lang="tr-TR" u="sng" dirty="0"/>
+              <a:t>İnterneti kullanın !!</a:t>
             </a:r>
           </a:p>
         </p:txBody>
@@ -5966,7 +9548,7 @@
           <p:cNvPr id="4" name="Date Placeholder 3">
             <a:extLst>
               <a:ext uri="{FF2B5EF4-FFF2-40B4-BE49-F238E27FC236}">
-                <a16:creationId xmlns:a16="http://schemas.microsoft.com/office/drawing/2014/main" id="{6EBE20B1-ACE9-F94A-AA7C-5C092F086557}"/>
+                <a16:creationId xmlns:a16="http://schemas.microsoft.com/office/drawing/2014/main" id="{11C35B4E-5A21-8048-94C0-785C83C603BA}"/>
               </a:ext>
             </a:extLst>
           </p:cNvPr>
@@ -5995,7 +9577,7 @@
           <p:cNvPr id="5" name="Slide Number Placeholder 4">
             <a:extLst>
               <a:ext uri="{FF2B5EF4-FFF2-40B4-BE49-F238E27FC236}">
-                <a16:creationId xmlns:a16="http://schemas.microsoft.com/office/drawing/2014/main" id="{54E76CB6-5C70-1C4F-9F7B-2A8086F36C95}"/>
+                <a16:creationId xmlns:a16="http://schemas.microsoft.com/office/drawing/2014/main" id="{CBFD9144-0B2D-6B40-B949-7C4CD09DB975}"/>
               </a:ext>
             </a:extLst>
           </p:cNvPr>
@@ -6022,7 +9604,7 @@
     </p:spTree>
     <p:extLst>
       <p:ext uri="{BB962C8B-B14F-4D97-AF65-F5344CB8AC3E}">
-        <p14:creationId xmlns:p14="http://schemas.microsoft.com/office/powerpoint/2010/main" val="4011332363"/>
+        <p14:creationId xmlns:p14="http://schemas.microsoft.com/office/powerpoint/2010/main" val="677929090"/>
       </p:ext>
     </p:extLst>
   </p:cSld>
@@ -6051,162 +9633,10 @@
       </p:grpSpPr>
       <p:sp>
         <p:nvSpPr>
-          <p:cNvPr id="2" name="Title 1">
-            <a:extLst>
-              <a:ext uri="{FF2B5EF4-FFF2-40B4-BE49-F238E27FC236}">
-                <a16:creationId xmlns:a16="http://schemas.microsoft.com/office/drawing/2014/main" id="{042929B4-0CFC-1146-8BBD-A9BE4EACE90D}"/>
-              </a:ext>
-            </a:extLst>
-          </p:cNvPr>
-          <p:cNvSpPr>
-            <a:spLocks noGrp="1"/>
-          </p:cNvSpPr>
-          <p:nvPr>
-            <p:ph type="title"/>
-          </p:nvPr>
-        </p:nvSpPr>
-        <p:spPr/>
-        <p:txBody>
-          <a:bodyPr/>
-          <a:lstStyle/>
-          <a:p>
-            <a:r>
-              <a:rPr lang="tr-TR" dirty="0"/>
-              <a:t>Makine Dili</a:t>
-            </a:r>
-          </a:p>
-        </p:txBody>
-      </p:sp>
-      <p:sp>
-        <p:nvSpPr>
-          <p:cNvPr id="3" name="Content Placeholder 2">
-            <a:extLst>
-              <a:ext uri="{FF2B5EF4-FFF2-40B4-BE49-F238E27FC236}">
-                <a16:creationId xmlns:a16="http://schemas.microsoft.com/office/drawing/2014/main" id="{1955A0C9-6458-414C-BFEE-7ED08A91BE35}"/>
-              </a:ext>
-            </a:extLst>
-          </p:cNvPr>
-          <p:cNvSpPr>
-            <a:spLocks noGrp="1"/>
-          </p:cNvSpPr>
-          <p:nvPr>
-            <p:ph idx="1"/>
-          </p:nvPr>
-        </p:nvSpPr>
-        <p:spPr/>
-        <p:txBody>
-          <a:bodyPr/>
-          <a:lstStyle/>
-          <a:p>
-            <a:r>
-              <a:rPr lang="tr-TR" dirty="0"/>
-              <a:t>Makine dili mikroişlemci ya da </a:t>
-            </a:r>
-            <a:r>
-              <a:rPr lang="tr-TR" dirty="0" err="1"/>
-              <a:t>mikrodenetleyici</a:t>
-            </a:r>
-            <a:r>
-              <a:rPr lang="tr-TR" dirty="0"/>
-              <a:t> gibi komut işleme yeteneğine sahip entegrelerin işleyebilecekleri, yapısına göre değişebilen ama genellikle her biri 8 adet 0-1'den (bit) ibaret komutlardan oluşan dile verilen addır.</a:t>
-            </a:r>
-          </a:p>
-          <a:p>
-            <a:r>
-              <a:rPr lang="tr-TR" dirty="0"/>
-              <a:t>Her bir komutun </a:t>
-            </a:r>
-            <a:r>
-              <a:rPr lang="tr-TR" i="1" dirty="0" err="1"/>
-              <a:t>mnemonic</a:t>
-            </a:r>
-            <a:r>
-              <a:rPr lang="tr-TR" dirty="0"/>
-              <a:t> olarak adlandırılan bir tanımı ve </a:t>
-            </a:r>
-            <a:r>
-              <a:rPr lang="tr-TR" i="1" dirty="0"/>
-              <a:t>op </a:t>
-            </a:r>
-            <a:r>
-              <a:rPr lang="tr-TR" i="1" dirty="0" err="1"/>
-              <a:t>code</a:t>
-            </a:r>
-            <a:r>
-              <a:rPr lang="tr-TR" dirty="0"/>
-              <a:t> olarak adlandırılan bir sayı karşılığı vardır. </a:t>
-            </a:r>
-            <a:r>
-              <a:rPr lang="tr-TR" dirty="0" err="1"/>
-              <a:t>Mnemonic'ler</a:t>
-            </a:r>
-            <a:r>
-              <a:rPr lang="tr-TR" dirty="0"/>
-              <a:t>, o op kodun ne işe yaradığını hatırda tutmaya yarar.</a:t>
-            </a:r>
-          </a:p>
-          <a:p>
-            <a:r>
-              <a:rPr lang="tr-TR" dirty="0"/>
-              <a:t>Örneğin Z-80 mikroişlemcisinde bulunan bir komutun </a:t>
-            </a:r>
-            <a:r>
-              <a:rPr lang="tr-TR" dirty="0" err="1"/>
-              <a:t>mnemonic'i</a:t>
-            </a:r>
-            <a:r>
-              <a:rPr lang="tr-TR" dirty="0"/>
-              <a:t> </a:t>
-            </a:r>
-            <a:r>
-              <a:rPr lang="tr-TR" i="1" dirty="0"/>
-              <a:t>Call </a:t>
-            </a:r>
-            <a:r>
-              <a:rPr lang="tr-TR" i="1" dirty="0" err="1"/>
-              <a:t>NN</a:t>
-            </a:r>
-            <a:r>
-              <a:rPr lang="tr-TR" dirty="0" err="1"/>
-              <a:t>dir</a:t>
-            </a:r>
-            <a:r>
-              <a:rPr lang="tr-TR" dirty="0"/>
-              <a:t> ve program yazarken </a:t>
-            </a:r>
-            <a:r>
-              <a:rPr lang="tr-TR" i="1" dirty="0"/>
-              <a:t>Call NN</a:t>
-            </a:r>
-            <a:r>
-              <a:rPr lang="tr-TR" dirty="0"/>
-              <a:t> </a:t>
-            </a:r>
-            <a:r>
-              <a:rPr lang="tr-TR" dirty="0" err="1"/>
-              <a:t>mnemonic'inin</a:t>
-            </a:r>
-            <a:r>
-              <a:rPr lang="tr-TR" dirty="0"/>
-              <a:t> op </a:t>
-            </a:r>
-            <a:r>
-              <a:rPr lang="tr-TR" dirty="0" err="1"/>
-              <a:t>code'u</a:t>
-            </a:r>
-            <a:r>
-              <a:rPr lang="tr-TR" dirty="0"/>
-              <a:t> olan "205" sayısı programa konur.</a:t>
-            </a:r>
-          </a:p>
-        </p:txBody>
-      </p:sp>
-      <p:sp>
-        <p:nvSpPr>
           <p:cNvPr id="4" name="Date Placeholder 3">
             <a:extLst>
               <a:ext uri="{FF2B5EF4-FFF2-40B4-BE49-F238E27FC236}">
-                <a16:creationId xmlns:a16="http://schemas.microsoft.com/office/drawing/2014/main" id="{E782A061-128A-364D-A2D8-8652B72BE6CC}"/>
+                <a16:creationId xmlns:a16="http://schemas.microsoft.com/office/drawing/2014/main" id="{239561C3-175D-584A-A18F-0059876E7DC8}"/>
               </a:ext>
             </a:extLst>
           </p:cNvPr>
@@ -6235,7 +9665,7 @@
           <p:cNvPr id="5" name="Slide Number Placeholder 4">
             <a:extLst>
               <a:ext uri="{FF2B5EF4-FFF2-40B4-BE49-F238E27FC236}">
-                <a16:creationId xmlns:a16="http://schemas.microsoft.com/office/drawing/2014/main" id="{A2A4BECE-7106-BF48-B0FC-A72EF754BFD5}"/>
+                <a16:creationId xmlns:a16="http://schemas.microsoft.com/office/drawing/2014/main" id="{28079C34-E3D6-E046-9E35-C2F3AABEA291}"/>
               </a:ext>
             </a:extLst>
           </p:cNvPr>
@@ -6259,10 +9689,38 @@
           </a:p>
         </p:txBody>
       </p:sp>
+      <p:graphicFrame>
+        <p:nvGraphicFramePr>
+          <p:cNvPr id="6" name="Diagram 5">
+            <a:extLst>
+              <a:ext uri="{FF2B5EF4-FFF2-40B4-BE49-F238E27FC236}">
+                <a16:creationId xmlns:a16="http://schemas.microsoft.com/office/drawing/2014/main" id="{2B53C28B-D4CF-724B-9F9E-8FFA8FC51251}"/>
+              </a:ext>
+            </a:extLst>
+          </p:cNvPr>
+          <p:cNvGraphicFramePr/>
+          <p:nvPr>
+            <p:extLst>
+              <p:ext uri="{D42A27DB-BD31-4B8C-83A1-F6EECF244321}">
+                <p14:modId xmlns:p14="http://schemas.microsoft.com/office/powerpoint/2010/main" val="1187847925"/>
+              </p:ext>
+            </p:extLst>
+          </p:nvPr>
+        </p:nvGraphicFramePr>
+        <p:xfrm>
+          <a:off x="2032000" y="719666"/>
+          <a:ext cx="8128000" cy="5418667"/>
+        </p:xfrm>
+        <a:graphic>
+          <a:graphicData uri="http://schemas.openxmlformats.org/drawingml/2006/diagram">
+            <dgm:relIds xmlns:dgm="http://schemas.openxmlformats.org/drawingml/2006/diagram" xmlns:r="http://schemas.openxmlformats.org/officeDocument/2006/relationships" r:dm="rId2" r:lo="rId3" r:qs="rId4" r:cs="rId5"/>
+          </a:graphicData>
+        </a:graphic>
+      </p:graphicFrame>
     </p:spTree>
     <p:extLst>
       <p:ext uri="{BB962C8B-B14F-4D97-AF65-F5344CB8AC3E}">
-        <p14:creationId xmlns:p14="http://schemas.microsoft.com/office/powerpoint/2010/main" val="194283634"/>
+        <p14:creationId xmlns:p14="http://schemas.microsoft.com/office/powerpoint/2010/main" val="1090480482"/>
       </p:ext>
     </p:extLst>
   </p:cSld>
@@ -6294,7 +9752,7 @@
           <p:cNvPr id="2" name="Title 1">
             <a:extLst>
               <a:ext uri="{FF2B5EF4-FFF2-40B4-BE49-F238E27FC236}">
-                <a16:creationId xmlns:a16="http://schemas.microsoft.com/office/drawing/2014/main" id="{48B88005-FFCC-0245-82DB-2D1A0A55AEC9}"/>
+                <a16:creationId xmlns:a16="http://schemas.microsoft.com/office/drawing/2014/main" id="{8E282CD7-3A56-E64F-93CA-D6C29A00E8AC}"/>
               </a:ext>
             </a:extLst>
           </p:cNvPr>
@@ -6312,7 +9770,7 @@
           <a:p>
             <a:r>
               <a:rPr lang="tr-TR" dirty="0"/>
-              <a:t>Assembly </a:t>
+              <a:t>Bilgi veri yapıları ile nasıl temsil edilir?</a:t>
             </a:r>
           </a:p>
         </p:txBody>
@@ -6322,7 +9780,7 @@
           <p:cNvPr id="3" name="Content Placeholder 2">
             <a:extLst>
               <a:ext uri="{FF2B5EF4-FFF2-40B4-BE49-F238E27FC236}">
-                <a16:creationId xmlns:a16="http://schemas.microsoft.com/office/drawing/2014/main" id="{4373DC56-E18B-E94E-80AD-6F6310AEB2FB}"/>
+                <a16:creationId xmlns:a16="http://schemas.microsoft.com/office/drawing/2014/main" id="{018E57A1-5960-C440-B49E-AEF88E9C6264}"/>
               </a:ext>
             </a:extLst>
           </p:cNvPr>
@@ -6340,27 +9798,46 @@
           <a:p>
             <a:r>
               <a:rPr lang="tr-TR" dirty="0"/>
-              <a:t>Makine dilini öğrenmek ve kullanmak zordur. Bu nedenle insanların anlayabileceğimiz bir dilde konuşup ardından işlemcinin diline çeviren yazılımlar geliştirilmiştir. Bunlara </a:t>
-            </a:r>
-            <a:r>
-              <a:rPr lang="tr-TR" b="1" dirty="0"/>
-              <a:t>derleyici</a:t>
-            </a:r>
+              <a:t>Objeler (Nesneler)</a:t>
+            </a:r>
+          </a:p>
+          <a:p>
+            <a:pPr lvl="1"/>
             <a:r>
               <a:rPr lang="tr-TR" dirty="0"/>
-              <a:t> denir. Derleyiciler de bir dile sahiptir fakat işlemcinin diline göre çok daha kolaydır. İşte bu derleyici dillerinden biri de </a:t>
-            </a:r>
-            <a:r>
-              <a:rPr lang="tr-TR" b="1" dirty="0" err="1"/>
-              <a:t>Assembly'</a:t>
-            </a:r>
-            <a:r>
-              <a:rPr lang="tr-TR" dirty="0" err="1"/>
-              <a:t>dir</a:t>
-            </a:r>
+              <a:t>Belirli birtakım metotlara ve/veya niteliklere sahip olan öğelere nesne adı verilir. Yani ‘nesne’ kelimesi, içinde birtakım metot ve/veya nitelikler barındıran öğeleri tanımlamak için kullanılan bir tabirden, basit bir isimlendirmeden ibarettir.</a:t>
+            </a:r>
+          </a:p>
+          <a:p>
+            <a:pPr lvl="1"/>
+            <a:endParaRPr lang="tr-TR" dirty="0"/>
+          </a:p>
+          <a:p>
+            <a:pPr lvl="1"/>
             <a:r>
               <a:rPr lang="tr-TR" dirty="0"/>
-              <a:t>. Çevirici dil, bilgisayar programlarının yazılmasında kullanılan alt seviyeli bir dildir.</a:t>
+              <a:t>Batuhan bir insandır.</a:t>
+            </a:r>
+          </a:p>
+          <a:p>
+            <a:pPr lvl="2"/>
+            <a:r>
+              <a:rPr lang="tr-TR" dirty="0"/>
+              <a:t>Konuşabilir, dinleyebilir, koşabilir, kod yazabilir etc.</a:t>
+            </a:r>
+          </a:p>
+          <a:p>
+            <a:pPr lvl="1"/>
+            <a:r>
+              <a:rPr lang="tr-TR" dirty="0"/>
+              <a:t>Bilgisayar bir makinedir.</a:t>
+            </a:r>
+          </a:p>
+          <a:p>
+            <a:pPr lvl="2"/>
+            <a:r>
+              <a:rPr lang="tr-TR" dirty="0"/>
+              <a:t>Bozulabilir, kırılabilir, işlem yapabilir etc.</a:t>
             </a:r>
           </a:p>
         </p:txBody>
@@ -6370,7 +9847,7 @@
           <p:cNvPr id="4" name="Date Placeholder 3">
             <a:extLst>
               <a:ext uri="{FF2B5EF4-FFF2-40B4-BE49-F238E27FC236}">
-                <a16:creationId xmlns:a16="http://schemas.microsoft.com/office/drawing/2014/main" id="{5A9AE38F-A9CC-6F4A-963E-D42F0294645F}"/>
+                <a16:creationId xmlns:a16="http://schemas.microsoft.com/office/drawing/2014/main" id="{8BDF3458-A264-DB46-9063-E9BEF0B6D6E3}"/>
               </a:ext>
             </a:extLst>
           </p:cNvPr>
@@ -6399,7 +9876,7 @@
           <p:cNvPr id="5" name="Slide Number Placeholder 4">
             <a:extLst>
               <a:ext uri="{FF2B5EF4-FFF2-40B4-BE49-F238E27FC236}">
-                <a16:creationId xmlns:a16="http://schemas.microsoft.com/office/drawing/2014/main" id="{CCA0639A-2E7F-6242-88D2-CB250359F1A1}"/>
+                <a16:creationId xmlns:a16="http://schemas.microsoft.com/office/drawing/2014/main" id="{5DF9BA5E-BB07-8B4F-9B33-8759238E2C2F}"/>
               </a:ext>
             </a:extLst>
           </p:cNvPr>
@@ -6426,7 +9903,7 @@
     </p:spTree>
     <p:extLst>
       <p:ext uri="{BB962C8B-B14F-4D97-AF65-F5344CB8AC3E}">
-        <p14:creationId xmlns:p14="http://schemas.microsoft.com/office/powerpoint/2010/main" val="1024684645"/>
+        <p14:creationId xmlns:p14="http://schemas.microsoft.com/office/powerpoint/2010/main" val="1686906663"/>
       </p:ext>
     </p:extLst>
   </p:cSld>
@@ -6458,7 +9935,7 @@
           <p:cNvPr id="2" name="Title 1">
             <a:extLst>
               <a:ext uri="{FF2B5EF4-FFF2-40B4-BE49-F238E27FC236}">
-                <a16:creationId xmlns:a16="http://schemas.microsoft.com/office/drawing/2014/main" id="{B9137A2E-F4ED-0642-891E-FD5E24589E1D}"/>
+                <a16:creationId xmlns:a16="http://schemas.microsoft.com/office/drawing/2014/main" id="{D6233FA0-276B-5641-8FC4-647FCF530E63}"/>
               </a:ext>
             </a:extLst>
           </p:cNvPr>
@@ -6476,7 +9953,59 @@
           <a:p>
             <a:r>
               <a:rPr lang="tr-TR" dirty="0"/>
-              <a:t>Assembly ve Makine Dili</a:t>
+              <a:t>Nesne Tipleri</a:t>
+            </a:r>
+          </a:p>
+        </p:txBody>
+      </p:sp>
+      <p:sp>
+        <p:nvSpPr>
+          <p:cNvPr id="3" name="Content Placeholder 2">
+            <a:extLst>
+              <a:ext uri="{FF2B5EF4-FFF2-40B4-BE49-F238E27FC236}">
+                <a16:creationId xmlns:a16="http://schemas.microsoft.com/office/drawing/2014/main" id="{FA4F0C0F-5F20-4B43-BE12-5B5D5618F3B1}"/>
+              </a:ext>
+            </a:extLst>
+          </p:cNvPr>
+          <p:cNvSpPr>
+            <a:spLocks noGrp="1"/>
+          </p:cNvSpPr>
+          <p:nvPr>
+            <p:ph idx="1"/>
+          </p:nvPr>
+        </p:nvSpPr>
+        <p:spPr/>
+        <p:txBody>
+          <a:bodyPr/>
+          <a:lstStyle/>
+          <a:p>
+            <a:r>
+              <a:rPr lang="tr-TR" dirty="0"/>
+              <a:t>Skaler nesneler</a:t>
+            </a:r>
+          </a:p>
+          <a:p>
+            <a:pPr lvl="1"/>
+            <a:r>
+              <a:rPr lang="tr-TR" dirty="0"/>
+              <a:t>Daha küçük parçalara bölünemeyen tip. Örneğin numaralar ve karakterler.</a:t>
+            </a:r>
+          </a:p>
+          <a:p>
+            <a:pPr lvl="1"/>
+            <a:endParaRPr lang="tr-TR" dirty="0"/>
+          </a:p>
+          <a:p>
+            <a:r>
+              <a:rPr lang="tr-TR" dirty="0"/>
+              <a:t>Skaler olmayan nesneler</a:t>
+            </a:r>
+          </a:p>
+          <a:p>
+            <a:pPr lvl="1"/>
+            <a:r>
+              <a:rPr lang="tr-TR" dirty="0"/>
+              <a:t>Daha küçük parçalara ayrılabilen nesneler. Örneğin Listeler.</a:t>
             </a:r>
           </a:p>
         </p:txBody>
@@ -6486,7 +10015,7 @@
           <p:cNvPr id="4" name="Date Placeholder 3">
             <a:extLst>
               <a:ext uri="{FF2B5EF4-FFF2-40B4-BE49-F238E27FC236}">
-                <a16:creationId xmlns:a16="http://schemas.microsoft.com/office/drawing/2014/main" id="{A1033918-92DC-AB4D-9938-6B5856AD4381}"/>
+                <a16:creationId xmlns:a16="http://schemas.microsoft.com/office/drawing/2014/main" id="{10915C89-F4E9-1047-B209-67C619CC86CC}"/>
               </a:ext>
             </a:extLst>
           </p:cNvPr>
@@ -6515,7 +10044,7 @@
           <p:cNvPr id="5" name="Slide Number Placeholder 4">
             <a:extLst>
               <a:ext uri="{FF2B5EF4-FFF2-40B4-BE49-F238E27FC236}">
-                <a16:creationId xmlns:a16="http://schemas.microsoft.com/office/drawing/2014/main" id="{E51C2469-92A2-3844-9BBA-00A21CB64815}"/>
+                <a16:creationId xmlns:a16="http://schemas.microsoft.com/office/drawing/2014/main" id="{C7CA4345-7CD2-5546-BA34-32EB80B1D069}"/>
               </a:ext>
             </a:extLst>
           </p:cNvPr>
@@ -6539,40 +10068,10 @@
           </a:p>
         </p:txBody>
       </p:sp>
-      <p:pic>
-        <p:nvPicPr>
-          <p:cNvPr id="9" name="Picture 8">
-            <a:extLst>
-              <a:ext uri="{FF2B5EF4-FFF2-40B4-BE49-F238E27FC236}">
-                <a16:creationId xmlns:a16="http://schemas.microsoft.com/office/drawing/2014/main" id="{B672F362-EBB9-F343-A6FF-E989BE4D67E3}"/>
-              </a:ext>
-            </a:extLst>
-          </p:cNvPr>
-          <p:cNvPicPr>
-            <a:picLocks noChangeAspect="1"/>
-          </p:cNvPicPr>
-          <p:nvPr/>
-        </p:nvPicPr>
-        <p:blipFill>
-          <a:blip r:embed="rId2"/>
-          <a:stretch>
-            <a:fillRect/>
-          </a:stretch>
-        </p:blipFill>
-        <p:spPr>
-          <a:xfrm>
-            <a:off x="2693987" y="2185194"/>
-            <a:ext cx="6502400" cy="3505200"/>
-          </a:xfrm>
-          <a:prstGeom prst="rect">
-            <a:avLst/>
-          </a:prstGeom>
-        </p:spPr>
-      </p:pic>
     </p:spTree>
     <p:extLst>
       <p:ext uri="{BB962C8B-B14F-4D97-AF65-F5344CB8AC3E}">
-        <p14:creationId xmlns:p14="http://schemas.microsoft.com/office/powerpoint/2010/main" val="3498730781"/>
+        <p14:creationId xmlns:p14="http://schemas.microsoft.com/office/powerpoint/2010/main" val="956917466"/>
       </p:ext>
     </p:extLst>
   </p:cSld>
@@ -6604,7 +10103,7 @@
           <p:cNvPr id="2" name="Title 1">
             <a:extLst>
               <a:ext uri="{FF2B5EF4-FFF2-40B4-BE49-F238E27FC236}">
-                <a16:creationId xmlns:a16="http://schemas.microsoft.com/office/drawing/2014/main" id="{91323331-E0E8-2D4A-995E-9C2E696E93E7}"/>
+                <a16:creationId xmlns:a16="http://schemas.microsoft.com/office/drawing/2014/main" id="{F4015C51-6854-FA47-ABE8-708AF75CE8D6}"/>
               </a:ext>
             </a:extLst>
           </p:cNvPr>
@@ -6615,77 +10114,89 @@
             <p:ph type="title"/>
           </p:nvPr>
         </p:nvSpPr>
-        <p:spPr>
-          <a:xfrm>
-            <a:off x="838200" y="365125"/>
-            <a:ext cx="11542986" cy="1325563"/>
-          </a:xfrm>
-        </p:spPr>
+        <p:spPr/>
+        <p:txBody>
+          <a:bodyPr/>
+          <a:lstStyle/>
+          <a:p>
+            <a:r>
+              <a:rPr lang="en-US" dirty="0"/>
+              <a:t>Bilgi Tipleri </a:t>
+            </a:r>
+            <a:endParaRPr dirty="0"/>
+          </a:p>
+        </p:txBody>
+      </p:sp>
+      <p:sp>
+        <p:nvSpPr>
+          <p:cNvPr id="3" name="Content Placeholder 2">
+            <a:extLst>
+              <a:ext uri="{FF2B5EF4-FFF2-40B4-BE49-F238E27FC236}">
+                <a16:creationId xmlns:a16="http://schemas.microsoft.com/office/drawing/2014/main" id="{5839892F-1FCA-2049-8A37-4A8130C0B3CE}"/>
+              </a:ext>
+            </a:extLst>
+          </p:cNvPr>
+          <p:cNvSpPr>
+            <a:spLocks noGrp="1"/>
+          </p:cNvSpPr>
+          <p:nvPr>
+            <p:ph idx="1"/>
+          </p:nvPr>
+        </p:nvSpPr>
+        <p:spPr/>
         <p:txBody>
           <a:bodyPr>
             <a:normAutofit/>
           </a:bodyPr>
           <a:lstStyle/>
           <a:p>
-            <a:r>
-              <a:rPr lang="tr-TR" dirty="0"/>
-              <a:t>Derleyici(Compiler) ve Yorumlayıcı(Interpreter)</a:t>
-            </a:r>
-          </a:p>
-        </p:txBody>
-      </p:sp>
-      <p:sp>
-        <p:nvSpPr>
-          <p:cNvPr id="3" name="Content Placeholder 2">
-            <a:extLst>
-              <a:ext uri="{FF2B5EF4-FFF2-40B4-BE49-F238E27FC236}">
-                <a16:creationId xmlns:a16="http://schemas.microsoft.com/office/drawing/2014/main" id="{E6CCB8F0-F21A-4F48-AE13-2DC194106EEB}"/>
-              </a:ext>
-            </a:extLst>
-          </p:cNvPr>
-          <p:cNvSpPr>
-            <a:spLocks noGrp="1"/>
-          </p:cNvSpPr>
-          <p:nvPr>
-            <p:ph idx="1"/>
-          </p:nvPr>
-        </p:nvSpPr>
-        <p:spPr/>
-        <p:txBody>
-          <a:bodyPr/>
-          <a:lstStyle/>
-          <a:p>
-            <a:r>
-              <a:rPr lang="tr-TR" dirty="0"/>
-              <a:t>Bahsettiğim üzere derlenen diller çalıştırılmadan önce makine diline derleyiciler tarafından tercüme edilmesi gerekir.</a:t>
-            </a:r>
-          </a:p>
-          <a:p>
             <a:pPr marL="0" indent="0">
               <a:buNone/>
             </a:pPr>
+            <a:r>
+              <a:rPr lang="tr-TR" dirty="0"/>
+              <a:t>Bildirimsel Bilgi</a:t>
+            </a:r>
+          </a:p>
+          <a:p>
+            <a:pPr lvl="1"/>
+            <a:r>
+              <a:rPr lang="tr-TR" dirty="0"/>
+              <a:t>Gerçeklerin ifade edilmesi. Örneğin ’Ders sonunda bir kişi kahve kazanacak.’</a:t>
+            </a:r>
+          </a:p>
+          <a:p>
+            <a:pPr lvl="1"/>
             <a:endParaRPr lang="tr-TR" dirty="0"/>
           </a:p>
           <a:p>
+            <a:pPr marL="0" indent="0">
+              <a:buNone/>
+            </a:pPr>
             <a:r>
               <a:rPr lang="tr-TR" dirty="0"/>
-              <a:t>Yorumlayıcı, kaynak kodu komut komut okuyup üzerinde çalışılan makinenin komut setine çevirerek çalıştıran bir programdır. Yorumlanarak çalıştırılan yüksek seviyeli diller doğrudan yorumlanmazlar. Genellikle bir ara forma(</a:t>
-            </a:r>
-            <a:r>
-              <a:rPr lang="tr-TR" dirty="0" err="1"/>
-              <a:t>Opcode</a:t>
-            </a:r>
+              <a:t>Emirsel Bilgi</a:t>
+            </a:r>
+          </a:p>
+          <a:p>
+            <a:pPr lvl="1"/>
             <a:r>
               <a:rPr lang="tr-TR" dirty="0"/>
-              <a:t>, </a:t>
-            </a:r>
-            <a:r>
-              <a:rPr lang="tr-TR" dirty="0" err="1"/>
-              <a:t>Bytecode</a:t>
-            </a:r>
+              <a:t>Bir tarif verilmesi veya nasıl yapılacağının belirtilmesi.</a:t>
+            </a:r>
+          </a:p>
+          <a:p>
+            <a:pPr lvl="2"/>
             <a:r>
               <a:rPr lang="tr-TR" dirty="0"/>
-              <a:t> vs.) derlenir ve bu kodlar yorumlanarak yerel makine diline çevrilir ve işletilir. Python gibi yorumlanan diller aslında yorumlama aşamasına geçilmeden önce en az 1 kere derlenirler.</a:t>
+              <a:t>1- Batuhan Python üzerinden rastgele bir sayı üretir.</a:t>
+            </a:r>
+          </a:p>
+          <a:p>
+            <a:pPr lvl="2"/>
+            <a:r>
+              <a:rPr lang="tr-TR" dirty="0"/>
+              <a:t>2- Batuhan kişi listesinden sayıyı bulur ve kazananı belirler.</a:t>
             </a:r>
           </a:p>
         </p:txBody>
@@ -6695,7 +10206,7 @@
           <p:cNvPr id="4" name="Date Placeholder 3">
             <a:extLst>
               <a:ext uri="{FF2B5EF4-FFF2-40B4-BE49-F238E27FC236}">
-                <a16:creationId xmlns:a16="http://schemas.microsoft.com/office/drawing/2014/main" id="{E82D68ED-B44D-F44A-9D02-810B047D4D3B}"/>
+                <a16:creationId xmlns:a16="http://schemas.microsoft.com/office/drawing/2014/main" id="{15BF110A-69F9-BF4D-B391-B27C78BA3EC5}"/>
               </a:ext>
             </a:extLst>
           </p:cNvPr>
@@ -6724,7 +10235,7 @@
           <p:cNvPr id="5" name="Slide Number Placeholder 4">
             <a:extLst>
               <a:ext uri="{FF2B5EF4-FFF2-40B4-BE49-F238E27FC236}">
-                <a16:creationId xmlns:a16="http://schemas.microsoft.com/office/drawing/2014/main" id="{2A7DA56E-4868-3149-9A96-60659332E995}"/>
+                <a16:creationId xmlns:a16="http://schemas.microsoft.com/office/drawing/2014/main" id="{6A634B4C-18E4-3F42-9685-D3CFB4337D3F}"/>
               </a:ext>
             </a:extLst>
           </p:cNvPr>
@@ -6751,7 +10262,7 @@
     </p:spTree>
     <p:extLst>
       <p:ext uri="{BB962C8B-B14F-4D97-AF65-F5344CB8AC3E}">
-        <p14:creationId xmlns:p14="http://schemas.microsoft.com/office/powerpoint/2010/main" val="4164482068"/>
+        <p14:creationId xmlns:p14="http://schemas.microsoft.com/office/powerpoint/2010/main" val="1118790915"/>
       </p:ext>
     </p:extLst>
   </p:cSld>

--- a/Introduction to Python /lec01.pptx
+++ b/Introduction to Python /lec01.pptx
@@ -5,7 +5,7 @@
     <p:sldMasterId id="2147483648" r:id="rId1"/>
   </p:sldMasterIdLst>
   <p:notesMasterIdLst>
-    <p:notesMasterId r:id="rId24"/>
+    <p:notesMasterId r:id="rId26"/>
   </p:notesMasterIdLst>
   <p:sldIdLst>
     <p:sldId id="256" r:id="rId2"/>
@@ -14,22 +14,24 @@
     <p:sldId id="258" r:id="rId5"/>
     <p:sldId id="273" r:id="rId6"/>
     <p:sldId id="274" r:id="rId7"/>
-    <p:sldId id="275" r:id="rId8"/>
-    <p:sldId id="276" r:id="rId9"/>
-    <p:sldId id="271" r:id="rId10"/>
-    <p:sldId id="272" r:id="rId11"/>
-    <p:sldId id="277" r:id="rId12"/>
-    <p:sldId id="262" r:id="rId13"/>
-    <p:sldId id="260" r:id="rId14"/>
-    <p:sldId id="261" r:id="rId15"/>
-    <p:sldId id="263" r:id="rId16"/>
-    <p:sldId id="264" r:id="rId17"/>
-    <p:sldId id="265" r:id="rId18"/>
-    <p:sldId id="269" r:id="rId19"/>
-    <p:sldId id="266" r:id="rId20"/>
-    <p:sldId id="267" r:id="rId21"/>
-    <p:sldId id="268" r:id="rId22"/>
-    <p:sldId id="270" r:id="rId23"/>
+    <p:sldId id="278" r:id="rId8"/>
+    <p:sldId id="279" r:id="rId9"/>
+    <p:sldId id="275" r:id="rId10"/>
+    <p:sldId id="276" r:id="rId11"/>
+    <p:sldId id="271" r:id="rId12"/>
+    <p:sldId id="272" r:id="rId13"/>
+    <p:sldId id="277" r:id="rId14"/>
+    <p:sldId id="262" r:id="rId15"/>
+    <p:sldId id="260" r:id="rId16"/>
+    <p:sldId id="261" r:id="rId17"/>
+    <p:sldId id="263" r:id="rId18"/>
+    <p:sldId id="264" r:id="rId19"/>
+    <p:sldId id="265" r:id="rId20"/>
+    <p:sldId id="269" r:id="rId21"/>
+    <p:sldId id="266" r:id="rId22"/>
+    <p:sldId id="267" r:id="rId23"/>
+    <p:sldId id="268" r:id="rId24"/>
+    <p:sldId id="270" r:id="rId25"/>
   </p:sldIdLst>
   <p:sldSz cx="12192000" cy="6858000"/>
   <p:notesSz cx="6858000" cy="9144000"/>
@@ -2826,7 +2828,7 @@
           <a:p>
             <a:fld id="{2ABC0799-7251-C044-9682-4B0D99C9A35B}" type="datetimeFigureOut">
               <a:rPr lang="tr-TR" smtClean="0"/>
-              <a:t>23.11.2019</a:t>
+              <a:t>25.11.2019</a:t>
             </a:fld>
             <a:endParaRPr lang="tr-TR"/>
           </a:p>
@@ -6594,7 +6596,7 @@
           <p:cNvPr id="2" name="Title 1">
             <a:extLst>
               <a:ext uri="{FF2B5EF4-FFF2-40B4-BE49-F238E27FC236}">
-                <a16:creationId xmlns:a16="http://schemas.microsoft.com/office/drawing/2014/main" id="{C52F0A68-EB96-2643-B919-4635444A5CF3}"/>
+                <a16:creationId xmlns:a16="http://schemas.microsoft.com/office/drawing/2014/main" id="{D6233FA0-276B-5641-8FC4-647FCF530E63}"/>
               </a:ext>
             </a:extLst>
           </p:cNvPr>
@@ -6612,9 +6614,8 @@
           <a:p>
             <a:r>
               <a:rPr lang="tr-TR" dirty="0"/>
-              <a:t>Emirsel Bilgi</a:t>
-            </a:r>
-            <a:endParaRPr dirty="0"/>
+              <a:t>Nesne Tipleri</a:t>
+            </a:r>
           </a:p>
         </p:txBody>
       </p:sp>
@@ -6623,7 +6624,7 @@
           <p:cNvPr id="3" name="Content Placeholder 2">
             <a:extLst>
               <a:ext uri="{FF2B5EF4-FFF2-40B4-BE49-F238E27FC236}">
-                <a16:creationId xmlns:a16="http://schemas.microsoft.com/office/drawing/2014/main" id="{76210A91-6633-354D-AAF2-65546ED1E37E}"/>
+                <a16:creationId xmlns:a16="http://schemas.microsoft.com/office/drawing/2014/main" id="{FA4F0C0F-5F20-4B43-BE12-5B5D5618F3B1}"/>
               </a:ext>
             </a:extLst>
           </p:cNvPr>
@@ -6641,19 +6642,31 @@
           <a:p>
             <a:r>
               <a:rPr lang="tr-TR" dirty="0"/>
-              <a:t>Basit adımların sıralı bir şekilde verilmesi.</a:t>
-            </a:r>
-          </a:p>
-          <a:p>
+              <a:t>Skaler nesneler</a:t>
+            </a:r>
+          </a:p>
+          <a:p>
+            <a:pPr lvl="1"/>
             <a:r>
               <a:rPr lang="tr-TR" dirty="0"/>
-              <a:t>Kontrol akışı, gerçekleştirilen adımların sırasının belirtilmesi</a:t>
-            </a:r>
+              <a:t>Daha küçük parçalara bölünemeyen tip. Örneğin numaralar ve karakterler.</a:t>
+            </a:r>
+          </a:p>
+          <a:p>
+            <a:pPr lvl="1"/>
+            <a:endParaRPr lang="tr-TR" dirty="0"/>
           </a:p>
           <a:p>
             <a:r>
               <a:rPr lang="tr-TR" dirty="0"/>
-              <a:t>Programın duracağı zamanı belirlemek</a:t>
+              <a:t>Skaler olmayan nesneler</a:t>
+            </a:r>
+          </a:p>
+          <a:p>
+            <a:pPr lvl="1"/>
+            <a:r>
+              <a:rPr lang="tr-TR" dirty="0"/>
+              <a:t>Daha küçük parçalara ayrılabilen nesneler. Örneğin Listeler.</a:t>
             </a:r>
           </a:p>
         </p:txBody>
@@ -6663,7 +6676,7 @@
           <p:cNvPr id="4" name="Date Placeholder 3">
             <a:extLst>
               <a:ext uri="{FF2B5EF4-FFF2-40B4-BE49-F238E27FC236}">
-                <a16:creationId xmlns:a16="http://schemas.microsoft.com/office/drawing/2014/main" id="{3A25CC33-837A-5444-B191-A6DAD8374EC0}"/>
+                <a16:creationId xmlns:a16="http://schemas.microsoft.com/office/drawing/2014/main" id="{10915C89-F4E9-1047-B209-67C619CC86CC}"/>
               </a:ext>
             </a:extLst>
           </p:cNvPr>
@@ -6692,7 +6705,7 @@
           <p:cNvPr id="5" name="Slide Number Placeholder 4">
             <a:extLst>
               <a:ext uri="{FF2B5EF4-FFF2-40B4-BE49-F238E27FC236}">
-                <a16:creationId xmlns:a16="http://schemas.microsoft.com/office/drawing/2014/main" id="{A14D77BC-1C9D-A54B-91A3-FB6967302CAD}"/>
+                <a16:creationId xmlns:a16="http://schemas.microsoft.com/office/drawing/2014/main" id="{C7CA4345-7CD2-5546-BA34-32EB80B1D069}"/>
               </a:ext>
             </a:extLst>
           </p:cNvPr>
@@ -6719,7 +6732,7 @@
     </p:spTree>
     <p:extLst>
       <p:ext uri="{BB962C8B-B14F-4D97-AF65-F5344CB8AC3E}">
-        <p14:creationId xmlns:p14="http://schemas.microsoft.com/office/powerpoint/2010/main" val="848420845"/>
+        <p14:creationId xmlns:p14="http://schemas.microsoft.com/office/powerpoint/2010/main" val="956917466"/>
       </p:ext>
     </p:extLst>
   </p:cSld>
@@ -6751,7 +6764,7 @@
           <p:cNvPr id="2" name="Title 1">
             <a:extLst>
               <a:ext uri="{FF2B5EF4-FFF2-40B4-BE49-F238E27FC236}">
-                <a16:creationId xmlns:a16="http://schemas.microsoft.com/office/drawing/2014/main" id="{6C1A919E-7C02-2F40-82B5-77D423356187}"/>
+                <a16:creationId xmlns:a16="http://schemas.microsoft.com/office/drawing/2014/main" id="{F4015C51-6854-FA47-ABE8-708AF75CE8D6}"/>
               </a:ext>
             </a:extLst>
           </p:cNvPr>
@@ -6768,36 +6781,83 @@
           <a:lstStyle/>
           <a:p>
             <a:r>
+              <a:rPr lang="en-US" dirty="0"/>
+              <a:t>Bilgi Tipleri </a:t>
+            </a:r>
+            <a:endParaRPr dirty="0"/>
+          </a:p>
+        </p:txBody>
+      </p:sp>
+      <p:sp>
+        <p:nvSpPr>
+          <p:cNvPr id="3" name="Content Placeholder 2">
+            <a:extLst>
+              <a:ext uri="{FF2B5EF4-FFF2-40B4-BE49-F238E27FC236}">
+                <a16:creationId xmlns:a16="http://schemas.microsoft.com/office/drawing/2014/main" id="{5839892F-1FCA-2049-8A37-4A8130C0B3CE}"/>
+              </a:ext>
+            </a:extLst>
+          </p:cNvPr>
+          <p:cNvSpPr>
+            <a:spLocks noGrp="1"/>
+          </p:cNvSpPr>
+          <p:nvPr>
+            <p:ph idx="1"/>
+          </p:nvPr>
+        </p:nvSpPr>
+        <p:spPr/>
+        <p:txBody>
+          <a:bodyPr>
+            <a:normAutofit/>
+          </a:bodyPr>
+          <a:lstStyle/>
+          <a:p>
+            <a:pPr marL="0" indent="0">
+              <a:buNone/>
+            </a:pPr>
+            <a:r>
               <a:rPr lang="tr-TR" dirty="0"/>
-              <a:t>Kontrol Akışı</a:t>
-            </a:r>
-          </a:p>
-        </p:txBody>
-      </p:sp>
-      <p:sp>
-        <p:nvSpPr>
-          <p:cNvPr id="3" name="Content Placeholder 2">
-            <a:extLst>
-              <a:ext uri="{FF2B5EF4-FFF2-40B4-BE49-F238E27FC236}">
-                <a16:creationId xmlns:a16="http://schemas.microsoft.com/office/drawing/2014/main" id="{24DB90ED-8A9B-AC48-B418-9CEF7E64C3DA}"/>
-              </a:ext>
-            </a:extLst>
-          </p:cNvPr>
-          <p:cNvSpPr>
-            <a:spLocks noGrp="1"/>
-          </p:cNvSpPr>
-          <p:nvPr>
-            <p:ph idx="1"/>
-          </p:nvPr>
-        </p:nvSpPr>
-        <p:spPr/>
-        <p:txBody>
-          <a:bodyPr/>
-          <a:lstStyle/>
-          <a:p>
+              <a:t>Bildirimsel Bilgi</a:t>
+            </a:r>
+          </a:p>
+          <a:p>
+            <a:pPr lvl="1"/>
             <a:r>
               <a:rPr lang="tr-TR" dirty="0"/>
-              <a:t>Programlamada, kontrol akışı fonksiyon çağrılarını, talimatları ve ifadelerin gerçekleşme sırasını kontrol eder.</a:t>
+              <a:t>Gerçeklerin ifade edilmesi. Örneğin ’Ders sonunda bir kişi kahve kazanacak.’</a:t>
+            </a:r>
+          </a:p>
+          <a:p>
+            <a:pPr lvl="1"/>
+            <a:endParaRPr lang="tr-TR" dirty="0"/>
+          </a:p>
+          <a:p>
+            <a:pPr marL="0" indent="0">
+              <a:buNone/>
+            </a:pPr>
+            <a:r>
+              <a:rPr lang="tr-TR" dirty="0"/>
+              <a:t>Emirsel Bilgi</a:t>
+            </a:r>
+          </a:p>
+          <a:p>
+            <a:pPr lvl="1"/>
+            <a:r>
+              <a:rPr lang="tr-TR" dirty="0"/>
+              <a:t>Bir tarif verilmesi veya nasıl yapılacağının belirtilmesi.</a:t>
+            </a:r>
+          </a:p>
+          <a:p>
+            <a:pPr lvl="2"/>
+            <a:r>
+              <a:rPr lang="tr-TR" dirty="0"/>
+              <a:t>1- Batuhan Python üzerinden rastgele bir sayı üretir.</a:t>
+            </a:r>
+          </a:p>
+          <a:p>
+            <a:pPr lvl="2"/>
+            <a:r>
+              <a:rPr lang="tr-TR" dirty="0"/>
+              <a:t>2- Batuhan kişi listesinden sayıyı bulur ve kazananı belirler.</a:t>
             </a:r>
           </a:p>
         </p:txBody>
@@ -6807,7 +6867,7 @@
           <p:cNvPr id="4" name="Date Placeholder 3">
             <a:extLst>
               <a:ext uri="{FF2B5EF4-FFF2-40B4-BE49-F238E27FC236}">
-                <a16:creationId xmlns:a16="http://schemas.microsoft.com/office/drawing/2014/main" id="{7E0A08CF-C071-8048-AD7E-2AED6B9F1063}"/>
+                <a16:creationId xmlns:a16="http://schemas.microsoft.com/office/drawing/2014/main" id="{15BF110A-69F9-BF4D-B391-B27C78BA3EC5}"/>
               </a:ext>
             </a:extLst>
           </p:cNvPr>
@@ -6836,7 +6896,7 @@
           <p:cNvPr id="5" name="Slide Number Placeholder 4">
             <a:extLst>
               <a:ext uri="{FF2B5EF4-FFF2-40B4-BE49-F238E27FC236}">
-                <a16:creationId xmlns:a16="http://schemas.microsoft.com/office/drawing/2014/main" id="{9A18630F-2BBF-6F43-B2E4-8C4A3CFA8687}"/>
+                <a16:creationId xmlns:a16="http://schemas.microsoft.com/office/drawing/2014/main" id="{6A634B4C-18E4-3F42-9685-D3CFB4337D3F}"/>
               </a:ext>
             </a:extLst>
           </p:cNvPr>
@@ -6863,13 +6923,341 @@
     </p:spTree>
     <p:extLst>
       <p:ext uri="{BB962C8B-B14F-4D97-AF65-F5344CB8AC3E}">
-        <p14:creationId xmlns:p14="http://schemas.microsoft.com/office/powerpoint/2010/main" val="3517415651"/>
+        <p14:creationId xmlns:p14="http://schemas.microsoft.com/office/powerpoint/2010/main" val="1118790915"/>
       </p:ext>
     </p:extLst>
   </p:cSld>
   <p:clrMapOvr>
     <a:masterClrMapping/>
   </p:clrMapOvr>
+  <p:timing>
+    <p:tnLst>
+      <p:par>
+        <p:cTn id="1" dur="indefinite" restart="never" nodeType="tmRoot">
+          <p:childTnLst>
+            <p:seq concurrent="1" nextAc="seek">
+              <p:cTn id="2" dur="indefinite" nodeType="mainSeq">
+                <p:childTnLst>
+                  <p:par>
+                    <p:cTn id="3" fill="hold">
+                      <p:stCondLst>
+                        <p:cond delay="indefinite"/>
+                      </p:stCondLst>
+                      <p:childTnLst>
+                        <p:par>
+                          <p:cTn id="4" fill="hold">
+                            <p:stCondLst>
+                              <p:cond delay="0"/>
+                            </p:stCondLst>
+                            <p:childTnLst>
+                              <p:par>
+                                <p:cTn id="5" presetID="12" presetClass="entr" presetSubtype="4" fill="hold" nodeType="clickEffect">
+                                  <p:stCondLst>
+                                    <p:cond delay="0"/>
+                                  </p:stCondLst>
+                                  <p:childTnLst>
+                                    <p:set>
+                                      <p:cBhvr>
+                                        <p:cTn id="6" dur="1" fill="hold">
+                                          <p:stCondLst>
+                                            <p:cond delay="0"/>
+                                          </p:stCondLst>
+                                        </p:cTn>
+                                        <p:tgtEl>
+                                          <p:spTgt spid="3">
+                                            <p:txEl>
+                                              <p:pRg st="3" end="3"/>
+                                            </p:txEl>
+                                          </p:spTgt>
+                                        </p:tgtEl>
+                                        <p:attrNameLst>
+                                          <p:attrName>style.visibility</p:attrName>
+                                        </p:attrNameLst>
+                                      </p:cBhvr>
+                                      <p:to>
+                                        <p:strVal val="visible"/>
+                                      </p:to>
+                                    </p:set>
+                                    <p:anim calcmode="lin" valueType="num">
+                                      <p:cBhvr additive="base">
+                                        <p:cTn id="7" dur="500"/>
+                                        <p:tgtEl>
+                                          <p:spTgt spid="3">
+                                            <p:txEl>
+                                              <p:pRg st="3" end="3"/>
+                                            </p:txEl>
+                                          </p:spTgt>
+                                        </p:tgtEl>
+                                        <p:attrNameLst>
+                                          <p:attrName>ppt_y</p:attrName>
+                                        </p:attrNameLst>
+                                      </p:cBhvr>
+                                      <p:tavLst>
+                                        <p:tav tm="0">
+                                          <p:val>
+                                            <p:strVal val="#ppt_y+#ppt_h*1.125000"/>
+                                          </p:val>
+                                        </p:tav>
+                                        <p:tav tm="100000">
+                                          <p:val>
+                                            <p:strVal val="#ppt_y"/>
+                                          </p:val>
+                                        </p:tav>
+                                      </p:tavLst>
+                                    </p:anim>
+                                    <p:animEffect transition="in" filter="wipe(up)">
+                                      <p:cBhvr>
+                                        <p:cTn id="8" dur="500"/>
+                                        <p:tgtEl>
+                                          <p:spTgt spid="3">
+                                            <p:txEl>
+                                              <p:pRg st="3" end="3"/>
+                                            </p:txEl>
+                                          </p:spTgt>
+                                        </p:tgtEl>
+                                      </p:cBhvr>
+                                    </p:animEffect>
+                                  </p:childTnLst>
+                                </p:cTn>
+                              </p:par>
+                              <p:par>
+                                <p:cTn id="9" presetID="12" presetClass="entr" presetSubtype="4" fill="hold" nodeType="withEffect">
+                                  <p:stCondLst>
+                                    <p:cond delay="0"/>
+                                  </p:stCondLst>
+                                  <p:childTnLst>
+                                    <p:set>
+                                      <p:cBhvr>
+                                        <p:cTn id="10" dur="1" fill="hold">
+                                          <p:stCondLst>
+                                            <p:cond delay="0"/>
+                                          </p:stCondLst>
+                                        </p:cTn>
+                                        <p:tgtEl>
+                                          <p:spTgt spid="3">
+                                            <p:txEl>
+                                              <p:pRg st="4" end="4"/>
+                                            </p:txEl>
+                                          </p:spTgt>
+                                        </p:tgtEl>
+                                        <p:attrNameLst>
+                                          <p:attrName>style.visibility</p:attrName>
+                                        </p:attrNameLst>
+                                      </p:cBhvr>
+                                      <p:to>
+                                        <p:strVal val="visible"/>
+                                      </p:to>
+                                    </p:set>
+                                    <p:anim calcmode="lin" valueType="num">
+                                      <p:cBhvr additive="base">
+                                        <p:cTn id="11" dur="500"/>
+                                        <p:tgtEl>
+                                          <p:spTgt spid="3">
+                                            <p:txEl>
+                                              <p:pRg st="4" end="4"/>
+                                            </p:txEl>
+                                          </p:spTgt>
+                                        </p:tgtEl>
+                                        <p:attrNameLst>
+                                          <p:attrName>ppt_y</p:attrName>
+                                        </p:attrNameLst>
+                                      </p:cBhvr>
+                                      <p:tavLst>
+                                        <p:tav tm="0">
+                                          <p:val>
+                                            <p:strVal val="#ppt_y+#ppt_h*1.125000"/>
+                                          </p:val>
+                                        </p:tav>
+                                        <p:tav tm="100000">
+                                          <p:val>
+                                            <p:strVal val="#ppt_y"/>
+                                          </p:val>
+                                        </p:tav>
+                                      </p:tavLst>
+                                    </p:anim>
+                                    <p:animEffect transition="in" filter="wipe(up)">
+                                      <p:cBhvr>
+                                        <p:cTn id="12" dur="500"/>
+                                        <p:tgtEl>
+                                          <p:spTgt spid="3">
+                                            <p:txEl>
+                                              <p:pRg st="4" end="4"/>
+                                            </p:txEl>
+                                          </p:spTgt>
+                                        </p:tgtEl>
+                                      </p:cBhvr>
+                                    </p:animEffect>
+                                  </p:childTnLst>
+                                </p:cTn>
+                              </p:par>
+                              <p:par>
+                                <p:cTn id="13" presetID="12" presetClass="entr" presetSubtype="4" fill="hold" nodeType="withEffect">
+                                  <p:stCondLst>
+                                    <p:cond delay="0"/>
+                                  </p:stCondLst>
+                                  <p:childTnLst>
+                                    <p:set>
+                                      <p:cBhvr>
+                                        <p:cTn id="14" dur="1" fill="hold">
+                                          <p:stCondLst>
+                                            <p:cond delay="0"/>
+                                          </p:stCondLst>
+                                        </p:cTn>
+                                        <p:tgtEl>
+                                          <p:spTgt spid="3">
+                                            <p:txEl>
+                                              <p:pRg st="5" end="5"/>
+                                            </p:txEl>
+                                          </p:spTgt>
+                                        </p:tgtEl>
+                                        <p:attrNameLst>
+                                          <p:attrName>style.visibility</p:attrName>
+                                        </p:attrNameLst>
+                                      </p:cBhvr>
+                                      <p:to>
+                                        <p:strVal val="visible"/>
+                                      </p:to>
+                                    </p:set>
+                                    <p:anim calcmode="lin" valueType="num">
+                                      <p:cBhvr additive="base">
+                                        <p:cTn id="15" dur="500"/>
+                                        <p:tgtEl>
+                                          <p:spTgt spid="3">
+                                            <p:txEl>
+                                              <p:pRg st="5" end="5"/>
+                                            </p:txEl>
+                                          </p:spTgt>
+                                        </p:tgtEl>
+                                        <p:attrNameLst>
+                                          <p:attrName>ppt_y</p:attrName>
+                                        </p:attrNameLst>
+                                      </p:cBhvr>
+                                      <p:tavLst>
+                                        <p:tav tm="0">
+                                          <p:val>
+                                            <p:strVal val="#ppt_y+#ppt_h*1.125000"/>
+                                          </p:val>
+                                        </p:tav>
+                                        <p:tav tm="100000">
+                                          <p:val>
+                                            <p:strVal val="#ppt_y"/>
+                                          </p:val>
+                                        </p:tav>
+                                      </p:tavLst>
+                                    </p:anim>
+                                    <p:animEffect transition="in" filter="wipe(up)">
+                                      <p:cBhvr>
+                                        <p:cTn id="16" dur="500"/>
+                                        <p:tgtEl>
+                                          <p:spTgt spid="3">
+                                            <p:txEl>
+                                              <p:pRg st="5" end="5"/>
+                                            </p:txEl>
+                                          </p:spTgt>
+                                        </p:tgtEl>
+                                      </p:cBhvr>
+                                    </p:animEffect>
+                                  </p:childTnLst>
+                                </p:cTn>
+                              </p:par>
+                              <p:par>
+                                <p:cTn id="17" presetID="12" presetClass="entr" presetSubtype="4" fill="hold" nodeType="withEffect">
+                                  <p:stCondLst>
+                                    <p:cond delay="0"/>
+                                  </p:stCondLst>
+                                  <p:childTnLst>
+                                    <p:set>
+                                      <p:cBhvr>
+                                        <p:cTn id="18" dur="1" fill="hold">
+                                          <p:stCondLst>
+                                            <p:cond delay="0"/>
+                                          </p:stCondLst>
+                                        </p:cTn>
+                                        <p:tgtEl>
+                                          <p:spTgt spid="3">
+                                            <p:txEl>
+                                              <p:pRg st="6" end="6"/>
+                                            </p:txEl>
+                                          </p:spTgt>
+                                        </p:tgtEl>
+                                        <p:attrNameLst>
+                                          <p:attrName>style.visibility</p:attrName>
+                                        </p:attrNameLst>
+                                      </p:cBhvr>
+                                      <p:to>
+                                        <p:strVal val="visible"/>
+                                      </p:to>
+                                    </p:set>
+                                    <p:anim calcmode="lin" valueType="num">
+                                      <p:cBhvr additive="base">
+                                        <p:cTn id="19" dur="500"/>
+                                        <p:tgtEl>
+                                          <p:spTgt spid="3">
+                                            <p:txEl>
+                                              <p:pRg st="6" end="6"/>
+                                            </p:txEl>
+                                          </p:spTgt>
+                                        </p:tgtEl>
+                                        <p:attrNameLst>
+                                          <p:attrName>ppt_y</p:attrName>
+                                        </p:attrNameLst>
+                                      </p:cBhvr>
+                                      <p:tavLst>
+                                        <p:tav tm="0">
+                                          <p:val>
+                                            <p:strVal val="#ppt_y+#ppt_h*1.125000"/>
+                                          </p:val>
+                                        </p:tav>
+                                        <p:tav tm="100000">
+                                          <p:val>
+                                            <p:strVal val="#ppt_y"/>
+                                          </p:val>
+                                        </p:tav>
+                                      </p:tavLst>
+                                    </p:anim>
+                                    <p:animEffect transition="in" filter="wipe(up)">
+                                      <p:cBhvr>
+                                        <p:cTn id="20" dur="500"/>
+                                        <p:tgtEl>
+                                          <p:spTgt spid="3">
+                                            <p:txEl>
+                                              <p:pRg st="6" end="6"/>
+                                            </p:txEl>
+                                          </p:spTgt>
+                                        </p:tgtEl>
+                                      </p:cBhvr>
+                                    </p:animEffect>
+                                  </p:childTnLst>
+                                </p:cTn>
+                              </p:par>
+                            </p:childTnLst>
+                          </p:cTn>
+                        </p:par>
+                      </p:childTnLst>
+                    </p:cTn>
+                  </p:par>
+                </p:childTnLst>
+              </p:cTn>
+              <p:prevCondLst>
+                <p:cond evt="onPrev" delay="0">
+                  <p:tgtEl>
+                    <p:sldTgt/>
+                  </p:tgtEl>
+                </p:cond>
+              </p:prevCondLst>
+              <p:nextCondLst>
+                <p:cond evt="onNext" delay="0">
+                  <p:tgtEl>
+                    <p:sldTgt/>
+                  </p:tgtEl>
+                </p:cond>
+              </p:nextCondLst>
+            </p:seq>
+          </p:childTnLst>
+        </p:cTn>
+      </p:par>
+    </p:tnLst>
+  </p:timing>
 </p:sld>
 </file>
 
@@ -6892,6 +7280,307 @@
       </p:grpSpPr>
       <p:sp>
         <p:nvSpPr>
+          <p:cNvPr id="2" name="Title 1">
+            <a:extLst>
+              <a:ext uri="{FF2B5EF4-FFF2-40B4-BE49-F238E27FC236}">
+                <a16:creationId xmlns:a16="http://schemas.microsoft.com/office/drawing/2014/main" id="{C52F0A68-EB96-2643-B919-4635444A5CF3}"/>
+              </a:ext>
+            </a:extLst>
+          </p:cNvPr>
+          <p:cNvSpPr>
+            <a:spLocks noGrp="1"/>
+          </p:cNvSpPr>
+          <p:nvPr>
+            <p:ph type="title"/>
+          </p:nvPr>
+        </p:nvSpPr>
+        <p:spPr/>
+        <p:txBody>
+          <a:bodyPr/>
+          <a:lstStyle/>
+          <a:p>
+            <a:r>
+              <a:rPr lang="tr-TR" dirty="0"/>
+              <a:t>Emirsel Bilgi</a:t>
+            </a:r>
+            <a:endParaRPr dirty="0"/>
+          </a:p>
+        </p:txBody>
+      </p:sp>
+      <p:sp>
+        <p:nvSpPr>
+          <p:cNvPr id="3" name="Content Placeholder 2">
+            <a:extLst>
+              <a:ext uri="{FF2B5EF4-FFF2-40B4-BE49-F238E27FC236}">
+                <a16:creationId xmlns:a16="http://schemas.microsoft.com/office/drawing/2014/main" id="{76210A91-6633-354D-AAF2-65546ED1E37E}"/>
+              </a:ext>
+            </a:extLst>
+          </p:cNvPr>
+          <p:cNvSpPr>
+            <a:spLocks noGrp="1"/>
+          </p:cNvSpPr>
+          <p:nvPr>
+            <p:ph idx="1"/>
+          </p:nvPr>
+        </p:nvSpPr>
+        <p:spPr/>
+        <p:txBody>
+          <a:bodyPr/>
+          <a:lstStyle/>
+          <a:p>
+            <a:r>
+              <a:rPr lang="tr-TR" dirty="0"/>
+              <a:t>Basit adımların sıralı bir şekilde verilmesi.</a:t>
+            </a:r>
+          </a:p>
+          <a:p>
+            <a:r>
+              <a:rPr lang="tr-TR" dirty="0"/>
+              <a:t>Kontrol akışı, gerçekleştirilen adımların sırasının belirtilmesi</a:t>
+            </a:r>
+          </a:p>
+          <a:p>
+            <a:r>
+              <a:rPr lang="tr-TR" dirty="0"/>
+              <a:t>Programın duracağı zamanı belirlemek</a:t>
+            </a:r>
+          </a:p>
+        </p:txBody>
+      </p:sp>
+      <p:sp>
+        <p:nvSpPr>
+          <p:cNvPr id="4" name="Date Placeholder 3">
+            <a:extLst>
+              <a:ext uri="{FF2B5EF4-FFF2-40B4-BE49-F238E27FC236}">
+                <a16:creationId xmlns:a16="http://schemas.microsoft.com/office/drawing/2014/main" id="{3A25CC33-837A-5444-B191-A6DAD8374EC0}"/>
+              </a:ext>
+            </a:extLst>
+          </p:cNvPr>
+          <p:cNvSpPr>
+            <a:spLocks noGrp="1"/>
+          </p:cNvSpPr>
+          <p:nvPr>
+            <p:ph type="dt" sz="half" idx="10"/>
+          </p:nvPr>
+        </p:nvSpPr>
+        <p:spPr/>
+        <p:txBody>
+          <a:bodyPr/>
+          <a:lstStyle/>
+          <a:p>
+            <a:r>
+              <a:rPr lang="tr-TR"/>
+              <a:t>Medical Artificial Intelligence</a:t>
+            </a:r>
+            <a:endParaRPr lang="tr-TR" dirty="0"/>
+          </a:p>
+        </p:txBody>
+      </p:sp>
+      <p:sp>
+        <p:nvSpPr>
+          <p:cNvPr id="5" name="Slide Number Placeholder 4">
+            <a:extLst>
+              <a:ext uri="{FF2B5EF4-FFF2-40B4-BE49-F238E27FC236}">
+                <a16:creationId xmlns:a16="http://schemas.microsoft.com/office/drawing/2014/main" id="{A14D77BC-1C9D-A54B-91A3-FB6967302CAD}"/>
+              </a:ext>
+            </a:extLst>
+          </p:cNvPr>
+          <p:cNvSpPr>
+            <a:spLocks noGrp="1"/>
+          </p:cNvSpPr>
+          <p:nvPr>
+            <p:ph type="sldNum" sz="quarter" idx="12"/>
+          </p:nvPr>
+        </p:nvSpPr>
+        <p:spPr/>
+        <p:txBody>
+          <a:bodyPr/>
+          <a:lstStyle/>
+          <a:p>
+            <a:fld id="{4119457A-5965-C148-8898-E00E7A560E34}" type="slidenum">
+              <a:rPr lang="tr-TR" smtClean="0"/>
+              <a:t>12</a:t>
+            </a:fld>
+            <a:endParaRPr lang="tr-TR" dirty="0"/>
+          </a:p>
+        </p:txBody>
+      </p:sp>
+    </p:spTree>
+    <p:extLst>
+      <p:ext uri="{BB962C8B-B14F-4D97-AF65-F5344CB8AC3E}">
+        <p14:creationId xmlns:p14="http://schemas.microsoft.com/office/powerpoint/2010/main" val="848420845"/>
+      </p:ext>
+    </p:extLst>
+  </p:cSld>
+  <p:clrMapOvr>
+    <a:masterClrMapping/>
+  </p:clrMapOvr>
+</p:sld>
+</file>
+
+<file path=ppt/slides/slide13.xml><?xml version="1.0" encoding="utf-8"?>
+<p:sld xmlns:a="http://schemas.openxmlformats.org/drawingml/2006/main" xmlns:r="http://schemas.openxmlformats.org/officeDocument/2006/relationships" xmlns:p="http://schemas.openxmlformats.org/presentationml/2006/main">
+  <p:cSld>
+    <p:spTree>
+      <p:nvGrpSpPr>
+        <p:cNvPr id="1" name=""/>
+        <p:cNvGrpSpPr/>
+        <p:nvPr/>
+      </p:nvGrpSpPr>
+      <p:grpSpPr>
+        <a:xfrm>
+          <a:off x="0" y="0"/>
+          <a:ext cx="0" cy="0"/>
+          <a:chOff x="0" y="0"/>
+          <a:chExt cx="0" cy="0"/>
+        </a:xfrm>
+      </p:grpSpPr>
+      <p:sp>
+        <p:nvSpPr>
+          <p:cNvPr id="2" name="Title 1">
+            <a:extLst>
+              <a:ext uri="{FF2B5EF4-FFF2-40B4-BE49-F238E27FC236}">
+                <a16:creationId xmlns:a16="http://schemas.microsoft.com/office/drawing/2014/main" id="{6C1A919E-7C02-2F40-82B5-77D423356187}"/>
+              </a:ext>
+            </a:extLst>
+          </p:cNvPr>
+          <p:cNvSpPr>
+            <a:spLocks noGrp="1"/>
+          </p:cNvSpPr>
+          <p:nvPr>
+            <p:ph type="title"/>
+          </p:nvPr>
+        </p:nvSpPr>
+        <p:spPr/>
+        <p:txBody>
+          <a:bodyPr/>
+          <a:lstStyle/>
+          <a:p>
+            <a:r>
+              <a:rPr lang="tr-TR" dirty="0"/>
+              <a:t>Kontrol Akışı</a:t>
+            </a:r>
+          </a:p>
+        </p:txBody>
+      </p:sp>
+      <p:sp>
+        <p:nvSpPr>
+          <p:cNvPr id="3" name="Content Placeholder 2">
+            <a:extLst>
+              <a:ext uri="{FF2B5EF4-FFF2-40B4-BE49-F238E27FC236}">
+                <a16:creationId xmlns:a16="http://schemas.microsoft.com/office/drawing/2014/main" id="{24DB90ED-8A9B-AC48-B418-9CEF7E64C3DA}"/>
+              </a:ext>
+            </a:extLst>
+          </p:cNvPr>
+          <p:cNvSpPr>
+            <a:spLocks noGrp="1"/>
+          </p:cNvSpPr>
+          <p:nvPr>
+            <p:ph idx="1"/>
+          </p:nvPr>
+        </p:nvSpPr>
+        <p:spPr/>
+        <p:txBody>
+          <a:bodyPr/>
+          <a:lstStyle/>
+          <a:p>
+            <a:r>
+              <a:rPr lang="tr-TR" dirty="0"/>
+              <a:t>Programlamada, kontrol akışı fonksiyon çağrılarını, talimatları ve ifadelerin gerçekleşme sırasını kontrol eder.</a:t>
+            </a:r>
+          </a:p>
+        </p:txBody>
+      </p:sp>
+      <p:sp>
+        <p:nvSpPr>
+          <p:cNvPr id="4" name="Date Placeholder 3">
+            <a:extLst>
+              <a:ext uri="{FF2B5EF4-FFF2-40B4-BE49-F238E27FC236}">
+                <a16:creationId xmlns:a16="http://schemas.microsoft.com/office/drawing/2014/main" id="{7E0A08CF-C071-8048-AD7E-2AED6B9F1063}"/>
+              </a:ext>
+            </a:extLst>
+          </p:cNvPr>
+          <p:cNvSpPr>
+            <a:spLocks noGrp="1"/>
+          </p:cNvSpPr>
+          <p:nvPr>
+            <p:ph type="dt" sz="half" idx="10"/>
+          </p:nvPr>
+        </p:nvSpPr>
+        <p:spPr/>
+        <p:txBody>
+          <a:bodyPr/>
+          <a:lstStyle/>
+          <a:p>
+            <a:r>
+              <a:rPr lang="tr-TR"/>
+              <a:t>Medical Artificial Intelligence</a:t>
+            </a:r>
+            <a:endParaRPr lang="tr-TR" dirty="0"/>
+          </a:p>
+        </p:txBody>
+      </p:sp>
+      <p:sp>
+        <p:nvSpPr>
+          <p:cNvPr id="5" name="Slide Number Placeholder 4">
+            <a:extLst>
+              <a:ext uri="{FF2B5EF4-FFF2-40B4-BE49-F238E27FC236}">
+                <a16:creationId xmlns:a16="http://schemas.microsoft.com/office/drawing/2014/main" id="{9A18630F-2BBF-6F43-B2E4-8C4A3CFA8687}"/>
+              </a:ext>
+            </a:extLst>
+          </p:cNvPr>
+          <p:cNvSpPr>
+            <a:spLocks noGrp="1"/>
+          </p:cNvSpPr>
+          <p:nvPr>
+            <p:ph type="sldNum" sz="quarter" idx="12"/>
+          </p:nvPr>
+        </p:nvSpPr>
+        <p:spPr/>
+        <p:txBody>
+          <a:bodyPr/>
+          <a:lstStyle/>
+          <a:p>
+            <a:fld id="{4119457A-5965-C148-8898-E00E7A560E34}" type="slidenum">
+              <a:rPr lang="tr-TR" smtClean="0"/>
+              <a:t>13</a:t>
+            </a:fld>
+            <a:endParaRPr lang="tr-TR" dirty="0"/>
+          </a:p>
+        </p:txBody>
+      </p:sp>
+    </p:spTree>
+    <p:extLst>
+      <p:ext uri="{BB962C8B-B14F-4D97-AF65-F5344CB8AC3E}">
+        <p14:creationId xmlns:p14="http://schemas.microsoft.com/office/powerpoint/2010/main" val="3517415651"/>
+      </p:ext>
+    </p:extLst>
+  </p:cSld>
+  <p:clrMapOvr>
+    <a:masterClrMapping/>
+  </p:clrMapOvr>
+</p:sld>
+</file>
+
+<file path=ppt/slides/slide14.xml><?xml version="1.0" encoding="utf-8"?>
+<p:sld xmlns:a="http://schemas.openxmlformats.org/drawingml/2006/main" xmlns:r="http://schemas.openxmlformats.org/officeDocument/2006/relationships" xmlns:p="http://schemas.openxmlformats.org/presentationml/2006/main">
+  <p:cSld>
+    <p:spTree>
+      <p:nvGrpSpPr>
+        <p:cNvPr id="1" name=""/>
+        <p:cNvGrpSpPr/>
+        <p:nvPr/>
+      </p:nvGrpSpPr>
+      <p:grpSpPr>
+        <a:xfrm>
+          <a:off x="0" y="0"/>
+          <a:ext cx="0" cy="0"/>
+          <a:chOff x="0" y="0"/>
+          <a:chExt cx="0" cy="0"/>
+        </a:xfrm>
+      </p:grpSpPr>
+      <p:sp>
+        <p:nvSpPr>
           <p:cNvPr id="4" name="Date Placeholder 3">
             <a:extLst>
               <a:ext uri="{FF2B5EF4-FFF2-40B4-BE49-F238E27FC236}">
@@ -6952,7 +7641,7 @@
           <a:p>
             <a:fld id="{4119457A-5965-C148-8898-E00E7A560E34}" type="slidenum">
               <a:rPr lang="tr-TR" smtClean="0"/>
-              <a:t>12</a:t>
+              <a:t>14</a:t>
             </a:fld>
             <a:endParaRPr lang="tr-TR" dirty="0"/>
           </a:p>
@@ -7001,354 +7690,6 @@
 </p:sld>
 </file>
 
-<file path=ppt/slides/slide13.xml><?xml version="1.0" encoding="utf-8"?>
-<p:sld xmlns:a="http://schemas.openxmlformats.org/drawingml/2006/main" xmlns:r="http://schemas.openxmlformats.org/officeDocument/2006/relationships" xmlns:p="http://schemas.openxmlformats.org/presentationml/2006/main">
-  <p:cSld>
-    <p:spTree>
-      <p:nvGrpSpPr>
-        <p:cNvPr id="1" name=""/>
-        <p:cNvGrpSpPr/>
-        <p:nvPr/>
-      </p:nvGrpSpPr>
-      <p:grpSpPr>
-        <a:xfrm>
-          <a:off x="0" y="0"/>
-          <a:ext cx="0" cy="0"/>
-          <a:chOff x="0" y="0"/>
-          <a:chExt cx="0" cy="0"/>
-        </a:xfrm>
-      </p:grpSpPr>
-      <p:sp>
-        <p:nvSpPr>
-          <p:cNvPr id="2" name="Title 1">
-            <a:extLst>
-              <a:ext uri="{FF2B5EF4-FFF2-40B4-BE49-F238E27FC236}">
-                <a16:creationId xmlns:a16="http://schemas.microsoft.com/office/drawing/2014/main" id="{042929B4-0CFC-1146-8BBD-A9BE4EACE90D}"/>
-              </a:ext>
-            </a:extLst>
-          </p:cNvPr>
-          <p:cNvSpPr>
-            <a:spLocks noGrp="1"/>
-          </p:cNvSpPr>
-          <p:nvPr>
-            <p:ph type="title"/>
-          </p:nvPr>
-        </p:nvSpPr>
-        <p:spPr/>
-        <p:txBody>
-          <a:bodyPr/>
-          <a:lstStyle/>
-          <a:p>
-            <a:r>
-              <a:rPr lang="tr-TR" dirty="0"/>
-              <a:t>Makine Dili</a:t>
-            </a:r>
-          </a:p>
-        </p:txBody>
-      </p:sp>
-      <p:sp>
-        <p:nvSpPr>
-          <p:cNvPr id="3" name="Content Placeholder 2">
-            <a:extLst>
-              <a:ext uri="{FF2B5EF4-FFF2-40B4-BE49-F238E27FC236}">
-                <a16:creationId xmlns:a16="http://schemas.microsoft.com/office/drawing/2014/main" id="{1955A0C9-6458-414C-BFEE-7ED08A91BE35}"/>
-              </a:ext>
-            </a:extLst>
-          </p:cNvPr>
-          <p:cNvSpPr>
-            <a:spLocks noGrp="1"/>
-          </p:cNvSpPr>
-          <p:nvPr>
-            <p:ph idx="1"/>
-          </p:nvPr>
-        </p:nvSpPr>
-        <p:spPr/>
-        <p:txBody>
-          <a:bodyPr/>
-          <a:lstStyle/>
-          <a:p>
-            <a:r>
-              <a:rPr lang="tr-TR" dirty="0"/>
-              <a:t>Makine dili mikroişlemci ya da mikro denetleyici gibi komut işleme yeteneğine sahip entegrelerin işleyebilecekleri, yapısına göre değişebilen ama genellikle her biri 8 adet 0-1'den (bit) ibaret komutlardan oluşan dile verilen addır.</a:t>
-            </a:r>
-          </a:p>
-          <a:p>
-            <a:r>
-              <a:rPr lang="tr-TR" dirty="0"/>
-              <a:t>Her bir komutun </a:t>
-            </a:r>
-            <a:r>
-              <a:rPr lang="tr-TR" i="1" dirty="0"/>
-              <a:t>mnemonic</a:t>
-            </a:r>
-            <a:r>
-              <a:rPr lang="tr-TR" dirty="0"/>
-              <a:t> olarak adlandırılan bir tanımı ve </a:t>
-            </a:r>
-            <a:r>
-              <a:rPr lang="tr-TR" i="1" dirty="0"/>
-              <a:t>op code</a:t>
-            </a:r>
-            <a:r>
-              <a:rPr lang="tr-TR" dirty="0"/>
-              <a:t> olarak adlandırılan bir sayı karşılığı vardır. Mnemonic'ler, o op kodun ne işe yaradığını hatırda tutmaya yarar.</a:t>
-            </a:r>
-          </a:p>
-          <a:p>
-            <a:r>
-              <a:rPr lang="tr-TR" dirty="0"/>
-              <a:t>Örneğin Z-80 mikroişlemcisinde bulunan bir komutun mnemonic’i  </a:t>
-            </a:r>
-            <a:r>
-              <a:rPr lang="tr-TR" i="1" dirty="0"/>
-              <a:t>Call NN’</a:t>
-            </a:r>
-            <a:r>
-              <a:rPr lang="tr-TR" dirty="0"/>
-              <a:t>dir ve program yazarken </a:t>
-            </a:r>
-            <a:r>
-              <a:rPr lang="tr-TR" i="1" dirty="0"/>
-              <a:t>Call NN</a:t>
-            </a:r>
-            <a:r>
-              <a:rPr lang="tr-TR" dirty="0"/>
-              <a:t> mnemonic'inin op code'u olan "205" sayısı programa konur.</a:t>
-            </a:r>
-          </a:p>
-        </p:txBody>
-      </p:sp>
-      <p:sp>
-        <p:nvSpPr>
-          <p:cNvPr id="4" name="Date Placeholder 3">
-            <a:extLst>
-              <a:ext uri="{FF2B5EF4-FFF2-40B4-BE49-F238E27FC236}">
-                <a16:creationId xmlns:a16="http://schemas.microsoft.com/office/drawing/2014/main" id="{E782A061-128A-364D-A2D8-8652B72BE6CC}"/>
-              </a:ext>
-            </a:extLst>
-          </p:cNvPr>
-          <p:cNvSpPr>
-            <a:spLocks noGrp="1"/>
-          </p:cNvSpPr>
-          <p:nvPr>
-            <p:ph type="dt" sz="half" idx="10"/>
-          </p:nvPr>
-        </p:nvSpPr>
-        <p:spPr/>
-        <p:txBody>
-          <a:bodyPr/>
-          <a:lstStyle/>
-          <a:p>
-            <a:r>
-              <a:rPr lang="tr-TR"/>
-              <a:t>Medical Artificial Intelligence</a:t>
-            </a:r>
-            <a:endParaRPr lang="tr-TR" dirty="0"/>
-          </a:p>
-        </p:txBody>
-      </p:sp>
-      <p:sp>
-        <p:nvSpPr>
-          <p:cNvPr id="5" name="Slide Number Placeholder 4">
-            <a:extLst>
-              <a:ext uri="{FF2B5EF4-FFF2-40B4-BE49-F238E27FC236}">
-                <a16:creationId xmlns:a16="http://schemas.microsoft.com/office/drawing/2014/main" id="{A2A4BECE-7106-BF48-B0FC-A72EF754BFD5}"/>
-              </a:ext>
-            </a:extLst>
-          </p:cNvPr>
-          <p:cNvSpPr>
-            <a:spLocks noGrp="1"/>
-          </p:cNvSpPr>
-          <p:nvPr>
-            <p:ph type="sldNum" sz="quarter" idx="12"/>
-          </p:nvPr>
-        </p:nvSpPr>
-        <p:spPr/>
-        <p:txBody>
-          <a:bodyPr/>
-          <a:lstStyle/>
-          <a:p>
-            <a:fld id="{4119457A-5965-C148-8898-E00E7A560E34}" type="slidenum">
-              <a:rPr lang="tr-TR" smtClean="0"/>
-              <a:t>13</a:t>
-            </a:fld>
-            <a:endParaRPr lang="tr-TR" dirty="0"/>
-          </a:p>
-        </p:txBody>
-      </p:sp>
-    </p:spTree>
-    <p:extLst>
-      <p:ext uri="{BB962C8B-B14F-4D97-AF65-F5344CB8AC3E}">
-        <p14:creationId xmlns:p14="http://schemas.microsoft.com/office/powerpoint/2010/main" val="194283634"/>
-      </p:ext>
-    </p:extLst>
-  </p:cSld>
-  <p:clrMapOvr>
-    <a:masterClrMapping/>
-  </p:clrMapOvr>
-</p:sld>
-</file>
-
-<file path=ppt/slides/slide14.xml><?xml version="1.0" encoding="utf-8"?>
-<p:sld xmlns:a="http://schemas.openxmlformats.org/drawingml/2006/main" xmlns:r="http://schemas.openxmlformats.org/officeDocument/2006/relationships" xmlns:p="http://schemas.openxmlformats.org/presentationml/2006/main">
-  <p:cSld>
-    <p:spTree>
-      <p:nvGrpSpPr>
-        <p:cNvPr id="1" name=""/>
-        <p:cNvGrpSpPr/>
-        <p:nvPr/>
-      </p:nvGrpSpPr>
-      <p:grpSpPr>
-        <a:xfrm>
-          <a:off x="0" y="0"/>
-          <a:ext cx="0" cy="0"/>
-          <a:chOff x="0" y="0"/>
-          <a:chExt cx="0" cy="0"/>
-        </a:xfrm>
-      </p:grpSpPr>
-      <p:sp>
-        <p:nvSpPr>
-          <p:cNvPr id="2" name="Title 1">
-            <a:extLst>
-              <a:ext uri="{FF2B5EF4-FFF2-40B4-BE49-F238E27FC236}">
-                <a16:creationId xmlns:a16="http://schemas.microsoft.com/office/drawing/2014/main" id="{48B88005-FFCC-0245-82DB-2D1A0A55AEC9}"/>
-              </a:ext>
-            </a:extLst>
-          </p:cNvPr>
-          <p:cNvSpPr>
-            <a:spLocks noGrp="1"/>
-          </p:cNvSpPr>
-          <p:nvPr>
-            <p:ph type="title"/>
-          </p:nvPr>
-        </p:nvSpPr>
-        <p:spPr/>
-        <p:txBody>
-          <a:bodyPr/>
-          <a:lstStyle/>
-          <a:p>
-            <a:r>
-              <a:rPr lang="tr-TR" dirty="0"/>
-              <a:t>Assembly </a:t>
-            </a:r>
-          </a:p>
-        </p:txBody>
-      </p:sp>
-      <p:sp>
-        <p:nvSpPr>
-          <p:cNvPr id="3" name="Content Placeholder 2">
-            <a:extLst>
-              <a:ext uri="{FF2B5EF4-FFF2-40B4-BE49-F238E27FC236}">
-                <a16:creationId xmlns:a16="http://schemas.microsoft.com/office/drawing/2014/main" id="{4373DC56-E18B-E94E-80AD-6F6310AEB2FB}"/>
-              </a:ext>
-            </a:extLst>
-          </p:cNvPr>
-          <p:cNvSpPr>
-            <a:spLocks noGrp="1"/>
-          </p:cNvSpPr>
-          <p:nvPr>
-            <p:ph idx="1"/>
-          </p:nvPr>
-        </p:nvSpPr>
-        <p:spPr/>
-        <p:txBody>
-          <a:bodyPr/>
-          <a:lstStyle/>
-          <a:p>
-            <a:r>
-              <a:rPr lang="tr-TR" dirty="0"/>
-              <a:t>Makine dilini öğrenmek ve kullanmak zordur. Bu nedenle insanların anlayabileceğimiz bir dilde konuşup ardından işlemcinin diline çeviren yazılımlar geliştirilmiştir. Bunlara </a:t>
-            </a:r>
-            <a:r>
-              <a:rPr lang="tr-TR" b="1" dirty="0"/>
-              <a:t>derleyici</a:t>
-            </a:r>
-            <a:r>
-              <a:rPr lang="tr-TR" dirty="0"/>
-              <a:t> denir. Derleyiciler de bir dile sahiptir fakat işlemcinin diline göre çok daha kolaydır. İşte bu derleyici dillerinden biri de </a:t>
-            </a:r>
-            <a:r>
-              <a:rPr lang="tr-TR" b="1" dirty="0"/>
-              <a:t>Assembly'</a:t>
-            </a:r>
-            <a:r>
-              <a:rPr lang="tr-TR" dirty="0"/>
-              <a:t>dir. Çevirici dil, bilgisayar programlarının yazılmasında kullanılan alt seviyeli bir dildir.</a:t>
-            </a:r>
-          </a:p>
-        </p:txBody>
-      </p:sp>
-      <p:sp>
-        <p:nvSpPr>
-          <p:cNvPr id="4" name="Date Placeholder 3">
-            <a:extLst>
-              <a:ext uri="{FF2B5EF4-FFF2-40B4-BE49-F238E27FC236}">
-                <a16:creationId xmlns:a16="http://schemas.microsoft.com/office/drawing/2014/main" id="{5A9AE38F-A9CC-6F4A-963E-D42F0294645F}"/>
-              </a:ext>
-            </a:extLst>
-          </p:cNvPr>
-          <p:cNvSpPr>
-            <a:spLocks noGrp="1"/>
-          </p:cNvSpPr>
-          <p:nvPr>
-            <p:ph type="dt" sz="half" idx="10"/>
-          </p:nvPr>
-        </p:nvSpPr>
-        <p:spPr/>
-        <p:txBody>
-          <a:bodyPr/>
-          <a:lstStyle/>
-          <a:p>
-            <a:r>
-              <a:rPr lang="tr-TR"/>
-              <a:t>Medical Artificial Intelligence</a:t>
-            </a:r>
-            <a:endParaRPr lang="tr-TR" dirty="0"/>
-          </a:p>
-        </p:txBody>
-      </p:sp>
-      <p:sp>
-        <p:nvSpPr>
-          <p:cNvPr id="5" name="Slide Number Placeholder 4">
-            <a:extLst>
-              <a:ext uri="{FF2B5EF4-FFF2-40B4-BE49-F238E27FC236}">
-                <a16:creationId xmlns:a16="http://schemas.microsoft.com/office/drawing/2014/main" id="{CCA0639A-2E7F-6242-88D2-CB250359F1A1}"/>
-              </a:ext>
-            </a:extLst>
-          </p:cNvPr>
-          <p:cNvSpPr>
-            <a:spLocks noGrp="1"/>
-          </p:cNvSpPr>
-          <p:nvPr>
-            <p:ph type="sldNum" sz="quarter" idx="12"/>
-          </p:nvPr>
-        </p:nvSpPr>
-        <p:spPr/>
-        <p:txBody>
-          <a:bodyPr/>
-          <a:lstStyle/>
-          <a:p>
-            <a:fld id="{4119457A-5965-C148-8898-E00E7A560E34}" type="slidenum">
-              <a:rPr lang="tr-TR" smtClean="0"/>
-              <a:t>14</a:t>
-            </a:fld>
-            <a:endParaRPr lang="tr-TR" dirty="0"/>
-          </a:p>
-        </p:txBody>
-      </p:sp>
-    </p:spTree>
-    <p:extLst>
-      <p:ext uri="{BB962C8B-B14F-4D97-AF65-F5344CB8AC3E}">
-        <p14:creationId xmlns:p14="http://schemas.microsoft.com/office/powerpoint/2010/main" val="1024684645"/>
-      </p:ext>
-    </p:extLst>
-  </p:cSld>
-  <p:clrMapOvr>
-    <a:masterClrMapping/>
-  </p:clrMapOvr>
-</p:sld>
-</file>
-
 <file path=ppt/slides/slide15.xml><?xml version="1.0" encoding="utf-8"?>
 <p:sld xmlns:a="http://schemas.openxmlformats.org/drawingml/2006/main" xmlns:r="http://schemas.openxmlformats.org/officeDocument/2006/relationships" xmlns:p="http://schemas.openxmlformats.org/presentationml/2006/main">
   <p:cSld>
@@ -7371,7 +7712,7 @@
           <p:cNvPr id="2" name="Title 1">
             <a:extLst>
               <a:ext uri="{FF2B5EF4-FFF2-40B4-BE49-F238E27FC236}">
-                <a16:creationId xmlns:a16="http://schemas.microsoft.com/office/drawing/2014/main" id="{B9137A2E-F4ED-0642-891E-FD5E24589E1D}"/>
+                <a16:creationId xmlns:a16="http://schemas.microsoft.com/office/drawing/2014/main" id="{042929B4-0CFC-1146-8BBD-A9BE4EACE90D}"/>
               </a:ext>
             </a:extLst>
           </p:cNvPr>
@@ -7389,7 +7730,79 @@
           <a:p>
             <a:r>
               <a:rPr lang="tr-TR" dirty="0"/>
-              <a:t>Assembly ve Makine Dili</a:t>
+              <a:t>Makine Dili</a:t>
+            </a:r>
+          </a:p>
+        </p:txBody>
+      </p:sp>
+      <p:sp>
+        <p:nvSpPr>
+          <p:cNvPr id="3" name="Content Placeholder 2">
+            <a:extLst>
+              <a:ext uri="{FF2B5EF4-FFF2-40B4-BE49-F238E27FC236}">
+                <a16:creationId xmlns:a16="http://schemas.microsoft.com/office/drawing/2014/main" id="{1955A0C9-6458-414C-BFEE-7ED08A91BE35}"/>
+              </a:ext>
+            </a:extLst>
+          </p:cNvPr>
+          <p:cNvSpPr>
+            <a:spLocks noGrp="1"/>
+          </p:cNvSpPr>
+          <p:nvPr>
+            <p:ph idx="1"/>
+          </p:nvPr>
+        </p:nvSpPr>
+        <p:spPr/>
+        <p:txBody>
+          <a:bodyPr/>
+          <a:lstStyle/>
+          <a:p>
+            <a:r>
+              <a:rPr lang="tr-TR" dirty="0"/>
+              <a:t>Makine dili mikroişlemci ya da mikro denetleyici gibi komut işleme yeteneğine sahip entegrelerin işleyebilecekleri, yapısına göre değişebilen ama genellikle her biri 8 adet 0-1'den (bit) ibaret komutlardan oluşan dile verilen addır.</a:t>
+            </a:r>
+          </a:p>
+          <a:p>
+            <a:r>
+              <a:rPr lang="tr-TR" dirty="0"/>
+              <a:t>Her bir komutun </a:t>
+            </a:r>
+            <a:r>
+              <a:rPr lang="tr-TR" i="1" dirty="0"/>
+              <a:t>mnemonic</a:t>
+            </a:r>
+            <a:r>
+              <a:rPr lang="tr-TR" dirty="0"/>
+              <a:t> olarak adlandırılan bir tanımı ve </a:t>
+            </a:r>
+            <a:r>
+              <a:rPr lang="tr-TR" i="1" dirty="0"/>
+              <a:t>op code</a:t>
+            </a:r>
+            <a:r>
+              <a:rPr lang="tr-TR" dirty="0"/>
+              <a:t> olarak adlandırılan bir sayı karşılığı vardır. Mnemonic'ler, o op kodun ne işe yaradığını hatırda tutmaya yarar.</a:t>
+            </a:r>
+          </a:p>
+          <a:p>
+            <a:r>
+              <a:rPr lang="tr-TR" dirty="0"/>
+              <a:t>Örneğin Z-80 mikroişlemcisinde bulunan bir komutun mnemonic’i  </a:t>
+            </a:r>
+            <a:r>
+              <a:rPr lang="tr-TR" i="1" dirty="0"/>
+              <a:t>Call NN’</a:t>
+            </a:r>
+            <a:r>
+              <a:rPr lang="tr-TR" dirty="0"/>
+              <a:t>dir ve program yazarken </a:t>
+            </a:r>
+            <a:r>
+              <a:rPr lang="tr-TR" i="1" dirty="0"/>
+              <a:t>Call NN</a:t>
+            </a:r>
+            <a:r>
+              <a:rPr lang="tr-TR" dirty="0"/>
+              <a:t> mnemonic'inin op code'u olan "205" sayısı programa konur.</a:t>
             </a:r>
           </a:p>
         </p:txBody>
@@ -7399,7 +7812,7 @@
           <p:cNvPr id="4" name="Date Placeholder 3">
             <a:extLst>
               <a:ext uri="{FF2B5EF4-FFF2-40B4-BE49-F238E27FC236}">
-                <a16:creationId xmlns:a16="http://schemas.microsoft.com/office/drawing/2014/main" id="{A1033918-92DC-AB4D-9938-6B5856AD4381}"/>
+                <a16:creationId xmlns:a16="http://schemas.microsoft.com/office/drawing/2014/main" id="{E782A061-128A-364D-A2D8-8652B72BE6CC}"/>
               </a:ext>
             </a:extLst>
           </p:cNvPr>
@@ -7428,7 +7841,7 @@
           <p:cNvPr id="5" name="Slide Number Placeholder 4">
             <a:extLst>
               <a:ext uri="{FF2B5EF4-FFF2-40B4-BE49-F238E27FC236}">
-                <a16:creationId xmlns:a16="http://schemas.microsoft.com/office/drawing/2014/main" id="{E51C2469-92A2-3844-9BBA-00A21CB64815}"/>
+                <a16:creationId xmlns:a16="http://schemas.microsoft.com/office/drawing/2014/main" id="{A2A4BECE-7106-BF48-B0FC-A72EF754BFD5}"/>
               </a:ext>
             </a:extLst>
           </p:cNvPr>
@@ -7447,6 +7860,282 @@
             <a:fld id="{4119457A-5965-C148-8898-E00E7A560E34}" type="slidenum">
               <a:rPr lang="tr-TR" smtClean="0"/>
               <a:t>15</a:t>
+            </a:fld>
+            <a:endParaRPr lang="tr-TR" dirty="0"/>
+          </a:p>
+        </p:txBody>
+      </p:sp>
+    </p:spTree>
+    <p:extLst>
+      <p:ext uri="{BB962C8B-B14F-4D97-AF65-F5344CB8AC3E}">
+        <p14:creationId xmlns:p14="http://schemas.microsoft.com/office/powerpoint/2010/main" val="194283634"/>
+      </p:ext>
+    </p:extLst>
+  </p:cSld>
+  <p:clrMapOvr>
+    <a:masterClrMapping/>
+  </p:clrMapOvr>
+</p:sld>
+</file>
+
+<file path=ppt/slides/slide16.xml><?xml version="1.0" encoding="utf-8"?>
+<p:sld xmlns:a="http://schemas.openxmlformats.org/drawingml/2006/main" xmlns:r="http://schemas.openxmlformats.org/officeDocument/2006/relationships" xmlns:p="http://schemas.openxmlformats.org/presentationml/2006/main">
+  <p:cSld>
+    <p:spTree>
+      <p:nvGrpSpPr>
+        <p:cNvPr id="1" name=""/>
+        <p:cNvGrpSpPr/>
+        <p:nvPr/>
+      </p:nvGrpSpPr>
+      <p:grpSpPr>
+        <a:xfrm>
+          <a:off x="0" y="0"/>
+          <a:ext cx="0" cy="0"/>
+          <a:chOff x="0" y="0"/>
+          <a:chExt cx="0" cy="0"/>
+        </a:xfrm>
+      </p:grpSpPr>
+      <p:sp>
+        <p:nvSpPr>
+          <p:cNvPr id="2" name="Title 1">
+            <a:extLst>
+              <a:ext uri="{FF2B5EF4-FFF2-40B4-BE49-F238E27FC236}">
+                <a16:creationId xmlns:a16="http://schemas.microsoft.com/office/drawing/2014/main" id="{48B88005-FFCC-0245-82DB-2D1A0A55AEC9}"/>
+              </a:ext>
+            </a:extLst>
+          </p:cNvPr>
+          <p:cNvSpPr>
+            <a:spLocks noGrp="1"/>
+          </p:cNvSpPr>
+          <p:nvPr>
+            <p:ph type="title"/>
+          </p:nvPr>
+        </p:nvSpPr>
+        <p:spPr/>
+        <p:txBody>
+          <a:bodyPr/>
+          <a:lstStyle/>
+          <a:p>
+            <a:r>
+              <a:rPr lang="tr-TR" dirty="0"/>
+              <a:t>Assembly </a:t>
+            </a:r>
+          </a:p>
+        </p:txBody>
+      </p:sp>
+      <p:sp>
+        <p:nvSpPr>
+          <p:cNvPr id="3" name="Content Placeholder 2">
+            <a:extLst>
+              <a:ext uri="{FF2B5EF4-FFF2-40B4-BE49-F238E27FC236}">
+                <a16:creationId xmlns:a16="http://schemas.microsoft.com/office/drawing/2014/main" id="{4373DC56-E18B-E94E-80AD-6F6310AEB2FB}"/>
+              </a:ext>
+            </a:extLst>
+          </p:cNvPr>
+          <p:cNvSpPr>
+            <a:spLocks noGrp="1"/>
+          </p:cNvSpPr>
+          <p:nvPr>
+            <p:ph idx="1"/>
+          </p:nvPr>
+        </p:nvSpPr>
+        <p:spPr/>
+        <p:txBody>
+          <a:bodyPr/>
+          <a:lstStyle/>
+          <a:p>
+            <a:r>
+              <a:rPr lang="tr-TR" dirty="0"/>
+              <a:t>Makine dilini öğrenmek ve kullanmak zordur. Bu nedenle insanların anlayabileceğimiz bir dilde konuşup ardından işlemcinin diline çeviren yazılımlar geliştirilmiştir. Bunlara </a:t>
+            </a:r>
+            <a:r>
+              <a:rPr lang="tr-TR" b="1" dirty="0"/>
+              <a:t>derleyici</a:t>
+            </a:r>
+            <a:r>
+              <a:rPr lang="tr-TR" dirty="0"/>
+              <a:t> denir. Derleyiciler de bir dile sahiptir fakat işlemcinin diline göre çok daha kolaydır. İşte bu derleyici dillerinden biri de </a:t>
+            </a:r>
+            <a:r>
+              <a:rPr lang="tr-TR" b="1" dirty="0"/>
+              <a:t>Assembly'</a:t>
+            </a:r>
+            <a:r>
+              <a:rPr lang="tr-TR" dirty="0"/>
+              <a:t>dir. Çevirici dil, bilgisayar programlarının yazılmasında kullanılan alt seviyeli bir dildir.</a:t>
+            </a:r>
+          </a:p>
+        </p:txBody>
+      </p:sp>
+      <p:sp>
+        <p:nvSpPr>
+          <p:cNvPr id="4" name="Date Placeholder 3">
+            <a:extLst>
+              <a:ext uri="{FF2B5EF4-FFF2-40B4-BE49-F238E27FC236}">
+                <a16:creationId xmlns:a16="http://schemas.microsoft.com/office/drawing/2014/main" id="{5A9AE38F-A9CC-6F4A-963E-D42F0294645F}"/>
+              </a:ext>
+            </a:extLst>
+          </p:cNvPr>
+          <p:cNvSpPr>
+            <a:spLocks noGrp="1"/>
+          </p:cNvSpPr>
+          <p:nvPr>
+            <p:ph type="dt" sz="half" idx="10"/>
+          </p:nvPr>
+        </p:nvSpPr>
+        <p:spPr/>
+        <p:txBody>
+          <a:bodyPr/>
+          <a:lstStyle/>
+          <a:p>
+            <a:r>
+              <a:rPr lang="tr-TR"/>
+              <a:t>Medical Artificial Intelligence</a:t>
+            </a:r>
+            <a:endParaRPr lang="tr-TR" dirty="0"/>
+          </a:p>
+        </p:txBody>
+      </p:sp>
+      <p:sp>
+        <p:nvSpPr>
+          <p:cNvPr id="5" name="Slide Number Placeholder 4">
+            <a:extLst>
+              <a:ext uri="{FF2B5EF4-FFF2-40B4-BE49-F238E27FC236}">
+                <a16:creationId xmlns:a16="http://schemas.microsoft.com/office/drawing/2014/main" id="{CCA0639A-2E7F-6242-88D2-CB250359F1A1}"/>
+              </a:ext>
+            </a:extLst>
+          </p:cNvPr>
+          <p:cNvSpPr>
+            <a:spLocks noGrp="1"/>
+          </p:cNvSpPr>
+          <p:nvPr>
+            <p:ph type="sldNum" sz="quarter" idx="12"/>
+          </p:nvPr>
+        </p:nvSpPr>
+        <p:spPr/>
+        <p:txBody>
+          <a:bodyPr/>
+          <a:lstStyle/>
+          <a:p>
+            <a:fld id="{4119457A-5965-C148-8898-E00E7A560E34}" type="slidenum">
+              <a:rPr lang="tr-TR" smtClean="0"/>
+              <a:t>16</a:t>
+            </a:fld>
+            <a:endParaRPr lang="tr-TR" dirty="0"/>
+          </a:p>
+        </p:txBody>
+      </p:sp>
+    </p:spTree>
+    <p:extLst>
+      <p:ext uri="{BB962C8B-B14F-4D97-AF65-F5344CB8AC3E}">
+        <p14:creationId xmlns:p14="http://schemas.microsoft.com/office/powerpoint/2010/main" val="1024684645"/>
+      </p:ext>
+    </p:extLst>
+  </p:cSld>
+  <p:clrMapOvr>
+    <a:masterClrMapping/>
+  </p:clrMapOvr>
+</p:sld>
+</file>
+
+<file path=ppt/slides/slide17.xml><?xml version="1.0" encoding="utf-8"?>
+<p:sld xmlns:a="http://schemas.openxmlformats.org/drawingml/2006/main" xmlns:r="http://schemas.openxmlformats.org/officeDocument/2006/relationships" xmlns:p="http://schemas.openxmlformats.org/presentationml/2006/main">
+  <p:cSld>
+    <p:spTree>
+      <p:nvGrpSpPr>
+        <p:cNvPr id="1" name=""/>
+        <p:cNvGrpSpPr/>
+        <p:nvPr/>
+      </p:nvGrpSpPr>
+      <p:grpSpPr>
+        <a:xfrm>
+          <a:off x="0" y="0"/>
+          <a:ext cx="0" cy="0"/>
+          <a:chOff x="0" y="0"/>
+          <a:chExt cx="0" cy="0"/>
+        </a:xfrm>
+      </p:grpSpPr>
+      <p:sp>
+        <p:nvSpPr>
+          <p:cNvPr id="2" name="Title 1">
+            <a:extLst>
+              <a:ext uri="{FF2B5EF4-FFF2-40B4-BE49-F238E27FC236}">
+                <a16:creationId xmlns:a16="http://schemas.microsoft.com/office/drawing/2014/main" id="{B9137A2E-F4ED-0642-891E-FD5E24589E1D}"/>
+              </a:ext>
+            </a:extLst>
+          </p:cNvPr>
+          <p:cNvSpPr>
+            <a:spLocks noGrp="1"/>
+          </p:cNvSpPr>
+          <p:nvPr>
+            <p:ph type="title"/>
+          </p:nvPr>
+        </p:nvSpPr>
+        <p:spPr/>
+        <p:txBody>
+          <a:bodyPr/>
+          <a:lstStyle/>
+          <a:p>
+            <a:r>
+              <a:rPr lang="tr-TR" dirty="0"/>
+              <a:t>Assembly ve Makine Dili</a:t>
+            </a:r>
+          </a:p>
+        </p:txBody>
+      </p:sp>
+      <p:sp>
+        <p:nvSpPr>
+          <p:cNvPr id="4" name="Date Placeholder 3">
+            <a:extLst>
+              <a:ext uri="{FF2B5EF4-FFF2-40B4-BE49-F238E27FC236}">
+                <a16:creationId xmlns:a16="http://schemas.microsoft.com/office/drawing/2014/main" id="{A1033918-92DC-AB4D-9938-6B5856AD4381}"/>
+              </a:ext>
+            </a:extLst>
+          </p:cNvPr>
+          <p:cNvSpPr>
+            <a:spLocks noGrp="1"/>
+          </p:cNvSpPr>
+          <p:nvPr>
+            <p:ph type="dt" sz="half" idx="10"/>
+          </p:nvPr>
+        </p:nvSpPr>
+        <p:spPr/>
+        <p:txBody>
+          <a:bodyPr/>
+          <a:lstStyle/>
+          <a:p>
+            <a:r>
+              <a:rPr lang="tr-TR"/>
+              <a:t>Medical Artificial Intelligence</a:t>
+            </a:r>
+            <a:endParaRPr lang="tr-TR" dirty="0"/>
+          </a:p>
+        </p:txBody>
+      </p:sp>
+      <p:sp>
+        <p:nvSpPr>
+          <p:cNvPr id="5" name="Slide Number Placeholder 4">
+            <a:extLst>
+              <a:ext uri="{FF2B5EF4-FFF2-40B4-BE49-F238E27FC236}">
+                <a16:creationId xmlns:a16="http://schemas.microsoft.com/office/drawing/2014/main" id="{E51C2469-92A2-3844-9BBA-00A21CB64815}"/>
+              </a:ext>
+            </a:extLst>
+          </p:cNvPr>
+          <p:cNvSpPr>
+            <a:spLocks noGrp="1"/>
+          </p:cNvSpPr>
+          <p:nvPr>
+            <p:ph type="sldNum" sz="quarter" idx="12"/>
+          </p:nvPr>
+        </p:nvSpPr>
+        <p:spPr/>
+        <p:txBody>
+          <a:bodyPr/>
+          <a:lstStyle/>
+          <a:p>
+            <a:fld id="{4119457A-5965-C148-8898-E00E7A560E34}" type="slidenum">
+              <a:rPr lang="tr-TR" smtClean="0"/>
+              <a:t>17</a:t>
             </a:fld>
             <a:endParaRPr lang="tr-TR" dirty="0"/>
           </a:p>
@@ -7495,388 +8184,6 @@
 </p:sld>
 </file>
 
-<file path=ppt/slides/slide16.xml><?xml version="1.0" encoding="utf-8"?>
-<p:sld xmlns:a="http://schemas.openxmlformats.org/drawingml/2006/main" xmlns:r="http://schemas.openxmlformats.org/officeDocument/2006/relationships" xmlns:p="http://schemas.openxmlformats.org/presentationml/2006/main">
-  <p:cSld>
-    <p:spTree>
-      <p:nvGrpSpPr>
-        <p:cNvPr id="1" name=""/>
-        <p:cNvGrpSpPr/>
-        <p:nvPr/>
-      </p:nvGrpSpPr>
-      <p:grpSpPr>
-        <a:xfrm>
-          <a:off x="0" y="0"/>
-          <a:ext cx="0" cy="0"/>
-          <a:chOff x="0" y="0"/>
-          <a:chExt cx="0" cy="0"/>
-        </a:xfrm>
-      </p:grpSpPr>
-      <p:sp>
-        <p:nvSpPr>
-          <p:cNvPr id="2" name="Title 1">
-            <a:extLst>
-              <a:ext uri="{FF2B5EF4-FFF2-40B4-BE49-F238E27FC236}">
-                <a16:creationId xmlns:a16="http://schemas.microsoft.com/office/drawing/2014/main" id="{91323331-E0E8-2D4A-995E-9C2E696E93E7}"/>
-              </a:ext>
-            </a:extLst>
-          </p:cNvPr>
-          <p:cNvSpPr>
-            <a:spLocks noGrp="1"/>
-          </p:cNvSpPr>
-          <p:nvPr>
-            <p:ph type="title"/>
-          </p:nvPr>
-        </p:nvSpPr>
-        <p:spPr>
-          <a:xfrm>
-            <a:off x="838200" y="365125"/>
-            <a:ext cx="11542986" cy="1325563"/>
-          </a:xfrm>
-        </p:spPr>
-        <p:txBody>
-          <a:bodyPr>
-            <a:normAutofit/>
-          </a:bodyPr>
-          <a:lstStyle/>
-          <a:p>
-            <a:r>
-              <a:rPr lang="tr-TR" dirty="0"/>
-              <a:t>Derleyici(Compiler) ve Yorumlayıcı(Interpreter)</a:t>
-            </a:r>
-          </a:p>
-        </p:txBody>
-      </p:sp>
-      <p:sp>
-        <p:nvSpPr>
-          <p:cNvPr id="3" name="Content Placeholder 2">
-            <a:extLst>
-              <a:ext uri="{FF2B5EF4-FFF2-40B4-BE49-F238E27FC236}">
-                <a16:creationId xmlns:a16="http://schemas.microsoft.com/office/drawing/2014/main" id="{E6CCB8F0-F21A-4F48-AE13-2DC194106EEB}"/>
-              </a:ext>
-            </a:extLst>
-          </p:cNvPr>
-          <p:cNvSpPr>
-            <a:spLocks noGrp="1"/>
-          </p:cNvSpPr>
-          <p:nvPr>
-            <p:ph idx="1"/>
-          </p:nvPr>
-        </p:nvSpPr>
-        <p:spPr/>
-        <p:txBody>
-          <a:bodyPr/>
-          <a:lstStyle/>
-          <a:p>
-            <a:r>
-              <a:rPr lang="tr-TR" dirty="0"/>
-              <a:t>Bahsettiğim üzere derlenen diller çalıştırılmadan önce makine diline derleyiciler tarafından tercüme edilmesi gerekir.</a:t>
-            </a:r>
-          </a:p>
-          <a:p>
-            <a:pPr marL="0" indent="0">
-              <a:buNone/>
-            </a:pPr>
-            <a:endParaRPr lang="tr-TR" dirty="0"/>
-          </a:p>
-          <a:p>
-            <a:r>
-              <a:rPr lang="tr-TR" dirty="0"/>
-              <a:t>Yorumlayıcı, kaynak kodu komut komut okuyup üzerinde çalışılan makinenin komut setine çevirerek çalıştıran bir programdır. Yorumlanarak çalıştırılan yüksek seviyeli diller doğrudan yorumlanmazlar. Genellikle bir ara forma(</a:t>
-            </a:r>
-            <a:r>
-              <a:rPr lang="tr-TR" dirty="0" err="1"/>
-              <a:t>Opcode</a:t>
-            </a:r>
-            <a:r>
-              <a:rPr lang="tr-TR" dirty="0"/>
-              <a:t>, </a:t>
-            </a:r>
-            <a:r>
-              <a:rPr lang="tr-TR" dirty="0" err="1"/>
-              <a:t>Bytecode</a:t>
-            </a:r>
-            <a:r>
-              <a:rPr lang="tr-TR" dirty="0"/>
-              <a:t> vs.) derlenir ve bu kodlar yorumlanarak yerel makine diline çevrilir ve işletilir. Python gibi yorumlanan diller aslında yorumlama aşamasına geçilmeden önce en az 1 kere derlenirler.</a:t>
-            </a:r>
-          </a:p>
-        </p:txBody>
-      </p:sp>
-      <p:sp>
-        <p:nvSpPr>
-          <p:cNvPr id="4" name="Date Placeholder 3">
-            <a:extLst>
-              <a:ext uri="{FF2B5EF4-FFF2-40B4-BE49-F238E27FC236}">
-                <a16:creationId xmlns:a16="http://schemas.microsoft.com/office/drawing/2014/main" id="{E82D68ED-B44D-F44A-9D02-810B047D4D3B}"/>
-              </a:ext>
-            </a:extLst>
-          </p:cNvPr>
-          <p:cNvSpPr>
-            <a:spLocks noGrp="1"/>
-          </p:cNvSpPr>
-          <p:nvPr>
-            <p:ph type="dt" sz="half" idx="10"/>
-          </p:nvPr>
-        </p:nvSpPr>
-        <p:spPr/>
-        <p:txBody>
-          <a:bodyPr/>
-          <a:lstStyle/>
-          <a:p>
-            <a:r>
-              <a:rPr lang="tr-TR"/>
-              <a:t>Medical Artificial Intelligence</a:t>
-            </a:r>
-            <a:endParaRPr lang="tr-TR" dirty="0"/>
-          </a:p>
-        </p:txBody>
-      </p:sp>
-      <p:sp>
-        <p:nvSpPr>
-          <p:cNvPr id="5" name="Slide Number Placeholder 4">
-            <a:extLst>
-              <a:ext uri="{FF2B5EF4-FFF2-40B4-BE49-F238E27FC236}">
-                <a16:creationId xmlns:a16="http://schemas.microsoft.com/office/drawing/2014/main" id="{2A7DA56E-4868-3149-9A96-60659332E995}"/>
-              </a:ext>
-            </a:extLst>
-          </p:cNvPr>
-          <p:cNvSpPr>
-            <a:spLocks noGrp="1"/>
-          </p:cNvSpPr>
-          <p:nvPr>
-            <p:ph type="sldNum" sz="quarter" idx="12"/>
-          </p:nvPr>
-        </p:nvSpPr>
-        <p:spPr/>
-        <p:txBody>
-          <a:bodyPr/>
-          <a:lstStyle/>
-          <a:p>
-            <a:fld id="{4119457A-5965-C148-8898-E00E7A560E34}" type="slidenum">
-              <a:rPr lang="tr-TR" smtClean="0"/>
-              <a:t>16</a:t>
-            </a:fld>
-            <a:endParaRPr lang="tr-TR" dirty="0"/>
-          </a:p>
-        </p:txBody>
-      </p:sp>
-    </p:spTree>
-    <p:extLst>
-      <p:ext uri="{BB962C8B-B14F-4D97-AF65-F5344CB8AC3E}">
-        <p14:creationId xmlns:p14="http://schemas.microsoft.com/office/powerpoint/2010/main" val="4164482068"/>
-      </p:ext>
-    </p:extLst>
-  </p:cSld>
-  <p:clrMapOvr>
-    <a:masterClrMapping/>
-  </p:clrMapOvr>
-</p:sld>
-</file>
-
-<file path=ppt/slides/slide17.xml><?xml version="1.0" encoding="utf-8"?>
-<p:sld xmlns:a="http://schemas.openxmlformats.org/drawingml/2006/main" xmlns:r="http://schemas.openxmlformats.org/officeDocument/2006/relationships" xmlns:p="http://schemas.openxmlformats.org/presentationml/2006/main">
-  <p:cSld>
-    <p:spTree>
-      <p:nvGrpSpPr>
-        <p:cNvPr id="1" name=""/>
-        <p:cNvGrpSpPr/>
-        <p:nvPr/>
-      </p:nvGrpSpPr>
-      <p:grpSpPr>
-        <a:xfrm>
-          <a:off x="0" y="0"/>
-          <a:ext cx="0" cy="0"/>
-          <a:chOff x="0" y="0"/>
-          <a:chExt cx="0" cy="0"/>
-        </a:xfrm>
-      </p:grpSpPr>
-      <p:sp>
-        <p:nvSpPr>
-          <p:cNvPr id="2" name="Title 1">
-            <a:extLst>
-              <a:ext uri="{FF2B5EF4-FFF2-40B4-BE49-F238E27FC236}">
-                <a16:creationId xmlns:a16="http://schemas.microsoft.com/office/drawing/2014/main" id="{D57B2DFC-522F-0642-9E9C-9B4DD63DD34D}"/>
-              </a:ext>
-            </a:extLst>
-          </p:cNvPr>
-          <p:cNvSpPr>
-            <a:spLocks noGrp="1"/>
-          </p:cNvSpPr>
-          <p:nvPr>
-            <p:ph type="title"/>
-          </p:nvPr>
-        </p:nvSpPr>
-        <p:spPr/>
-        <p:txBody>
-          <a:bodyPr/>
-          <a:lstStyle/>
-          <a:p>
-            <a:pPr algn="ctr"/>
-            <a:r>
-              <a:rPr lang="tr-TR" dirty="0"/>
-              <a:t>Python</a:t>
-            </a:r>
-          </a:p>
-        </p:txBody>
-      </p:sp>
-      <p:sp>
-        <p:nvSpPr>
-          <p:cNvPr id="3" name="Content Placeholder 2">
-            <a:extLst>
-              <a:ext uri="{FF2B5EF4-FFF2-40B4-BE49-F238E27FC236}">
-                <a16:creationId xmlns:a16="http://schemas.microsoft.com/office/drawing/2014/main" id="{5680630C-BCFD-2141-A0DC-68104FAFD453}"/>
-              </a:ext>
-            </a:extLst>
-          </p:cNvPr>
-          <p:cNvSpPr>
-            <a:spLocks noGrp="1"/>
-          </p:cNvSpPr>
-          <p:nvPr>
-            <p:ph idx="1"/>
-          </p:nvPr>
-        </p:nvSpPr>
-        <p:spPr/>
-        <p:txBody>
-          <a:bodyPr>
-            <a:normAutofit/>
-          </a:bodyPr>
-          <a:lstStyle/>
-          <a:p>
-            <a:r>
-              <a:rPr lang="tr-TR" dirty="0"/>
-              <a:t>Python, yorumlanmış, nesne yönelimli, üst düzey bir programlama dilidir.</a:t>
-            </a:r>
-          </a:p>
-          <a:p>
-            <a:pPr marL="0" indent="0">
-              <a:buNone/>
-            </a:pPr>
-            <a:endParaRPr lang="tr-TR" dirty="0"/>
-          </a:p>
-          <a:p>
-            <a:r>
-              <a:rPr lang="tr-TR" dirty="0"/>
-              <a:t>1990'ların başında, </a:t>
-            </a:r>
-            <a:r>
-              <a:rPr lang="tr-TR" dirty="0" err="1"/>
-              <a:t>Guido</a:t>
-            </a:r>
-            <a:r>
-              <a:rPr lang="tr-TR" dirty="0"/>
-              <a:t> </a:t>
-            </a:r>
-            <a:r>
-              <a:rPr lang="tr-TR" dirty="0" err="1"/>
-              <a:t>van</a:t>
-            </a:r>
-            <a:r>
-              <a:rPr lang="tr-TR" dirty="0"/>
-              <a:t> </a:t>
-            </a:r>
-            <a:r>
-              <a:rPr lang="tr-TR" dirty="0" err="1"/>
-              <a:t>Rossum</a:t>
-            </a:r>
-            <a:r>
-              <a:rPr lang="tr-TR" dirty="0"/>
-              <a:t>, programlama dili olacak </a:t>
-            </a:r>
-            <a:r>
-              <a:rPr lang="tr-TR" dirty="0" err="1"/>
-              <a:t>Python’ı</a:t>
-            </a:r>
-            <a:r>
-              <a:rPr lang="tr-TR" dirty="0"/>
-              <a:t> tasarladı.</a:t>
-            </a:r>
-          </a:p>
-          <a:p>
-            <a:pPr marL="0" indent="0">
-              <a:buNone/>
-            </a:pPr>
-            <a:endParaRPr lang="tr-TR" dirty="0"/>
-          </a:p>
-          <a:p>
-            <a:r>
-              <a:rPr lang="tr-TR" dirty="0"/>
-              <a:t>Python programları Python yorumlayıcısı tarafından yürütülür. </a:t>
-            </a:r>
-          </a:p>
-        </p:txBody>
-      </p:sp>
-      <p:sp>
-        <p:nvSpPr>
-          <p:cNvPr id="4" name="Date Placeholder 3">
-            <a:extLst>
-              <a:ext uri="{FF2B5EF4-FFF2-40B4-BE49-F238E27FC236}">
-                <a16:creationId xmlns:a16="http://schemas.microsoft.com/office/drawing/2014/main" id="{3E6C67C0-CD10-674E-9C82-B15FFA0F5E3D}"/>
-              </a:ext>
-            </a:extLst>
-          </p:cNvPr>
-          <p:cNvSpPr>
-            <a:spLocks noGrp="1"/>
-          </p:cNvSpPr>
-          <p:nvPr>
-            <p:ph type="dt" sz="half" idx="10"/>
-          </p:nvPr>
-        </p:nvSpPr>
-        <p:spPr/>
-        <p:txBody>
-          <a:bodyPr/>
-          <a:lstStyle/>
-          <a:p>
-            <a:r>
-              <a:rPr lang="tr-TR"/>
-              <a:t>Medical Artificial Intelligence</a:t>
-            </a:r>
-            <a:endParaRPr lang="tr-TR" dirty="0"/>
-          </a:p>
-        </p:txBody>
-      </p:sp>
-      <p:sp>
-        <p:nvSpPr>
-          <p:cNvPr id="5" name="Slide Number Placeholder 4">
-            <a:extLst>
-              <a:ext uri="{FF2B5EF4-FFF2-40B4-BE49-F238E27FC236}">
-                <a16:creationId xmlns:a16="http://schemas.microsoft.com/office/drawing/2014/main" id="{842DCBCE-FA5D-5140-95EB-802E7D5E8A8B}"/>
-              </a:ext>
-            </a:extLst>
-          </p:cNvPr>
-          <p:cNvSpPr>
-            <a:spLocks noGrp="1"/>
-          </p:cNvSpPr>
-          <p:nvPr>
-            <p:ph type="sldNum" sz="quarter" idx="12"/>
-          </p:nvPr>
-        </p:nvSpPr>
-        <p:spPr/>
-        <p:txBody>
-          <a:bodyPr/>
-          <a:lstStyle/>
-          <a:p>
-            <a:fld id="{4119457A-5965-C148-8898-E00E7A560E34}" type="slidenum">
-              <a:rPr lang="tr-TR" smtClean="0"/>
-              <a:t>17</a:t>
-            </a:fld>
-            <a:endParaRPr lang="tr-TR" dirty="0"/>
-          </a:p>
-        </p:txBody>
-      </p:sp>
-    </p:spTree>
-    <p:extLst>
-      <p:ext uri="{BB962C8B-B14F-4D97-AF65-F5344CB8AC3E}">
-        <p14:creationId xmlns:p14="http://schemas.microsoft.com/office/powerpoint/2010/main" val="1446934019"/>
-      </p:ext>
-    </p:extLst>
-  </p:cSld>
-  <p:clrMapOvr>
-    <a:masterClrMapping/>
-  </p:clrMapOvr>
-</p:sld>
-</file>
-
 <file path=ppt/slides/slide18.xml><?xml version="1.0" encoding="utf-8"?>
 <p:sld xmlns:a="http://schemas.openxmlformats.org/drawingml/2006/main" xmlns:r="http://schemas.openxmlformats.org/officeDocument/2006/relationships" xmlns:p="http://schemas.openxmlformats.org/presentationml/2006/main">
   <p:cSld>
@@ -7899,7 +8206,7 @@
           <p:cNvPr id="2" name="Title 1">
             <a:extLst>
               <a:ext uri="{FF2B5EF4-FFF2-40B4-BE49-F238E27FC236}">
-                <a16:creationId xmlns:a16="http://schemas.microsoft.com/office/drawing/2014/main" id="{A8BBD9F0-0A77-2745-A4A0-B263D431E153}"/>
+                <a16:creationId xmlns:a16="http://schemas.microsoft.com/office/drawing/2014/main" id="{91323331-E0E8-2D4A-995E-9C2E696E93E7}"/>
               </a:ext>
             </a:extLst>
           </p:cNvPr>
@@ -7910,6 +8217,41 @@
             <p:ph type="title"/>
           </p:nvPr>
         </p:nvSpPr>
+        <p:spPr>
+          <a:xfrm>
+            <a:off x="838200" y="365125"/>
+            <a:ext cx="11542986" cy="1325563"/>
+          </a:xfrm>
+        </p:spPr>
+        <p:txBody>
+          <a:bodyPr>
+            <a:normAutofit/>
+          </a:bodyPr>
+          <a:lstStyle/>
+          <a:p>
+            <a:r>
+              <a:rPr lang="tr-TR" dirty="0"/>
+              <a:t>Derleyici(Compiler) ve Yorumlayıcı(Interpreter)</a:t>
+            </a:r>
+          </a:p>
+        </p:txBody>
+      </p:sp>
+      <p:sp>
+        <p:nvSpPr>
+          <p:cNvPr id="3" name="Content Placeholder 2">
+            <a:extLst>
+              <a:ext uri="{FF2B5EF4-FFF2-40B4-BE49-F238E27FC236}">
+                <a16:creationId xmlns:a16="http://schemas.microsoft.com/office/drawing/2014/main" id="{E6CCB8F0-F21A-4F48-AE13-2DC194106EEB}"/>
+              </a:ext>
+            </a:extLst>
+          </p:cNvPr>
+          <p:cNvSpPr>
+            <a:spLocks noGrp="1"/>
+          </p:cNvSpPr>
+          <p:nvPr>
+            <p:ph idx="1"/>
+          </p:nvPr>
+        </p:nvSpPr>
         <p:spPr/>
         <p:txBody>
           <a:bodyPr/>
@@ -7917,109 +8259,35 @@
           <a:p>
             <a:r>
               <a:rPr lang="tr-TR" dirty="0"/>
-              <a:t>Python</a:t>
-            </a:r>
-          </a:p>
-        </p:txBody>
-      </p:sp>
-      <p:sp>
-        <p:nvSpPr>
-          <p:cNvPr id="3" name="Content Placeholder 2">
-            <a:extLst>
-              <a:ext uri="{FF2B5EF4-FFF2-40B4-BE49-F238E27FC236}">
-                <a16:creationId xmlns:a16="http://schemas.microsoft.com/office/drawing/2014/main" id="{D1057DE3-B500-9649-9A7D-287FBB306577}"/>
-              </a:ext>
-            </a:extLst>
-          </p:cNvPr>
-          <p:cNvSpPr>
-            <a:spLocks noGrp="1"/>
-          </p:cNvSpPr>
-          <p:nvPr>
-            <p:ph idx="1"/>
-          </p:nvPr>
-        </p:nvSpPr>
-        <p:spPr/>
-        <p:txBody>
-          <a:bodyPr/>
-          <a:lstStyle/>
+              <a:t>Bahsettiğim üzere derlenen diller çalıştırılmadan önce makine diline derleyiciler tarafından tercüme edilmesi gerekir.</a:t>
+            </a:r>
+          </a:p>
+          <a:p>
+            <a:pPr marL="0" indent="0">
+              <a:buNone/>
+            </a:pPr>
+            <a:endParaRPr lang="tr-TR" dirty="0"/>
+          </a:p>
           <a:p>
             <a:r>
               <a:rPr lang="tr-TR" dirty="0"/>
-              <a:t>İki </a:t>
+              <a:t>Yorumlayıcı, kaynak kodu komut komut okuyup üzerinde çalışılan makinenin komut setine çevirerek çalıştıran bir programdır. Yorumlanarak çalıştırılan yüksek seviyeli diller doğrudan yorumlanmazlar. Genellikle bir ara forma(</a:t>
             </a:r>
             <a:r>
               <a:rPr lang="tr-TR" dirty="0" err="1"/>
-              <a:t>modu</a:t>
+              <a:t>Opcode</a:t>
             </a:r>
             <a:r>
               <a:rPr lang="tr-TR" dirty="0"/>
-              <a:t> var: </a:t>
+              <a:t>, </a:t>
             </a:r>
             <a:r>
               <a:rPr lang="tr-TR" dirty="0" err="1"/>
-              <a:t>interactive</a:t>
+              <a:t>Bytecode</a:t>
             </a:r>
             <a:r>
               <a:rPr lang="tr-TR" dirty="0"/>
-              <a:t> (etkileşim) </a:t>
-            </a:r>
-            <a:r>
-              <a:rPr lang="tr-TR" dirty="0" err="1"/>
-              <a:t>mod</a:t>
-            </a:r>
-            <a:r>
-              <a:rPr lang="tr-TR" dirty="0"/>
-              <a:t> ve </a:t>
-            </a:r>
-            <a:r>
-              <a:rPr lang="tr-TR" dirty="0" err="1"/>
-              <a:t>script</a:t>
-            </a:r>
-            <a:r>
-              <a:rPr lang="tr-TR" dirty="0"/>
-              <a:t> (komut dosyası) </a:t>
-            </a:r>
-            <a:r>
-              <a:rPr lang="tr-TR" dirty="0" err="1"/>
-              <a:t>modu</a:t>
-            </a:r>
-            <a:r>
-              <a:rPr lang="tr-TR" dirty="0"/>
-              <a:t>.</a:t>
-            </a:r>
-          </a:p>
-          <a:p>
-            <a:r>
-              <a:rPr lang="tr-TR" dirty="0"/>
-              <a:t>Etkileşimli </a:t>
-            </a:r>
-            <a:r>
-              <a:rPr lang="tr-TR" dirty="0" err="1"/>
-              <a:t>modda</a:t>
-            </a:r>
-            <a:r>
-              <a:rPr lang="tr-TR" dirty="0"/>
-              <a:t> Python programlarını yazdığınızda yorumlayıcı sonucu yazdırır. </a:t>
-            </a:r>
-          </a:p>
-          <a:p>
-            <a:r>
-              <a:rPr lang="tr-TR" dirty="0"/>
-              <a:t>Alternatif olarak, bir dosyada kod saklayabilir ve komut dosyası olarak adlandırılan dosyanın içeriğini yürütmek için yorumlayıcıyı kullanabilirsiniz.</a:t>
-            </a:r>
-          </a:p>
-          <a:p>
-            <a:r>
-              <a:rPr lang="tr-TR" dirty="0"/>
-              <a:t>Kurallara göre, Python komut dosyaları “.</a:t>
-            </a:r>
-            <a:r>
-              <a:rPr lang="tr-TR" dirty="0" err="1"/>
-              <a:t>py</a:t>
-            </a:r>
-            <a:r>
-              <a:rPr lang="tr-TR" dirty="0"/>
-              <a:t>” ile biterler.</a:t>
+              <a:t> vs.) derlenir ve bu kodlar yorumlanarak yerel makine diline çevrilir ve işletilir. Python gibi yorumlanan diller aslında yorumlama aşamasına geçilmeden önce en az 1 kere derlenirler.</a:t>
             </a:r>
           </a:p>
         </p:txBody>
@@ -8029,7 +8297,7 @@
           <p:cNvPr id="4" name="Date Placeholder 3">
             <a:extLst>
               <a:ext uri="{FF2B5EF4-FFF2-40B4-BE49-F238E27FC236}">
-                <a16:creationId xmlns:a16="http://schemas.microsoft.com/office/drawing/2014/main" id="{5E32E187-5299-CF4F-8FB4-F056CD928B60}"/>
+                <a16:creationId xmlns:a16="http://schemas.microsoft.com/office/drawing/2014/main" id="{E82D68ED-B44D-F44A-9D02-810B047D4D3B}"/>
               </a:ext>
             </a:extLst>
           </p:cNvPr>
@@ -8058,7 +8326,7 @@
           <p:cNvPr id="5" name="Slide Number Placeholder 4">
             <a:extLst>
               <a:ext uri="{FF2B5EF4-FFF2-40B4-BE49-F238E27FC236}">
-                <a16:creationId xmlns:a16="http://schemas.microsoft.com/office/drawing/2014/main" id="{E3789D76-D8A4-8743-8CB9-4BC17D0BF6FE}"/>
+                <a16:creationId xmlns:a16="http://schemas.microsoft.com/office/drawing/2014/main" id="{2A7DA56E-4868-3149-9A96-60659332E995}"/>
               </a:ext>
             </a:extLst>
           </p:cNvPr>
@@ -8085,7 +8353,7 @@
     </p:spTree>
     <p:extLst>
       <p:ext uri="{BB962C8B-B14F-4D97-AF65-F5344CB8AC3E}">
-        <p14:creationId xmlns:p14="http://schemas.microsoft.com/office/powerpoint/2010/main" val="4175489785"/>
+        <p14:creationId xmlns:p14="http://schemas.microsoft.com/office/powerpoint/2010/main" val="4164482068"/>
       </p:ext>
     </p:extLst>
   </p:cSld>
@@ -8117,7 +8385,7 @@
           <p:cNvPr id="2" name="Title 1">
             <a:extLst>
               <a:ext uri="{FF2B5EF4-FFF2-40B4-BE49-F238E27FC236}">
-                <a16:creationId xmlns:a16="http://schemas.microsoft.com/office/drawing/2014/main" id="{B2FC8C66-3936-6948-A680-63E5F26E1158}"/>
+                <a16:creationId xmlns:a16="http://schemas.microsoft.com/office/drawing/2014/main" id="{D57B2DFC-522F-0642-9E9C-9B4DD63DD34D}"/>
               </a:ext>
             </a:extLst>
           </p:cNvPr>
@@ -8133,48 +8401,106 @@
           <a:bodyPr/>
           <a:lstStyle/>
           <a:p>
+            <a:pPr algn="ctr"/>
             <a:r>
               <a:rPr lang="tr-TR" dirty="0"/>
-              <a:t>Neden Python?</a:t>
-            </a:r>
-          </a:p>
-        </p:txBody>
-      </p:sp>
-      <p:pic>
-        <p:nvPicPr>
-          <p:cNvPr id="7" name="Content Placeholder 6">
-            <a:extLst>
-              <a:ext uri="{FF2B5EF4-FFF2-40B4-BE49-F238E27FC236}">
-                <a16:creationId xmlns:a16="http://schemas.microsoft.com/office/drawing/2014/main" id="{D16FFCD8-DBEF-3A4C-A0C8-3FC1F7ECC60C}"/>
-              </a:ext>
-            </a:extLst>
-          </p:cNvPr>
-          <p:cNvPicPr>
-            <a:picLocks noGrp="1" noChangeAspect="1"/>
-          </p:cNvPicPr>
+              <a:t>Python</a:t>
+            </a:r>
+          </a:p>
+        </p:txBody>
+      </p:sp>
+      <p:sp>
+        <p:nvSpPr>
+          <p:cNvPr id="3" name="Content Placeholder 2">
+            <a:extLst>
+              <a:ext uri="{FF2B5EF4-FFF2-40B4-BE49-F238E27FC236}">
+                <a16:creationId xmlns:a16="http://schemas.microsoft.com/office/drawing/2014/main" id="{5680630C-BCFD-2141-A0DC-68104FAFD453}"/>
+              </a:ext>
+            </a:extLst>
+          </p:cNvPr>
+          <p:cNvSpPr>
+            <a:spLocks noGrp="1"/>
+          </p:cNvSpPr>
           <p:nvPr>
             <p:ph idx="1"/>
           </p:nvPr>
-        </p:nvPicPr>
-        <p:blipFill>
-          <a:blip r:embed="rId2"/>
-          <a:stretch>
-            <a:fillRect/>
-          </a:stretch>
-        </p:blipFill>
-        <p:spPr>
-          <a:xfrm>
-            <a:off x="838200" y="1425575"/>
-            <a:ext cx="9468681" cy="4351338"/>
-          </a:xfrm>
-        </p:spPr>
-      </p:pic>
+        </p:nvSpPr>
+        <p:spPr/>
+        <p:txBody>
+          <a:bodyPr>
+            <a:normAutofit/>
+          </a:bodyPr>
+          <a:lstStyle/>
+          <a:p>
+            <a:r>
+              <a:rPr lang="tr-TR" dirty="0"/>
+              <a:t>Python, yorumlanmış, nesne yönelimli, üst düzey bir programlama dilidir.</a:t>
+            </a:r>
+          </a:p>
+          <a:p>
+            <a:pPr marL="0" indent="0">
+              <a:buNone/>
+            </a:pPr>
+            <a:endParaRPr lang="tr-TR" dirty="0"/>
+          </a:p>
+          <a:p>
+            <a:r>
+              <a:rPr lang="tr-TR" dirty="0"/>
+              <a:t>1990'ların başında, </a:t>
+            </a:r>
+            <a:r>
+              <a:rPr lang="tr-TR" dirty="0" err="1"/>
+              <a:t>Guido</a:t>
+            </a:r>
+            <a:r>
+              <a:rPr lang="tr-TR" dirty="0"/>
+              <a:t> </a:t>
+            </a:r>
+            <a:r>
+              <a:rPr lang="tr-TR" dirty="0" err="1"/>
+              <a:t>van</a:t>
+            </a:r>
+            <a:r>
+              <a:rPr lang="tr-TR" dirty="0"/>
+              <a:t> </a:t>
+            </a:r>
+            <a:r>
+              <a:rPr lang="tr-TR" dirty="0" err="1"/>
+              <a:t>Rossum</a:t>
+            </a:r>
+            <a:r>
+              <a:rPr lang="tr-TR" dirty="0"/>
+              <a:t>, programlama dili olacak </a:t>
+            </a:r>
+            <a:r>
+              <a:rPr lang="tr-TR" dirty="0" err="1"/>
+              <a:t>Python’ı</a:t>
+            </a:r>
+            <a:r>
+              <a:rPr lang="tr-TR" dirty="0"/>
+              <a:t> tasarladı.</a:t>
+            </a:r>
+          </a:p>
+          <a:p>
+            <a:pPr marL="0" indent="0">
+              <a:buNone/>
+            </a:pPr>
+            <a:endParaRPr lang="tr-TR" dirty="0"/>
+          </a:p>
+          <a:p>
+            <a:r>
+              <a:rPr lang="tr-TR" dirty="0"/>
+              <a:t>Python programları Python yorumlayıcısı tarafından yürütülür. </a:t>
+            </a:r>
+          </a:p>
+        </p:txBody>
+      </p:sp>
       <p:sp>
         <p:nvSpPr>
           <p:cNvPr id="4" name="Date Placeholder 3">
             <a:extLst>
               <a:ext uri="{FF2B5EF4-FFF2-40B4-BE49-F238E27FC236}">
-                <a16:creationId xmlns:a16="http://schemas.microsoft.com/office/drawing/2014/main" id="{83CAE64F-D7FA-4848-B0D3-0DAE44C28DC1}"/>
+                <a16:creationId xmlns:a16="http://schemas.microsoft.com/office/drawing/2014/main" id="{3E6C67C0-CD10-674E-9C82-B15FFA0F5E3D}"/>
               </a:ext>
             </a:extLst>
           </p:cNvPr>
@@ -8203,7 +8529,7 @@
           <p:cNvPr id="5" name="Slide Number Placeholder 4">
             <a:extLst>
               <a:ext uri="{FF2B5EF4-FFF2-40B4-BE49-F238E27FC236}">
-                <a16:creationId xmlns:a16="http://schemas.microsoft.com/office/drawing/2014/main" id="{E2503306-CC18-1C46-A5EA-B0D964CB391C}"/>
+                <a16:creationId xmlns:a16="http://schemas.microsoft.com/office/drawing/2014/main" id="{842DCBCE-FA5D-5140-95EB-802E7D5E8A8B}"/>
               </a:ext>
             </a:extLst>
           </p:cNvPr>
@@ -8230,7 +8556,7 @@
     </p:spTree>
     <p:extLst>
       <p:ext uri="{BB962C8B-B14F-4D97-AF65-F5344CB8AC3E}">
-        <p14:creationId xmlns:p14="http://schemas.microsoft.com/office/powerpoint/2010/main" val="4052736121"/>
+        <p14:creationId xmlns:p14="http://schemas.microsoft.com/office/powerpoint/2010/main" val="1446934019"/>
       </p:ext>
     </p:extLst>
   </p:cSld>
@@ -8468,6 +8794,369 @@
           <p:cNvPr id="2" name="Title 1">
             <a:extLst>
               <a:ext uri="{FF2B5EF4-FFF2-40B4-BE49-F238E27FC236}">
+                <a16:creationId xmlns:a16="http://schemas.microsoft.com/office/drawing/2014/main" id="{A8BBD9F0-0A77-2745-A4A0-B263D431E153}"/>
+              </a:ext>
+            </a:extLst>
+          </p:cNvPr>
+          <p:cNvSpPr>
+            <a:spLocks noGrp="1"/>
+          </p:cNvSpPr>
+          <p:nvPr>
+            <p:ph type="title"/>
+          </p:nvPr>
+        </p:nvSpPr>
+        <p:spPr/>
+        <p:txBody>
+          <a:bodyPr/>
+          <a:lstStyle/>
+          <a:p>
+            <a:r>
+              <a:rPr lang="tr-TR" dirty="0"/>
+              <a:t>Python</a:t>
+            </a:r>
+          </a:p>
+        </p:txBody>
+      </p:sp>
+      <p:sp>
+        <p:nvSpPr>
+          <p:cNvPr id="3" name="Content Placeholder 2">
+            <a:extLst>
+              <a:ext uri="{FF2B5EF4-FFF2-40B4-BE49-F238E27FC236}">
+                <a16:creationId xmlns:a16="http://schemas.microsoft.com/office/drawing/2014/main" id="{D1057DE3-B500-9649-9A7D-287FBB306577}"/>
+              </a:ext>
+            </a:extLst>
+          </p:cNvPr>
+          <p:cNvSpPr>
+            <a:spLocks noGrp="1"/>
+          </p:cNvSpPr>
+          <p:nvPr>
+            <p:ph idx="1"/>
+          </p:nvPr>
+        </p:nvSpPr>
+        <p:spPr/>
+        <p:txBody>
+          <a:bodyPr/>
+          <a:lstStyle/>
+          <a:p>
+            <a:r>
+              <a:rPr lang="tr-TR" dirty="0"/>
+              <a:t>İki </a:t>
+            </a:r>
+            <a:r>
+              <a:rPr lang="tr-TR" dirty="0" err="1"/>
+              <a:t>modu</a:t>
+            </a:r>
+            <a:r>
+              <a:rPr lang="tr-TR" dirty="0"/>
+              <a:t> var: </a:t>
+            </a:r>
+            <a:r>
+              <a:rPr lang="tr-TR" dirty="0" err="1"/>
+              <a:t>interactive</a:t>
+            </a:r>
+            <a:r>
+              <a:rPr lang="tr-TR" dirty="0"/>
+              <a:t> (etkileşim) </a:t>
+            </a:r>
+            <a:r>
+              <a:rPr lang="tr-TR" dirty="0" err="1"/>
+              <a:t>mod</a:t>
+            </a:r>
+            <a:r>
+              <a:rPr lang="tr-TR" dirty="0"/>
+              <a:t> ve </a:t>
+            </a:r>
+            <a:r>
+              <a:rPr lang="tr-TR" dirty="0" err="1"/>
+              <a:t>script</a:t>
+            </a:r>
+            <a:r>
+              <a:rPr lang="tr-TR" dirty="0"/>
+              <a:t> (komut dosyası) </a:t>
+            </a:r>
+            <a:r>
+              <a:rPr lang="tr-TR" dirty="0" err="1"/>
+              <a:t>modu</a:t>
+            </a:r>
+            <a:r>
+              <a:rPr lang="tr-TR" dirty="0"/>
+              <a:t>.</a:t>
+            </a:r>
+          </a:p>
+          <a:p>
+            <a:r>
+              <a:rPr lang="tr-TR" dirty="0"/>
+              <a:t>Etkileşimli </a:t>
+            </a:r>
+            <a:r>
+              <a:rPr lang="tr-TR" dirty="0" err="1"/>
+              <a:t>modda</a:t>
+            </a:r>
+            <a:r>
+              <a:rPr lang="tr-TR" dirty="0"/>
+              <a:t> Python programlarını yazdığınızda yorumlayıcı sonucu yazdırır. </a:t>
+            </a:r>
+          </a:p>
+          <a:p>
+            <a:r>
+              <a:rPr lang="tr-TR" dirty="0"/>
+              <a:t>Alternatif olarak, bir dosyada kod saklayabilir ve komut dosyası olarak adlandırılan dosyanın içeriğini yürütmek için yorumlayıcıyı kullanabilirsiniz.</a:t>
+            </a:r>
+          </a:p>
+          <a:p>
+            <a:r>
+              <a:rPr lang="tr-TR" dirty="0"/>
+              <a:t>Kurallara göre, Python komut dosyaları “.</a:t>
+            </a:r>
+            <a:r>
+              <a:rPr lang="tr-TR" dirty="0" err="1"/>
+              <a:t>py</a:t>
+            </a:r>
+            <a:r>
+              <a:rPr lang="tr-TR" dirty="0"/>
+              <a:t>” ile biterler.</a:t>
+            </a:r>
+          </a:p>
+        </p:txBody>
+      </p:sp>
+      <p:sp>
+        <p:nvSpPr>
+          <p:cNvPr id="4" name="Date Placeholder 3">
+            <a:extLst>
+              <a:ext uri="{FF2B5EF4-FFF2-40B4-BE49-F238E27FC236}">
+                <a16:creationId xmlns:a16="http://schemas.microsoft.com/office/drawing/2014/main" id="{5E32E187-5299-CF4F-8FB4-F056CD928B60}"/>
+              </a:ext>
+            </a:extLst>
+          </p:cNvPr>
+          <p:cNvSpPr>
+            <a:spLocks noGrp="1"/>
+          </p:cNvSpPr>
+          <p:nvPr>
+            <p:ph type="dt" sz="half" idx="10"/>
+          </p:nvPr>
+        </p:nvSpPr>
+        <p:spPr/>
+        <p:txBody>
+          <a:bodyPr/>
+          <a:lstStyle/>
+          <a:p>
+            <a:r>
+              <a:rPr lang="tr-TR"/>
+              <a:t>Medical Artificial Intelligence</a:t>
+            </a:r>
+            <a:endParaRPr lang="tr-TR" dirty="0"/>
+          </a:p>
+        </p:txBody>
+      </p:sp>
+      <p:sp>
+        <p:nvSpPr>
+          <p:cNvPr id="5" name="Slide Number Placeholder 4">
+            <a:extLst>
+              <a:ext uri="{FF2B5EF4-FFF2-40B4-BE49-F238E27FC236}">
+                <a16:creationId xmlns:a16="http://schemas.microsoft.com/office/drawing/2014/main" id="{E3789D76-D8A4-8743-8CB9-4BC17D0BF6FE}"/>
+              </a:ext>
+            </a:extLst>
+          </p:cNvPr>
+          <p:cNvSpPr>
+            <a:spLocks noGrp="1"/>
+          </p:cNvSpPr>
+          <p:nvPr>
+            <p:ph type="sldNum" sz="quarter" idx="12"/>
+          </p:nvPr>
+        </p:nvSpPr>
+        <p:spPr/>
+        <p:txBody>
+          <a:bodyPr/>
+          <a:lstStyle/>
+          <a:p>
+            <a:fld id="{4119457A-5965-C148-8898-E00E7A560E34}" type="slidenum">
+              <a:rPr lang="tr-TR" smtClean="0"/>
+              <a:t>20</a:t>
+            </a:fld>
+            <a:endParaRPr lang="tr-TR" dirty="0"/>
+          </a:p>
+        </p:txBody>
+      </p:sp>
+    </p:spTree>
+    <p:extLst>
+      <p:ext uri="{BB962C8B-B14F-4D97-AF65-F5344CB8AC3E}">
+        <p14:creationId xmlns:p14="http://schemas.microsoft.com/office/powerpoint/2010/main" val="4175489785"/>
+      </p:ext>
+    </p:extLst>
+  </p:cSld>
+  <p:clrMapOvr>
+    <a:masterClrMapping/>
+  </p:clrMapOvr>
+</p:sld>
+</file>
+
+<file path=ppt/slides/slide21.xml><?xml version="1.0" encoding="utf-8"?>
+<p:sld xmlns:a="http://schemas.openxmlformats.org/drawingml/2006/main" xmlns:r="http://schemas.openxmlformats.org/officeDocument/2006/relationships" xmlns:p="http://schemas.openxmlformats.org/presentationml/2006/main">
+  <p:cSld>
+    <p:spTree>
+      <p:nvGrpSpPr>
+        <p:cNvPr id="1" name=""/>
+        <p:cNvGrpSpPr/>
+        <p:nvPr/>
+      </p:nvGrpSpPr>
+      <p:grpSpPr>
+        <a:xfrm>
+          <a:off x="0" y="0"/>
+          <a:ext cx="0" cy="0"/>
+          <a:chOff x="0" y="0"/>
+          <a:chExt cx="0" cy="0"/>
+        </a:xfrm>
+      </p:grpSpPr>
+      <p:sp>
+        <p:nvSpPr>
+          <p:cNvPr id="2" name="Title 1">
+            <a:extLst>
+              <a:ext uri="{FF2B5EF4-FFF2-40B4-BE49-F238E27FC236}">
+                <a16:creationId xmlns:a16="http://schemas.microsoft.com/office/drawing/2014/main" id="{B2FC8C66-3936-6948-A680-63E5F26E1158}"/>
+              </a:ext>
+            </a:extLst>
+          </p:cNvPr>
+          <p:cNvSpPr>
+            <a:spLocks noGrp="1"/>
+          </p:cNvSpPr>
+          <p:nvPr>
+            <p:ph type="title"/>
+          </p:nvPr>
+        </p:nvSpPr>
+        <p:spPr/>
+        <p:txBody>
+          <a:bodyPr/>
+          <a:lstStyle/>
+          <a:p>
+            <a:r>
+              <a:rPr lang="tr-TR" dirty="0"/>
+              <a:t>Neden Python?</a:t>
+            </a:r>
+          </a:p>
+        </p:txBody>
+      </p:sp>
+      <p:pic>
+        <p:nvPicPr>
+          <p:cNvPr id="7" name="Content Placeholder 6">
+            <a:extLst>
+              <a:ext uri="{FF2B5EF4-FFF2-40B4-BE49-F238E27FC236}">
+                <a16:creationId xmlns:a16="http://schemas.microsoft.com/office/drawing/2014/main" id="{D16FFCD8-DBEF-3A4C-A0C8-3FC1F7ECC60C}"/>
+              </a:ext>
+            </a:extLst>
+          </p:cNvPr>
+          <p:cNvPicPr>
+            <a:picLocks noGrp="1" noChangeAspect="1"/>
+          </p:cNvPicPr>
+          <p:nvPr>
+            <p:ph idx="1"/>
+          </p:nvPr>
+        </p:nvPicPr>
+        <p:blipFill>
+          <a:blip r:embed="rId2"/>
+          <a:stretch>
+            <a:fillRect/>
+          </a:stretch>
+        </p:blipFill>
+        <p:spPr>
+          <a:xfrm>
+            <a:off x="838200" y="1425575"/>
+            <a:ext cx="9468681" cy="4351338"/>
+          </a:xfrm>
+        </p:spPr>
+      </p:pic>
+      <p:sp>
+        <p:nvSpPr>
+          <p:cNvPr id="4" name="Date Placeholder 3">
+            <a:extLst>
+              <a:ext uri="{FF2B5EF4-FFF2-40B4-BE49-F238E27FC236}">
+                <a16:creationId xmlns:a16="http://schemas.microsoft.com/office/drawing/2014/main" id="{83CAE64F-D7FA-4848-B0D3-0DAE44C28DC1}"/>
+              </a:ext>
+            </a:extLst>
+          </p:cNvPr>
+          <p:cNvSpPr>
+            <a:spLocks noGrp="1"/>
+          </p:cNvSpPr>
+          <p:nvPr>
+            <p:ph type="dt" sz="half" idx="10"/>
+          </p:nvPr>
+        </p:nvSpPr>
+        <p:spPr/>
+        <p:txBody>
+          <a:bodyPr/>
+          <a:lstStyle/>
+          <a:p>
+            <a:r>
+              <a:rPr lang="tr-TR"/>
+              <a:t>Medical Artificial Intelligence</a:t>
+            </a:r>
+            <a:endParaRPr lang="tr-TR" dirty="0"/>
+          </a:p>
+        </p:txBody>
+      </p:sp>
+      <p:sp>
+        <p:nvSpPr>
+          <p:cNvPr id="5" name="Slide Number Placeholder 4">
+            <a:extLst>
+              <a:ext uri="{FF2B5EF4-FFF2-40B4-BE49-F238E27FC236}">
+                <a16:creationId xmlns:a16="http://schemas.microsoft.com/office/drawing/2014/main" id="{E2503306-CC18-1C46-A5EA-B0D964CB391C}"/>
+              </a:ext>
+            </a:extLst>
+          </p:cNvPr>
+          <p:cNvSpPr>
+            <a:spLocks noGrp="1"/>
+          </p:cNvSpPr>
+          <p:nvPr>
+            <p:ph type="sldNum" sz="quarter" idx="12"/>
+          </p:nvPr>
+        </p:nvSpPr>
+        <p:spPr/>
+        <p:txBody>
+          <a:bodyPr/>
+          <a:lstStyle/>
+          <a:p>
+            <a:fld id="{4119457A-5965-C148-8898-E00E7A560E34}" type="slidenum">
+              <a:rPr lang="tr-TR" smtClean="0"/>
+              <a:t>21</a:t>
+            </a:fld>
+            <a:endParaRPr lang="tr-TR" dirty="0"/>
+          </a:p>
+        </p:txBody>
+      </p:sp>
+    </p:spTree>
+    <p:extLst>
+      <p:ext uri="{BB962C8B-B14F-4D97-AF65-F5344CB8AC3E}">
+        <p14:creationId xmlns:p14="http://schemas.microsoft.com/office/powerpoint/2010/main" val="4052736121"/>
+      </p:ext>
+    </p:extLst>
+  </p:cSld>
+  <p:clrMapOvr>
+    <a:masterClrMapping/>
+  </p:clrMapOvr>
+</p:sld>
+</file>
+
+<file path=ppt/slides/slide22.xml><?xml version="1.0" encoding="utf-8"?>
+<p:sld xmlns:a="http://schemas.openxmlformats.org/drawingml/2006/main" xmlns:r="http://schemas.openxmlformats.org/officeDocument/2006/relationships" xmlns:p="http://schemas.openxmlformats.org/presentationml/2006/main">
+  <p:cSld>
+    <p:spTree>
+      <p:nvGrpSpPr>
+        <p:cNvPr id="1" name=""/>
+        <p:cNvGrpSpPr/>
+        <p:nvPr/>
+      </p:nvGrpSpPr>
+      <p:grpSpPr>
+        <a:xfrm>
+          <a:off x="0" y="0"/>
+          <a:ext cx="0" cy="0"/>
+          <a:chOff x="0" y="0"/>
+          <a:chExt cx="0" cy="0"/>
+        </a:xfrm>
+      </p:grpSpPr>
+      <p:sp>
+        <p:nvSpPr>
+          <p:cNvPr id="2" name="Title 1">
+            <a:extLst>
+              <a:ext uri="{FF2B5EF4-FFF2-40B4-BE49-F238E27FC236}">
                 <a16:creationId xmlns:a16="http://schemas.microsoft.com/office/drawing/2014/main" id="{A8FFC037-4536-1A41-892B-3028494A78A1}"/>
               </a:ext>
             </a:extLst>
@@ -8572,7 +9261,7 @@
           <a:p>
             <a:fld id="{4119457A-5965-C148-8898-E00E7A560E34}" type="slidenum">
               <a:rPr lang="tr-TR" smtClean="0"/>
-              <a:t>20</a:t>
+              <a:t>22</a:t>
             </a:fld>
             <a:endParaRPr lang="tr-TR" dirty="0"/>
           </a:p>
@@ -8621,7 +9310,7 @@
 </p:sld>
 </file>
 
-<file path=ppt/slides/slide21.xml><?xml version="1.0" encoding="utf-8"?>
+<file path=ppt/slides/slide23.xml><?xml version="1.0" encoding="utf-8"?>
 <p:sld xmlns:a="http://schemas.openxmlformats.org/drawingml/2006/main" xmlns:r="http://schemas.openxmlformats.org/officeDocument/2006/relationships" xmlns:p="http://schemas.openxmlformats.org/presentationml/2006/main">
   <p:cSld>
     <p:spTree>
@@ -8793,7 +9482,7 @@
           <a:p>
             <a:fld id="{4119457A-5965-C148-8898-E00E7A560E34}" type="slidenum">
               <a:rPr lang="tr-TR" smtClean="0"/>
-              <a:t>21</a:t>
+              <a:t>23</a:t>
             </a:fld>
             <a:endParaRPr lang="tr-TR" dirty="0"/>
           </a:p>
@@ -8812,7 +9501,7 @@
 </p:sld>
 </file>
 
-<file path=ppt/slides/slide22.xml><?xml version="1.0" encoding="utf-8"?>
+<file path=ppt/slides/slide24.xml><?xml version="1.0" encoding="utf-8"?>
 <p:sld xmlns:a="http://schemas.openxmlformats.org/drawingml/2006/main" xmlns:r="http://schemas.openxmlformats.org/officeDocument/2006/relationships" xmlns:p="http://schemas.openxmlformats.org/presentationml/2006/main">
   <p:cSld>
     <p:spTree>
@@ -8952,7 +9641,7 @@
           <a:p>
             <a:fld id="{4119457A-5965-C148-8898-E00E7A560E34}" type="slidenum">
               <a:rPr lang="tr-TR" smtClean="0"/>
-              <a:t>22</a:t>
+              <a:t>24</a:t>
             </a:fld>
             <a:endParaRPr lang="tr-TR" dirty="0"/>
           </a:p>
@@ -9752,7 +10441,7 @@
           <p:cNvPr id="2" name="Title 1">
             <a:extLst>
               <a:ext uri="{FF2B5EF4-FFF2-40B4-BE49-F238E27FC236}">
-                <a16:creationId xmlns:a16="http://schemas.microsoft.com/office/drawing/2014/main" id="{8E282CD7-3A56-E64F-93CA-D6C29A00E8AC}"/>
+                <a16:creationId xmlns:a16="http://schemas.microsoft.com/office/drawing/2014/main" id="{420C1C16-2CDB-0C4D-B48C-61F9D3A0B9B0}"/>
               </a:ext>
             </a:extLst>
           </p:cNvPr>
@@ -9770,84 +10459,46 @@
           <a:p>
             <a:r>
               <a:rPr lang="tr-TR" dirty="0"/>
-              <a:t>Bilgi veri yapıları ile nasıl temsil edilir?</a:t>
-            </a:r>
-          </a:p>
-        </p:txBody>
-      </p:sp>
-      <p:sp>
-        <p:nvSpPr>
-          <p:cNvPr id="3" name="Content Placeholder 2">
-            <a:extLst>
-              <a:ext uri="{FF2B5EF4-FFF2-40B4-BE49-F238E27FC236}">
-                <a16:creationId xmlns:a16="http://schemas.microsoft.com/office/drawing/2014/main" id="{018E57A1-5960-C440-B49E-AEF88E9C6264}"/>
-              </a:ext>
-            </a:extLst>
-          </p:cNvPr>
-          <p:cNvSpPr>
-            <a:spLocks noGrp="1"/>
-          </p:cNvSpPr>
+              <a:t>Problemler</a:t>
+            </a:r>
+          </a:p>
+        </p:txBody>
+      </p:sp>
+      <p:pic>
+        <p:nvPicPr>
+          <p:cNvPr id="7" name="Content Placeholder 6" descr="A screenshot of a cell phone&#10;&#10;Description automatically generated">
+            <a:extLst>
+              <a:ext uri="{FF2B5EF4-FFF2-40B4-BE49-F238E27FC236}">
+                <a16:creationId xmlns:a16="http://schemas.microsoft.com/office/drawing/2014/main" id="{C094042E-55A7-644D-BB7E-326020746AED}"/>
+              </a:ext>
+            </a:extLst>
+          </p:cNvPr>
+          <p:cNvPicPr>
+            <a:picLocks noGrp="1" noChangeAspect="1"/>
+          </p:cNvPicPr>
           <p:nvPr>
             <p:ph idx="1"/>
           </p:nvPr>
-        </p:nvSpPr>
-        <p:spPr/>
-        <p:txBody>
-          <a:bodyPr/>
-          <a:lstStyle/>
-          <a:p>
-            <a:r>
-              <a:rPr lang="tr-TR" dirty="0"/>
-              <a:t>Objeler (Nesneler)</a:t>
-            </a:r>
-          </a:p>
-          <a:p>
-            <a:pPr lvl="1"/>
-            <a:r>
-              <a:rPr lang="tr-TR" dirty="0"/>
-              <a:t>Belirli birtakım metotlara ve/veya niteliklere sahip olan öğelere nesne adı verilir. Yani ‘nesne’ kelimesi, içinde birtakım metot ve/veya nitelikler barındıran öğeleri tanımlamak için kullanılan bir tabirden, basit bir isimlendirmeden ibarettir.</a:t>
-            </a:r>
-          </a:p>
-          <a:p>
-            <a:pPr lvl="1"/>
-            <a:endParaRPr lang="tr-TR" dirty="0"/>
-          </a:p>
-          <a:p>
-            <a:pPr lvl="1"/>
-            <a:r>
-              <a:rPr lang="tr-TR" dirty="0"/>
-              <a:t>Batuhan bir insandır.</a:t>
-            </a:r>
-          </a:p>
-          <a:p>
-            <a:pPr lvl="2"/>
-            <a:r>
-              <a:rPr lang="tr-TR" dirty="0"/>
-              <a:t>Konuşabilir, dinleyebilir, koşabilir, kod yazabilir etc.</a:t>
-            </a:r>
-          </a:p>
-          <a:p>
-            <a:pPr lvl="1"/>
-            <a:r>
-              <a:rPr lang="tr-TR" dirty="0"/>
-              <a:t>Bilgisayar bir makinedir.</a:t>
-            </a:r>
-          </a:p>
-          <a:p>
-            <a:pPr lvl="2"/>
-            <a:r>
-              <a:rPr lang="tr-TR" dirty="0"/>
-              <a:t>Bozulabilir, kırılabilir, işlem yapabilir etc.</a:t>
-            </a:r>
-          </a:p>
-        </p:txBody>
-      </p:sp>
+        </p:nvPicPr>
+        <p:blipFill>
+          <a:blip r:embed="rId2"/>
+          <a:stretch>
+            <a:fillRect/>
+          </a:stretch>
+        </p:blipFill>
+        <p:spPr>
+          <a:xfrm>
+            <a:off x="838200" y="1690688"/>
+            <a:ext cx="3945351" cy="4351338"/>
+          </a:xfrm>
+        </p:spPr>
+      </p:pic>
       <p:sp>
         <p:nvSpPr>
           <p:cNvPr id="4" name="Date Placeholder 3">
             <a:extLst>
               <a:ext uri="{FF2B5EF4-FFF2-40B4-BE49-F238E27FC236}">
-                <a16:creationId xmlns:a16="http://schemas.microsoft.com/office/drawing/2014/main" id="{8BDF3458-A264-DB46-9063-E9BEF0B6D6E3}"/>
+                <a16:creationId xmlns:a16="http://schemas.microsoft.com/office/drawing/2014/main" id="{5AEC84FC-410E-4545-947B-47459825CCF8}"/>
               </a:ext>
             </a:extLst>
           </p:cNvPr>
@@ -9876,7 +10527,7 @@
           <p:cNvPr id="5" name="Slide Number Placeholder 4">
             <a:extLst>
               <a:ext uri="{FF2B5EF4-FFF2-40B4-BE49-F238E27FC236}">
-                <a16:creationId xmlns:a16="http://schemas.microsoft.com/office/drawing/2014/main" id="{5DF9BA5E-BB07-8B4F-9B33-8759238E2C2F}"/>
+                <a16:creationId xmlns:a16="http://schemas.microsoft.com/office/drawing/2014/main" id="{A76787DF-8831-DA4B-BE73-6F2DE25301C1}"/>
               </a:ext>
             </a:extLst>
           </p:cNvPr>
@@ -9900,10 +10551,111 @@
           </a:p>
         </p:txBody>
       </p:sp>
+      <p:pic>
+        <p:nvPicPr>
+          <p:cNvPr id="9" name="Picture 8" descr="A screenshot of text&#10;&#10;Description automatically generated">
+            <a:extLst>
+              <a:ext uri="{FF2B5EF4-FFF2-40B4-BE49-F238E27FC236}">
+                <a16:creationId xmlns:a16="http://schemas.microsoft.com/office/drawing/2014/main" id="{279A8A4B-BE50-6A45-B694-E9C27181A03F}"/>
+              </a:ext>
+            </a:extLst>
+          </p:cNvPr>
+          <p:cNvPicPr>
+            <a:picLocks noChangeAspect="1"/>
+          </p:cNvPicPr>
+          <p:nvPr/>
+        </p:nvPicPr>
+        <p:blipFill>
+          <a:blip r:embed="rId3"/>
+          <a:stretch>
+            <a:fillRect/>
+          </a:stretch>
+        </p:blipFill>
+        <p:spPr>
+          <a:xfrm>
+            <a:off x="8653036" y="1690688"/>
+            <a:ext cx="3538964" cy="4277409"/>
+          </a:xfrm>
+          <a:prstGeom prst="rect">
+            <a:avLst/>
+          </a:prstGeom>
+        </p:spPr>
+      </p:pic>
+      <p:pic>
+        <p:nvPicPr>
+          <p:cNvPr id="11" name="Picture 10" descr="A screenshot of a cell phone&#10;&#10;Description automatically generated">
+            <a:extLst>
+              <a:ext uri="{FF2B5EF4-FFF2-40B4-BE49-F238E27FC236}">
+                <a16:creationId xmlns:a16="http://schemas.microsoft.com/office/drawing/2014/main" id="{8948BE5E-D379-6F4B-834F-B1901AD1FA51}"/>
+              </a:ext>
+            </a:extLst>
+          </p:cNvPr>
+          <p:cNvPicPr>
+            <a:picLocks noChangeAspect="1"/>
+          </p:cNvPicPr>
+          <p:nvPr/>
+        </p:nvPicPr>
+        <p:blipFill>
+          <a:blip r:embed="rId4"/>
+          <a:stretch>
+            <a:fillRect/>
+          </a:stretch>
+        </p:blipFill>
+        <p:spPr>
+          <a:xfrm>
+            <a:off x="4858251" y="1690688"/>
+            <a:ext cx="3213693" cy="4351338"/>
+          </a:xfrm>
+          <a:prstGeom prst="rect">
+            <a:avLst/>
+          </a:prstGeom>
+        </p:spPr>
+      </p:pic>
+      <p:cxnSp>
+        <p:nvCxnSpPr>
+          <p:cNvPr id="13" name="Straight Arrow Connector 12">
+            <a:extLst>
+              <a:ext uri="{FF2B5EF4-FFF2-40B4-BE49-F238E27FC236}">
+                <a16:creationId xmlns:a16="http://schemas.microsoft.com/office/drawing/2014/main" id="{CE919392-6E5C-CE49-B835-04CDD53A8CDB}"/>
+              </a:ext>
+            </a:extLst>
+          </p:cNvPr>
+          <p:cNvCxnSpPr>
+            <a:cxnSpLocks/>
+          </p:cNvCxnSpPr>
+          <p:nvPr/>
+        </p:nvCxnSpPr>
+        <p:spPr>
+          <a:xfrm>
+            <a:off x="7903778" y="3866357"/>
+            <a:ext cx="936000" cy="0"/>
+          </a:xfrm>
+          <a:prstGeom prst="straightConnector1">
+            <a:avLst/>
+          </a:prstGeom>
+          <a:ln>
+            <a:tailEnd type="triangle"/>
+          </a:ln>
+        </p:spPr>
+        <p:style>
+          <a:lnRef idx="1">
+            <a:schemeClr val="dk1"/>
+          </a:lnRef>
+          <a:fillRef idx="0">
+            <a:schemeClr val="dk1"/>
+          </a:fillRef>
+          <a:effectRef idx="0">
+            <a:schemeClr val="dk1"/>
+          </a:effectRef>
+          <a:fontRef idx="minor">
+            <a:schemeClr val="tx1"/>
+          </a:fontRef>
+        </p:style>
+      </p:cxnSp>
     </p:spTree>
     <p:extLst>
       <p:ext uri="{BB962C8B-B14F-4D97-AF65-F5344CB8AC3E}">
-        <p14:creationId xmlns:p14="http://schemas.microsoft.com/office/powerpoint/2010/main" val="1686906663"/>
+        <p14:creationId xmlns:p14="http://schemas.microsoft.com/office/powerpoint/2010/main" val="3551330668"/>
       </p:ext>
     </p:extLst>
   </p:cSld>
@@ -9935,7 +10687,7 @@
           <p:cNvPr id="2" name="Title 1">
             <a:extLst>
               <a:ext uri="{FF2B5EF4-FFF2-40B4-BE49-F238E27FC236}">
-                <a16:creationId xmlns:a16="http://schemas.microsoft.com/office/drawing/2014/main" id="{D6233FA0-276B-5641-8FC4-647FCF530E63}"/>
+                <a16:creationId xmlns:a16="http://schemas.microsoft.com/office/drawing/2014/main" id="{1F003A22-4D9A-0447-A40F-310033CD2ED8}"/>
               </a:ext>
             </a:extLst>
           </p:cNvPr>
@@ -9953,69 +10705,46 @@
           <a:p>
             <a:r>
               <a:rPr lang="tr-TR" dirty="0"/>
-              <a:t>Nesne Tipleri</a:t>
-            </a:r>
-          </a:p>
-        </p:txBody>
-      </p:sp>
-      <p:sp>
-        <p:nvSpPr>
-          <p:cNvPr id="3" name="Content Placeholder 2">
-            <a:extLst>
-              <a:ext uri="{FF2B5EF4-FFF2-40B4-BE49-F238E27FC236}">
-                <a16:creationId xmlns:a16="http://schemas.microsoft.com/office/drawing/2014/main" id="{FA4F0C0F-5F20-4B43-BE12-5B5D5618F3B1}"/>
-              </a:ext>
-            </a:extLst>
-          </p:cNvPr>
-          <p:cNvSpPr>
-            <a:spLocks noGrp="1"/>
-          </p:cNvSpPr>
+              <a:t>Problemler</a:t>
+            </a:r>
+          </a:p>
+        </p:txBody>
+      </p:sp>
+      <p:pic>
+        <p:nvPicPr>
+          <p:cNvPr id="7" name="Content Placeholder 6" descr="A screenshot of a social media post&#10;&#10;Description automatically generated">
+            <a:extLst>
+              <a:ext uri="{FF2B5EF4-FFF2-40B4-BE49-F238E27FC236}">
+                <a16:creationId xmlns:a16="http://schemas.microsoft.com/office/drawing/2014/main" id="{3D58CA48-FD7F-5449-87D4-576D5009E84A}"/>
+              </a:ext>
+            </a:extLst>
+          </p:cNvPr>
+          <p:cNvPicPr>
+            <a:picLocks noGrp="1" noChangeAspect="1"/>
+          </p:cNvPicPr>
           <p:nvPr>
             <p:ph idx="1"/>
           </p:nvPr>
-        </p:nvSpPr>
-        <p:spPr/>
-        <p:txBody>
-          <a:bodyPr/>
-          <a:lstStyle/>
-          <a:p>
-            <a:r>
-              <a:rPr lang="tr-TR" dirty="0"/>
-              <a:t>Skaler nesneler</a:t>
-            </a:r>
-          </a:p>
-          <a:p>
-            <a:pPr lvl="1"/>
-            <a:r>
-              <a:rPr lang="tr-TR" dirty="0"/>
-              <a:t>Daha küçük parçalara bölünemeyen tip. Örneğin numaralar ve karakterler.</a:t>
-            </a:r>
-          </a:p>
-          <a:p>
-            <a:pPr lvl="1"/>
-            <a:endParaRPr lang="tr-TR" dirty="0"/>
-          </a:p>
-          <a:p>
-            <a:r>
-              <a:rPr lang="tr-TR" dirty="0"/>
-              <a:t>Skaler olmayan nesneler</a:t>
-            </a:r>
-          </a:p>
-          <a:p>
-            <a:pPr lvl="1"/>
-            <a:r>
-              <a:rPr lang="tr-TR" dirty="0"/>
-              <a:t>Daha küçük parçalara ayrılabilen nesneler. Örneğin Listeler.</a:t>
-            </a:r>
-          </a:p>
-        </p:txBody>
-      </p:sp>
+        </p:nvPicPr>
+        <p:blipFill>
+          <a:blip r:embed="rId2"/>
+          <a:stretch>
+            <a:fillRect/>
+          </a:stretch>
+        </p:blipFill>
+        <p:spPr>
+          <a:xfrm>
+            <a:off x="838200" y="2170870"/>
+            <a:ext cx="10515600" cy="3660848"/>
+          </a:xfrm>
+        </p:spPr>
+      </p:pic>
       <p:sp>
         <p:nvSpPr>
           <p:cNvPr id="4" name="Date Placeholder 3">
             <a:extLst>
               <a:ext uri="{FF2B5EF4-FFF2-40B4-BE49-F238E27FC236}">
-                <a16:creationId xmlns:a16="http://schemas.microsoft.com/office/drawing/2014/main" id="{10915C89-F4E9-1047-B209-67C619CC86CC}"/>
+                <a16:creationId xmlns:a16="http://schemas.microsoft.com/office/drawing/2014/main" id="{DB386B88-EE4B-E349-AFCE-6DD34503449C}"/>
               </a:ext>
             </a:extLst>
           </p:cNvPr>
@@ -10044,7 +10773,7 @@
           <p:cNvPr id="5" name="Slide Number Placeholder 4">
             <a:extLst>
               <a:ext uri="{FF2B5EF4-FFF2-40B4-BE49-F238E27FC236}">
-                <a16:creationId xmlns:a16="http://schemas.microsoft.com/office/drawing/2014/main" id="{C7CA4345-7CD2-5546-BA34-32EB80B1D069}"/>
+                <a16:creationId xmlns:a16="http://schemas.microsoft.com/office/drawing/2014/main" id="{ADF7C6E1-DA4D-AD4F-86E2-6CBB90700F07}"/>
               </a:ext>
             </a:extLst>
           </p:cNvPr>
@@ -10071,7 +10800,7 @@
     </p:spTree>
     <p:extLst>
       <p:ext uri="{BB962C8B-B14F-4D97-AF65-F5344CB8AC3E}">
-        <p14:creationId xmlns:p14="http://schemas.microsoft.com/office/powerpoint/2010/main" val="956917466"/>
+        <p14:creationId xmlns:p14="http://schemas.microsoft.com/office/powerpoint/2010/main" val="1781110040"/>
       </p:ext>
     </p:extLst>
   </p:cSld>
@@ -10103,7 +10832,7 @@
           <p:cNvPr id="2" name="Title 1">
             <a:extLst>
               <a:ext uri="{FF2B5EF4-FFF2-40B4-BE49-F238E27FC236}">
-                <a16:creationId xmlns:a16="http://schemas.microsoft.com/office/drawing/2014/main" id="{F4015C51-6854-FA47-ABE8-708AF75CE8D6}"/>
+                <a16:creationId xmlns:a16="http://schemas.microsoft.com/office/drawing/2014/main" id="{8E282CD7-3A56-E64F-93CA-D6C29A00E8AC}"/>
               </a:ext>
             </a:extLst>
           </p:cNvPr>
@@ -10120,10 +10849,9 @@
           <a:lstStyle/>
           <a:p>
             <a:r>
-              <a:rPr lang="en-US" dirty="0"/>
-              <a:t>Bilgi Tipleri </a:t>
-            </a:r>
-            <a:endParaRPr dirty="0"/>
+              <a:rPr lang="tr-TR" dirty="0"/>
+              <a:t>Bilgi veri yapıları ile nasıl temsil edilir?</a:t>
+            </a:r>
           </a:p>
         </p:txBody>
       </p:sp>
@@ -10132,7 +10860,7 @@
           <p:cNvPr id="3" name="Content Placeholder 2">
             <a:extLst>
               <a:ext uri="{FF2B5EF4-FFF2-40B4-BE49-F238E27FC236}">
-                <a16:creationId xmlns:a16="http://schemas.microsoft.com/office/drawing/2014/main" id="{5839892F-1FCA-2049-8A37-4A8130C0B3CE}"/>
+                <a16:creationId xmlns:a16="http://schemas.microsoft.com/office/drawing/2014/main" id="{018E57A1-5960-C440-B49E-AEF88E9C6264}"/>
               </a:ext>
             </a:extLst>
           </p:cNvPr>
@@ -10145,24 +10873,19 @@
         </p:nvSpPr>
         <p:spPr/>
         <p:txBody>
-          <a:bodyPr>
-            <a:normAutofit/>
-          </a:bodyPr>
-          <a:lstStyle/>
-          <a:p>
-            <a:pPr marL="0" indent="0">
-              <a:buNone/>
-            </a:pPr>
+          <a:bodyPr/>
+          <a:lstStyle/>
+          <a:p>
             <a:r>
               <a:rPr lang="tr-TR" dirty="0"/>
-              <a:t>Bildirimsel Bilgi</a:t>
+              <a:t>Objeler (Nesneler)</a:t>
             </a:r>
           </a:p>
           <a:p>
             <a:pPr lvl="1"/>
             <a:r>
               <a:rPr lang="tr-TR" dirty="0"/>
-              <a:t>Gerçeklerin ifade edilmesi. Örneğin ’Ders sonunda bir kişi kahve kazanacak.’</a:t>
+              <a:t>Belirli birtakım metotlara ve/veya niteliklere sahip olan öğelere nesne adı verilir. Yani ‘nesne’ kelimesi, içinde birtakım metot ve/veya nitelikler barındıran öğeleri tanımlamak için kullanılan bir tabirden, basit bir isimlendirmeden ibarettir.</a:t>
             </a:r>
           </a:p>
           <a:p>
@@ -10170,33 +10893,31 @@
             <a:endParaRPr lang="tr-TR" dirty="0"/>
           </a:p>
           <a:p>
-            <a:pPr marL="0" indent="0">
-              <a:buNone/>
-            </a:pPr>
+            <a:pPr lvl="1"/>
             <a:r>
               <a:rPr lang="tr-TR" dirty="0"/>
-              <a:t>Emirsel Bilgi</a:t>
+              <a:t>Batuhan bir insandır.</a:t>
+            </a:r>
+          </a:p>
+          <a:p>
+            <a:pPr lvl="2"/>
+            <a:r>
+              <a:rPr lang="tr-TR" dirty="0"/>
+              <a:t>Konuşabilir, dinleyebilir, koşabilir, kod yazabilir etc.</a:t>
             </a:r>
           </a:p>
           <a:p>
             <a:pPr lvl="1"/>
             <a:r>
               <a:rPr lang="tr-TR" dirty="0"/>
-              <a:t>Bir tarif verilmesi veya nasıl yapılacağının belirtilmesi.</a:t>
+              <a:t>Bilgisayar bir makinedir.</a:t>
             </a:r>
           </a:p>
           <a:p>
             <a:pPr lvl="2"/>
             <a:r>
               <a:rPr lang="tr-TR" dirty="0"/>
-              <a:t>1- Batuhan Python üzerinden rastgele bir sayı üretir.</a:t>
-            </a:r>
-          </a:p>
-          <a:p>
-            <a:pPr lvl="2"/>
-            <a:r>
-              <a:rPr lang="tr-TR" dirty="0"/>
-              <a:t>2- Batuhan kişi listesinden sayıyı bulur ve kazananı belirler.</a:t>
+              <a:t>Bozulabilir, kırılabilir, işlem yapabilir etc.</a:t>
             </a:r>
           </a:p>
         </p:txBody>
@@ -10206,7 +10927,7 @@
           <p:cNvPr id="4" name="Date Placeholder 3">
             <a:extLst>
               <a:ext uri="{FF2B5EF4-FFF2-40B4-BE49-F238E27FC236}">
-                <a16:creationId xmlns:a16="http://schemas.microsoft.com/office/drawing/2014/main" id="{15BF110A-69F9-BF4D-B391-B27C78BA3EC5}"/>
+                <a16:creationId xmlns:a16="http://schemas.microsoft.com/office/drawing/2014/main" id="{8BDF3458-A264-DB46-9063-E9BEF0B6D6E3}"/>
               </a:ext>
             </a:extLst>
           </p:cNvPr>
@@ -10235,7 +10956,7 @@
           <p:cNvPr id="5" name="Slide Number Placeholder 4">
             <a:extLst>
               <a:ext uri="{FF2B5EF4-FFF2-40B4-BE49-F238E27FC236}">
-                <a16:creationId xmlns:a16="http://schemas.microsoft.com/office/drawing/2014/main" id="{6A634B4C-18E4-3F42-9685-D3CFB4337D3F}"/>
+                <a16:creationId xmlns:a16="http://schemas.microsoft.com/office/drawing/2014/main" id="{5DF9BA5E-BB07-8B4F-9B33-8759238E2C2F}"/>
               </a:ext>
             </a:extLst>
           </p:cNvPr>
@@ -10262,7 +10983,7 @@
     </p:spTree>
     <p:extLst>
       <p:ext uri="{BB962C8B-B14F-4D97-AF65-F5344CB8AC3E}">
-        <p14:creationId xmlns:p14="http://schemas.microsoft.com/office/powerpoint/2010/main" val="1118790915"/>
+        <p14:creationId xmlns:p14="http://schemas.microsoft.com/office/powerpoint/2010/main" val="1686906663"/>
       </p:ext>
     </p:extLst>
   </p:cSld>
